--- a/00_IMG_IK.pptx
+++ b/00_IMG_IK.pptx
@@ -7,6 +7,7 @@
   <p:sldIdLst>
     <p:sldId id="256" r:id="rId2"/>
     <p:sldId id="257" r:id="rId3"/>
+    <p:sldId id="258" r:id="rId4"/>
   </p:sldIdLst>
   <p:sldSz cx="9144000" cy="6858000" type="screen4x3"/>
   <p:notesSz cx="6858000" cy="9144000"/>
@@ -290,7 +291,7 @@
             <a:fld id="{66221E02-25CB-4963-84BC-0813985E7D90}" type="datetimeFigureOut">
               <a:rPr lang="pl-PL" smtClean="0"/>
               <a:pPr/>
-              <a:t>2015-03-20</a:t>
+              <a:t>2015-04-07</a:t>
             </a:fld>
             <a:endParaRPr lang="pl-PL"/>
           </a:p>
@@ -457,7 +458,7 @@
             <a:fld id="{66221E02-25CB-4963-84BC-0813985E7D90}" type="datetimeFigureOut">
               <a:rPr lang="pl-PL" smtClean="0"/>
               <a:pPr/>
-              <a:t>2015-03-20</a:t>
+              <a:t>2015-04-07</a:t>
             </a:fld>
             <a:endParaRPr lang="pl-PL"/>
           </a:p>
@@ -634,7 +635,7 @@
             <a:fld id="{66221E02-25CB-4963-84BC-0813985E7D90}" type="datetimeFigureOut">
               <a:rPr lang="pl-PL" smtClean="0"/>
               <a:pPr/>
-              <a:t>2015-03-20</a:t>
+              <a:t>2015-04-07</a:t>
             </a:fld>
             <a:endParaRPr lang="pl-PL"/>
           </a:p>
@@ -801,7 +802,7 @@
             <a:fld id="{66221E02-25CB-4963-84BC-0813985E7D90}" type="datetimeFigureOut">
               <a:rPr lang="pl-PL" smtClean="0"/>
               <a:pPr/>
-              <a:t>2015-03-20</a:t>
+              <a:t>2015-04-07</a:t>
             </a:fld>
             <a:endParaRPr lang="pl-PL"/>
           </a:p>
@@ -1044,7 +1045,7 @@
             <a:fld id="{66221E02-25CB-4963-84BC-0813985E7D90}" type="datetimeFigureOut">
               <a:rPr lang="pl-PL" smtClean="0"/>
               <a:pPr/>
-              <a:t>2015-03-20</a:t>
+              <a:t>2015-04-07</a:t>
             </a:fld>
             <a:endParaRPr lang="pl-PL"/>
           </a:p>
@@ -1329,7 +1330,7 @@
             <a:fld id="{66221E02-25CB-4963-84BC-0813985E7D90}" type="datetimeFigureOut">
               <a:rPr lang="pl-PL" smtClean="0"/>
               <a:pPr/>
-              <a:t>2015-03-20</a:t>
+              <a:t>2015-04-07</a:t>
             </a:fld>
             <a:endParaRPr lang="pl-PL"/>
           </a:p>
@@ -1748,7 +1749,7 @@
             <a:fld id="{66221E02-25CB-4963-84BC-0813985E7D90}" type="datetimeFigureOut">
               <a:rPr lang="pl-PL" smtClean="0"/>
               <a:pPr/>
-              <a:t>2015-03-20</a:t>
+              <a:t>2015-04-07</a:t>
             </a:fld>
             <a:endParaRPr lang="pl-PL"/>
           </a:p>
@@ -1863,7 +1864,7 @@
             <a:fld id="{66221E02-25CB-4963-84BC-0813985E7D90}" type="datetimeFigureOut">
               <a:rPr lang="pl-PL" smtClean="0"/>
               <a:pPr/>
-              <a:t>2015-03-20</a:t>
+              <a:t>2015-04-07</a:t>
             </a:fld>
             <a:endParaRPr lang="pl-PL"/>
           </a:p>
@@ -1955,7 +1956,7 @@
             <a:fld id="{66221E02-25CB-4963-84BC-0813985E7D90}" type="datetimeFigureOut">
               <a:rPr lang="pl-PL" smtClean="0"/>
               <a:pPr/>
-              <a:t>2015-03-20</a:t>
+              <a:t>2015-04-07</a:t>
             </a:fld>
             <a:endParaRPr lang="pl-PL"/>
           </a:p>
@@ -2229,7 +2230,7 @@
             <a:fld id="{66221E02-25CB-4963-84BC-0813985E7D90}" type="datetimeFigureOut">
               <a:rPr lang="pl-PL" smtClean="0"/>
               <a:pPr/>
-              <a:t>2015-03-20</a:t>
+              <a:t>2015-04-07</a:t>
             </a:fld>
             <a:endParaRPr lang="pl-PL"/>
           </a:p>
@@ -2479,7 +2480,7 @@
             <a:fld id="{66221E02-25CB-4963-84BC-0813985E7D90}" type="datetimeFigureOut">
               <a:rPr lang="pl-PL" smtClean="0"/>
               <a:pPr/>
-              <a:t>2015-03-20</a:t>
+              <a:t>2015-04-07</a:t>
             </a:fld>
             <a:endParaRPr lang="pl-PL"/>
           </a:p>
@@ -2689,7 +2690,7 @@
             <a:fld id="{66221E02-25CB-4963-84BC-0813985E7D90}" type="datetimeFigureOut">
               <a:rPr lang="pl-PL" smtClean="0"/>
               <a:pPr/>
-              <a:t>2015-03-20</a:t>
+              <a:t>2015-04-07</a:t>
             </a:fld>
             <a:endParaRPr lang="pl-PL"/>
           </a:p>
@@ -4578,8 +4579,8 @@
         </p:nvSpPr>
         <p:spPr>
           <a:xfrm>
-            <a:off x="1797860" y="2564904"/>
-            <a:ext cx="432048" cy="648072"/>
+            <a:off x="1547664" y="2564904"/>
+            <a:ext cx="936104" cy="648072"/>
           </a:xfrm>
           <a:prstGeom prst="rect">
             <a:avLst/>
@@ -10161,6 +10162,1216 @@
             <a:solidFill>
               <a:schemeClr val="tx1"/>
             </a:solidFill>
+          </a:ln>
+        </p:spPr>
+        <p:style>
+          <a:lnRef idx="1">
+            <a:schemeClr val="accent1"/>
+          </a:lnRef>
+          <a:fillRef idx="0">
+            <a:schemeClr val="accent1"/>
+          </a:fillRef>
+          <a:effectRef idx="0">
+            <a:schemeClr val="accent1"/>
+          </a:effectRef>
+          <a:fontRef idx="minor">
+            <a:schemeClr val="tx1"/>
+          </a:fontRef>
+        </p:style>
+      </p:cxnSp>
+    </p:spTree>
+  </p:cSld>
+  <p:clrMapOvr>
+    <a:masterClrMapping/>
+  </p:clrMapOvr>
+</p:sld>
+</file>
+
+<file path=ppt/slides/slide3.xml><?xml version="1.0" encoding="utf-8"?>
+<p:sld xmlns:a="http://schemas.openxmlformats.org/drawingml/2006/main" xmlns:r="http://schemas.openxmlformats.org/officeDocument/2006/relationships" xmlns:p="http://schemas.openxmlformats.org/presentationml/2006/main">
+  <p:cSld>
+    <p:spTree>
+      <p:nvGrpSpPr>
+        <p:cNvPr id="1" name=""/>
+        <p:cNvGrpSpPr/>
+        <p:nvPr/>
+      </p:nvGrpSpPr>
+      <p:grpSpPr>
+        <a:xfrm>
+          <a:off x="0" y="0"/>
+          <a:ext cx="0" cy="0"/>
+          <a:chOff x="0" y="0"/>
+          <a:chExt cx="0" cy="0"/>
+        </a:xfrm>
+      </p:grpSpPr>
+      <p:sp>
+        <p:nvSpPr>
+          <p:cNvPr id="4" name="Prostokąt zaokrąglony 3"/>
+          <p:cNvSpPr/>
+          <p:nvPr/>
+        </p:nvSpPr>
+        <p:spPr>
+          <a:xfrm>
+            <a:off x="2411760" y="404664"/>
+            <a:ext cx="1512168" cy="2952328"/>
+          </a:xfrm>
+          <a:prstGeom prst="roundRect">
+            <a:avLst>
+              <a:gd name="adj" fmla="val 42776"/>
+            </a:avLst>
+          </a:prstGeom>
+          <a:noFill/>
+          <a:ln>
+            <a:solidFill>
+              <a:schemeClr val="tx1">
+                <a:lumMod val="95000"/>
+                <a:lumOff val="5000"/>
+              </a:schemeClr>
+            </a:solidFill>
+          </a:ln>
+        </p:spPr>
+        <p:style>
+          <a:lnRef idx="2">
+            <a:schemeClr val="accent1">
+              <a:shade val="50000"/>
+            </a:schemeClr>
+          </a:lnRef>
+          <a:fillRef idx="1">
+            <a:schemeClr val="accent1"/>
+          </a:fillRef>
+          <a:effectRef idx="0">
+            <a:schemeClr val="accent1"/>
+          </a:effectRef>
+          <a:fontRef idx="minor">
+            <a:schemeClr val="lt1"/>
+          </a:fontRef>
+        </p:style>
+        <p:txBody>
+          <a:bodyPr rtlCol="0" anchor="ctr"/>
+          <a:lstStyle/>
+          <a:p>
+            <a:pPr algn="ctr"/>
+            <a:endParaRPr lang="pl-PL"/>
+          </a:p>
+        </p:txBody>
+      </p:sp>
+      <p:sp>
+        <p:nvSpPr>
+          <p:cNvPr id="9" name="Prostokąt 8"/>
+          <p:cNvSpPr/>
+          <p:nvPr/>
+        </p:nvSpPr>
+        <p:spPr>
+          <a:xfrm>
+            <a:off x="3928120" y="2492896"/>
+            <a:ext cx="648072" cy="288032"/>
+          </a:xfrm>
+          <a:prstGeom prst="rect">
+            <a:avLst/>
+          </a:prstGeom>
+          <a:noFill/>
+          <a:ln w="25400">
+            <a:solidFill>
+              <a:schemeClr val="tx1"/>
+            </a:solidFill>
+          </a:ln>
+        </p:spPr>
+        <p:style>
+          <a:lnRef idx="2">
+            <a:schemeClr val="accent1">
+              <a:shade val="50000"/>
+            </a:schemeClr>
+          </a:lnRef>
+          <a:fillRef idx="1">
+            <a:schemeClr val="accent1"/>
+          </a:fillRef>
+          <a:effectRef idx="0">
+            <a:schemeClr val="accent1"/>
+          </a:effectRef>
+          <a:fontRef idx="minor">
+            <a:schemeClr val="lt1"/>
+          </a:fontRef>
+        </p:style>
+        <p:txBody>
+          <a:bodyPr rtlCol="0" anchor="ctr"/>
+          <a:lstStyle/>
+          <a:p>
+            <a:pPr algn="ctr"/>
+            <a:endParaRPr lang="pl-PL"/>
+          </a:p>
+        </p:txBody>
+      </p:sp>
+      <p:sp>
+        <p:nvSpPr>
+          <p:cNvPr id="10" name="Prostokąt 9"/>
+          <p:cNvSpPr/>
+          <p:nvPr/>
+        </p:nvSpPr>
+        <p:spPr>
+          <a:xfrm>
+            <a:off x="3923928" y="1052736"/>
+            <a:ext cx="648072" cy="288032"/>
+          </a:xfrm>
+          <a:prstGeom prst="rect">
+            <a:avLst/>
+          </a:prstGeom>
+          <a:noFill/>
+          <a:ln w="25400">
+            <a:solidFill>
+              <a:schemeClr val="tx1"/>
+            </a:solidFill>
+          </a:ln>
+        </p:spPr>
+        <p:style>
+          <a:lnRef idx="2">
+            <a:schemeClr val="accent1">
+              <a:shade val="50000"/>
+            </a:schemeClr>
+          </a:lnRef>
+          <a:fillRef idx="1">
+            <a:schemeClr val="accent1"/>
+          </a:fillRef>
+          <a:effectRef idx="0">
+            <a:schemeClr val="accent1"/>
+          </a:effectRef>
+          <a:fontRef idx="minor">
+            <a:schemeClr val="lt1"/>
+          </a:fontRef>
+        </p:style>
+        <p:txBody>
+          <a:bodyPr rtlCol="0" anchor="ctr"/>
+          <a:lstStyle/>
+          <a:p>
+            <a:pPr algn="ctr"/>
+            <a:endParaRPr lang="pl-PL"/>
+          </a:p>
+        </p:txBody>
+      </p:sp>
+      <p:sp>
+        <p:nvSpPr>
+          <p:cNvPr id="11" name="Prostokąt 10"/>
+          <p:cNvSpPr/>
+          <p:nvPr/>
+        </p:nvSpPr>
+        <p:spPr>
+          <a:xfrm>
+            <a:off x="2708300" y="1641500"/>
+            <a:ext cx="936104" cy="792088"/>
+          </a:xfrm>
+          <a:prstGeom prst="rect">
+            <a:avLst/>
+          </a:prstGeom>
+          <a:noFill/>
+          <a:ln>
+            <a:solidFill>
+              <a:schemeClr val="bg1">
+                <a:lumMod val="50000"/>
+              </a:schemeClr>
+            </a:solidFill>
+          </a:ln>
+        </p:spPr>
+        <p:style>
+          <a:lnRef idx="2">
+            <a:schemeClr val="accent1">
+              <a:shade val="50000"/>
+            </a:schemeClr>
+          </a:lnRef>
+          <a:fillRef idx="1">
+            <a:schemeClr val="accent1"/>
+          </a:fillRef>
+          <a:effectRef idx="0">
+            <a:schemeClr val="accent1"/>
+          </a:effectRef>
+          <a:fontRef idx="minor">
+            <a:schemeClr val="lt1"/>
+          </a:fontRef>
+        </p:style>
+        <p:txBody>
+          <a:bodyPr rtlCol="0" anchor="ctr"/>
+          <a:lstStyle/>
+          <a:p>
+            <a:pPr algn="ctr"/>
+            <a:endParaRPr lang="pl-PL"/>
+          </a:p>
+        </p:txBody>
+      </p:sp>
+      <p:cxnSp>
+        <p:nvCxnSpPr>
+          <p:cNvPr id="12" name="Łącznik prosty ze strzałką 11"/>
+          <p:cNvCxnSpPr/>
+          <p:nvPr/>
+        </p:nvCxnSpPr>
+        <p:spPr>
+          <a:xfrm flipV="1">
+            <a:off x="4055244" y="1199816"/>
+            <a:ext cx="457200" cy="0"/>
+          </a:xfrm>
+          <a:prstGeom prst="straightConnector1">
+            <a:avLst/>
+          </a:prstGeom>
+          <a:ln w="44450">
+            <a:solidFill>
+              <a:schemeClr val="tx1"/>
+            </a:solidFill>
+            <a:tailEnd type="triangle"/>
+          </a:ln>
+        </p:spPr>
+        <p:style>
+          <a:lnRef idx="1">
+            <a:schemeClr val="accent1"/>
+          </a:lnRef>
+          <a:fillRef idx="0">
+            <a:schemeClr val="accent1"/>
+          </a:fillRef>
+          <a:effectRef idx="0">
+            <a:schemeClr val="accent1"/>
+          </a:effectRef>
+          <a:fontRef idx="minor">
+            <a:schemeClr val="tx1"/>
+          </a:fontRef>
+        </p:style>
+      </p:cxnSp>
+      <p:cxnSp>
+        <p:nvCxnSpPr>
+          <p:cNvPr id="13" name="Łącznik prosty ze strzałką 12"/>
+          <p:cNvCxnSpPr/>
+          <p:nvPr/>
+        </p:nvCxnSpPr>
+        <p:spPr>
+          <a:xfrm flipH="1">
+            <a:off x="3995936" y="2636912"/>
+            <a:ext cx="457200" cy="0"/>
+          </a:xfrm>
+          <a:prstGeom prst="straightConnector1">
+            <a:avLst/>
+          </a:prstGeom>
+          <a:ln w="44450">
+            <a:solidFill>
+              <a:schemeClr val="tx1"/>
+            </a:solidFill>
+            <a:tailEnd type="triangle"/>
+          </a:ln>
+        </p:spPr>
+        <p:style>
+          <a:lnRef idx="1">
+            <a:schemeClr val="accent1"/>
+          </a:lnRef>
+          <a:fillRef idx="0">
+            <a:schemeClr val="accent1"/>
+          </a:fillRef>
+          <a:effectRef idx="0">
+            <a:schemeClr val="accent1"/>
+          </a:effectRef>
+          <a:fontRef idx="minor">
+            <a:schemeClr val="tx1"/>
+          </a:fontRef>
+        </p:style>
+      </p:cxnSp>
+      <p:sp>
+        <p:nvSpPr>
+          <p:cNvPr id="14" name="Łuk 13"/>
+          <p:cNvSpPr/>
+          <p:nvPr/>
+        </p:nvSpPr>
+        <p:spPr>
+          <a:xfrm rot="16200000">
+            <a:off x="3131840" y="1124744"/>
+            <a:ext cx="720080" cy="864096"/>
+          </a:xfrm>
+          <a:prstGeom prst="arc">
+            <a:avLst/>
+          </a:prstGeom>
+          <a:ln w="44450">
+            <a:solidFill>
+              <a:schemeClr val="tx1"/>
+            </a:solidFill>
+            <a:tailEnd type="triangle"/>
+          </a:ln>
+        </p:spPr>
+        <p:style>
+          <a:lnRef idx="1">
+            <a:schemeClr val="accent1"/>
+          </a:lnRef>
+          <a:fillRef idx="0">
+            <a:schemeClr val="accent1"/>
+          </a:fillRef>
+          <a:effectRef idx="0">
+            <a:schemeClr val="accent1"/>
+          </a:effectRef>
+          <a:fontRef idx="minor">
+            <a:schemeClr val="tx1"/>
+          </a:fontRef>
+        </p:style>
+        <p:txBody>
+          <a:bodyPr rtlCol="0" anchor="ctr"/>
+          <a:lstStyle/>
+          <a:p>
+            <a:pPr algn="ctr"/>
+            <a:endParaRPr lang="pl-PL"/>
+          </a:p>
+        </p:txBody>
+      </p:sp>
+      <p:sp>
+        <p:nvSpPr>
+          <p:cNvPr id="15" name="Łuk 14"/>
+          <p:cNvSpPr/>
+          <p:nvPr/>
+        </p:nvSpPr>
+        <p:spPr>
+          <a:xfrm rot="16200000">
+            <a:off x="3419872" y="1844824"/>
+            <a:ext cx="576064" cy="1152128"/>
+          </a:xfrm>
+          <a:prstGeom prst="arc">
+            <a:avLst>
+              <a:gd name="adj1" fmla="val 10803197"/>
+              <a:gd name="adj2" fmla="val 15871558"/>
+            </a:avLst>
+          </a:prstGeom>
+          <a:ln w="44450">
+            <a:solidFill>
+              <a:schemeClr val="tx1"/>
+            </a:solidFill>
+            <a:tailEnd type="triangle"/>
+          </a:ln>
+        </p:spPr>
+        <p:style>
+          <a:lnRef idx="1">
+            <a:schemeClr val="accent1"/>
+          </a:lnRef>
+          <a:fillRef idx="0">
+            <a:schemeClr val="accent1"/>
+          </a:fillRef>
+          <a:effectRef idx="0">
+            <a:schemeClr val="accent1"/>
+          </a:effectRef>
+          <a:fontRef idx="minor">
+            <a:schemeClr val="tx1"/>
+          </a:fontRef>
+        </p:style>
+        <p:txBody>
+          <a:bodyPr rtlCol="0" anchor="ctr"/>
+          <a:lstStyle/>
+          <a:p>
+            <a:pPr algn="ctr"/>
+            <a:endParaRPr lang="pl-PL"/>
+          </a:p>
+        </p:txBody>
+      </p:sp>
+      <p:sp>
+        <p:nvSpPr>
+          <p:cNvPr id="16" name="Prostokąt 15"/>
+          <p:cNvSpPr/>
+          <p:nvPr/>
+        </p:nvSpPr>
+        <p:spPr>
+          <a:xfrm>
+            <a:off x="323528" y="1628800"/>
+            <a:ext cx="1296144" cy="792088"/>
+          </a:xfrm>
+          <a:prstGeom prst="rect">
+            <a:avLst/>
+          </a:prstGeom>
+          <a:noFill/>
+          <a:ln>
+            <a:solidFill>
+              <a:schemeClr val="bg1">
+                <a:lumMod val="50000"/>
+              </a:schemeClr>
+            </a:solidFill>
+          </a:ln>
+        </p:spPr>
+        <p:style>
+          <a:lnRef idx="2">
+            <a:schemeClr val="accent1">
+              <a:shade val="50000"/>
+            </a:schemeClr>
+          </a:lnRef>
+          <a:fillRef idx="1">
+            <a:schemeClr val="accent1"/>
+          </a:fillRef>
+          <a:effectRef idx="0">
+            <a:schemeClr val="accent1"/>
+          </a:effectRef>
+          <a:fontRef idx="minor">
+            <a:schemeClr val="lt1"/>
+          </a:fontRef>
+        </p:style>
+        <p:txBody>
+          <a:bodyPr rtlCol="0" anchor="ctr"/>
+          <a:lstStyle/>
+          <a:p>
+            <a:pPr algn="ctr"/>
+            <a:endParaRPr lang="pl-PL"/>
+          </a:p>
+        </p:txBody>
+      </p:sp>
+      <p:sp>
+        <p:nvSpPr>
+          <p:cNvPr id="17" name="Prostokąt 16"/>
+          <p:cNvSpPr/>
+          <p:nvPr/>
+        </p:nvSpPr>
+        <p:spPr>
+          <a:xfrm>
+            <a:off x="467544" y="1124744"/>
+            <a:ext cx="144016" cy="1728192"/>
+          </a:xfrm>
+          <a:prstGeom prst="rect">
+            <a:avLst/>
+          </a:prstGeom>
+          <a:solidFill>
+            <a:schemeClr val="bg1">
+              <a:lumMod val="85000"/>
+            </a:schemeClr>
+          </a:solidFill>
+          <a:ln>
+            <a:solidFill>
+              <a:schemeClr val="bg1">
+                <a:lumMod val="50000"/>
+              </a:schemeClr>
+            </a:solidFill>
+          </a:ln>
+        </p:spPr>
+        <p:style>
+          <a:lnRef idx="2">
+            <a:schemeClr val="accent1">
+              <a:shade val="50000"/>
+            </a:schemeClr>
+          </a:lnRef>
+          <a:fillRef idx="1">
+            <a:schemeClr val="accent1"/>
+          </a:fillRef>
+          <a:effectRef idx="0">
+            <a:schemeClr val="accent1"/>
+          </a:effectRef>
+          <a:fontRef idx="minor">
+            <a:schemeClr val="lt1"/>
+          </a:fontRef>
+        </p:style>
+        <p:txBody>
+          <a:bodyPr rtlCol="0" anchor="ctr"/>
+          <a:lstStyle/>
+          <a:p>
+            <a:pPr algn="ctr"/>
+            <a:endParaRPr lang="pl-PL"/>
+          </a:p>
+        </p:txBody>
+      </p:sp>
+      <p:sp>
+        <p:nvSpPr>
+          <p:cNvPr id="18" name="Prostokąt 17"/>
+          <p:cNvSpPr/>
+          <p:nvPr/>
+        </p:nvSpPr>
+        <p:spPr>
+          <a:xfrm>
+            <a:off x="764084" y="1124744"/>
+            <a:ext cx="144016" cy="1728192"/>
+          </a:xfrm>
+          <a:prstGeom prst="rect">
+            <a:avLst/>
+          </a:prstGeom>
+          <a:solidFill>
+            <a:schemeClr val="bg1">
+              <a:lumMod val="85000"/>
+            </a:schemeClr>
+          </a:solidFill>
+          <a:ln>
+            <a:solidFill>
+              <a:schemeClr val="bg1">
+                <a:lumMod val="50000"/>
+              </a:schemeClr>
+            </a:solidFill>
+          </a:ln>
+        </p:spPr>
+        <p:style>
+          <a:lnRef idx="2">
+            <a:schemeClr val="accent1">
+              <a:shade val="50000"/>
+            </a:schemeClr>
+          </a:lnRef>
+          <a:fillRef idx="1">
+            <a:schemeClr val="accent1"/>
+          </a:fillRef>
+          <a:effectRef idx="0">
+            <a:schemeClr val="accent1"/>
+          </a:effectRef>
+          <a:fontRef idx="minor">
+            <a:schemeClr val="lt1"/>
+          </a:fontRef>
+        </p:style>
+        <p:txBody>
+          <a:bodyPr rtlCol="0" anchor="ctr"/>
+          <a:lstStyle/>
+          <a:p>
+            <a:pPr algn="ctr"/>
+            <a:endParaRPr lang="pl-PL"/>
+          </a:p>
+        </p:txBody>
+      </p:sp>
+      <p:sp>
+        <p:nvSpPr>
+          <p:cNvPr id="19" name="Prostokąt 18"/>
+          <p:cNvSpPr/>
+          <p:nvPr/>
+        </p:nvSpPr>
+        <p:spPr>
+          <a:xfrm>
+            <a:off x="1052116" y="1124744"/>
+            <a:ext cx="144016" cy="1728192"/>
+          </a:xfrm>
+          <a:prstGeom prst="rect">
+            <a:avLst/>
+          </a:prstGeom>
+          <a:solidFill>
+            <a:schemeClr val="bg1">
+              <a:lumMod val="85000"/>
+            </a:schemeClr>
+          </a:solidFill>
+          <a:ln>
+            <a:solidFill>
+              <a:schemeClr val="bg1">
+                <a:lumMod val="50000"/>
+              </a:schemeClr>
+            </a:solidFill>
+          </a:ln>
+        </p:spPr>
+        <p:style>
+          <a:lnRef idx="2">
+            <a:schemeClr val="accent1">
+              <a:shade val="50000"/>
+            </a:schemeClr>
+          </a:lnRef>
+          <a:fillRef idx="1">
+            <a:schemeClr val="accent1"/>
+          </a:fillRef>
+          <a:effectRef idx="0">
+            <a:schemeClr val="accent1"/>
+          </a:effectRef>
+          <a:fontRef idx="minor">
+            <a:schemeClr val="lt1"/>
+          </a:fontRef>
+        </p:style>
+        <p:txBody>
+          <a:bodyPr rtlCol="0" anchor="ctr"/>
+          <a:lstStyle/>
+          <a:p>
+            <a:pPr algn="ctr"/>
+            <a:endParaRPr lang="pl-PL"/>
+          </a:p>
+        </p:txBody>
+      </p:sp>
+      <p:sp>
+        <p:nvSpPr>
+          <p:cNvPr id="20" name="Prostokąt 19"/>
+          <p:cNvSpPr/>
+          <p:nvPr/>
+        </p:nvSpPr>
+        <p:spPr>
+          <a:xfrm>
+            <a:off x="1340148" y="1124744"/>
+            <a:ext cx="144016" cy="1728192"/>
+          </a:xfrm>
+          <a:prstGeom prst="rect">
+            <a:avLst/>
+          </a:prstGeom>
+          <a:solidFill>
+            <a:schemeClr val="bg1">
+              <a:lumMod val="85000"/>
+            </a:schemeClr>
+          </a:solidFill>
+          <a:ln>
+            <a:solidFill>
+              <a:schemeClr val="bg1">
+                <a:lumMod val="50000"/>
+              </a:schemeClr>
+            </a:solidFill>
+          </a:ln>
+        </p:spPr>
+        <p:style>
+          <a:lnRef idx="2">
+            <a:schemeClr val="accent1">
+              <a:shade val="50000"/>
+            </a:schemeClr>
+          </a:lnRef>
+          <a:fillRef idx="1">
+            <a:schemeClr val="accent1"/>
+          </a:fillRef>
+          <a:effectRef idx="0">
+            <a:schemeClr val="accent1"/>
+          </a:effectRef>
+          <a:fontRef idx="minor">
+            <a:schemeClr val="lt1"/>
+          </a:fontRef>
+        </p:style>
+        <p:txBody>
+          <a:bodyPr rtlCol="0" anchor="ctr"/>
+          <a:lstStyle/>
+          <a:p>
+            <a:pPr algn="ctr"/>
+            <a:endParaRPr lang="pl-PL"/>
+          </a:p>
+        </p:txBody>
+      </p:sp>
+      <p:cxnSp>
+        <p:nvCxnSpPr>
+          <p:cNvPr id="21" name="Łącznik prosty ze strzałką 20"/>
+          <p:cNvCxnSpPr/>
+          <p:nvPr/>
+        </p:nvCxnSpPr>
+        <p:spPr>
+          <a:xfrm flipV="1">
+            <a:off x="1403648" y="1658392"/>
+            <a:ext cx="0" cy="711696"/>
+          </a:xfrm>
+          <a:prstGeom prst="straightConnector1">
+            <a:avLst/>
+          </a:prstGeom>
+          <a:ln w="44450">
+            <a:solidFill>
+              <a:schemeClr val="tx1"/>
+            </a:solidFill>
+            <a:tailEnd type="triangle"/>
+          </a:ln>
+        </p:spPr>
+        <p:style>
+          <a:lnRef idx="1">
+            <a:schemeClr val="accent1"/>
+          </a:lnRef>
+          <a:fillRef idx="0">
+            <a:schemeClr val="accent1"/>
+          </a:fillRef>
+          <a:effectRef idx="0">
+            <a:schemeClr val="accent1"/>
+          </a:effectRef>
+          <a:fontRef idx="minor">
+            <a:schemeClr val="tx1"/>
+          </a:fontRef>
+        </p:style>
+      </p:cxnSp>
+      <p:cxnSp>
+        <p:nvCxnSpPr>
+          <p:cNvPr id="23" name="Łącznik prosty ze strzałką 22"/>
+          <p:cNvCxnSpPr/>
+          <p:nvPr/>
+        </p:nvCxnSpPr>
+        <p:spPr>
+          <a:xfrm flipV="1">
+            <a:off x="1115616" y="1650008"/>
+            <a:ext cx="0" cy="711696"/>
+          </a:xfrm>
+          <a:prstGeom prst="straightConnector1">
+            <a:avLst/>
+          </a:prstGeom>
+          <a:ln w="44450">
+            <a:solidFill>
+              <a:schemeClr val="tx1"/>
+            </a:solidFill>
+            <a:tailEnd type="triangle"/>
+          </a:ln>
+        </p:spPr>
+        <p:style>
+          <a:lnRef idx="1">
+            <a:schemeClr val="accent1"/>
+          </a:lnRef>
+          <a:fillRef idx="0">
+            <a:schemeClr val="accent1"/>
+          </a:fillRef>
+          <a:effectRef idx="0">
+            <a:schemeClr val="accent1"/>
+          </a:effectRef>
+          <a:fontRef idx="minor">
+            <a:schemeClr val="tx1"/>
+          </a:fontRef>
+        </p:style>
+      </p:cxnSp>
+      <p:cxnSp>
+        <p:nvCxnSpPr>
+          <p:cNvPr id="24" name="Łącznik prosty ze strzałką 23"/>
+          <p:cNvCxnSpPr/>
+          <p:nvPr/>
+        </p:nvCxnSpPr>
+        <p:spPr>
+          <a:xfrm flipV="1">
+            <a:off x="840284" y="1654200"/>
+            <a:ext cx="0" cy="711696"/>
+          </a:xfrm>
+          <a:prstGeom prst="straightConnector1">
+            <a:avLst/>
+          </a:prstGeom>
+          <a:ln w="44450">
+            <a:solidFill>
+              <a:schemeClr val="tx1"/>
+            </a:solidFill>
+            <a:tailEnd type="triangle"/>
+          </a:ln>
+        </p:spPr>
+        <p:style>
+          <a:lnRef idx="1">
+            <a:schemeClr val="accent1"/>
+          </a:lnRef>
+          <a:fillRef idx="0">
+            <a:schemeClr val="accent1"/>
+          </a:fillRef>
+          <a:effectRef idx="0">
+            <a:schemeClr val="accent1"/>
+          </a:effectRef>
+          <a:fontRef idx="minor">
+            <a:schemeClr val="tx1"/>
+          </a:fontRef>
+        </p:style>
+      </p:cxnSp>
+      <p:cxnSp>
+        <p:nvCxnSpPr>
+          <p:cNvPr id="25" name="Łącznik prosty ze strzałką 24"/>
+          <p:cNvCxnSpPr/>
+          <p:nvPr/>
+        </p:nvCxnSpPr>
+        <p:spPr>
+          <a:xfrm flipV="1">
+            <a:off x="539552" y="1654200"/>
+            <a:ext cx="0" cy="711696"/>
+          </a:xfrm>
+          <a:prstGeom prst="straightConnector1">
+            <a:avLst/>
+          </a:prstGeom>
+          <a:ln w="44450">
+            <a:solidFill>
+              <a:schemeClr val="tx1"/>
+            </a:solidFill>
+            <a:tailEnd type="triangle"/>
+          </a:ln>
+        </p:spPr>
+        <p:style>
+          <a:lnRef idx="1">
+            <a:schemeClr val="accent1"/>
+          </a:lnRef>
+          <a:fillRef idx="0">
+            <a:schemeClr val="accent1"/>
+          </a:fillRef>
+          <a:effectRef idx="0">
+            <a:schemeClr val="accent1"/>
+          </a:effectRef>
+          <a:fontRef idx="minor">
+            <a:schemeClr val="tx1"/>
+          </a:fontRef>
+        </p:style>
+      </p:cxnSp>
+      <p:sp>
+        <p:nvSpPr>
+          <p:cNvPr id="26" name="TextBox 34"/>
+          <p:cNvSpPr txBox="1"/>
+          <p:nvPr/>
+        </p:nvSpPr>
+        <p:spPr>
+          <a:xfrm>
+            <a:off x="179512" y="148570"/>
+            <a:ext cx="347340" cy="400110"/>
+          </a:xfrm>
+          <a:prstGeom prst="rect">
+            <a:avLst/>
+          </a:prstGeom>
+          <a:noFill/>
+        </p:spPr>
+        <p:txBody>
+          <a:bodyPr wrap="square" rtlCol="0">
+            <a:spAutoFit/>
+          </a:bodyPr>
+          <a:lstStyle/>
+          <a:p>
+            <a:r>
+              <a:rPr lang="pl-PL" sz="2000" b="1" dirty="0" smtClean="0"/>
+              <a:t>A</a:t>
+            </a:r>
+            <a:endParaRPr lang="en-US" sz="2000" b="1" dirty="0"/>
+          </a:p>
+        </p:txBody>
+      </p:sp>
+      <p:sp>
+        <p:nvSpPr>
+          <p:cNvPr id="27" name="TextBox 34"/>
+          <p:cNvSpPr txBox="1"/>
+          <p:nvPr/>
+        </p:nvSpPr>
+        <p:spPr>
+          <a:xfrm>
+            <a:off x="2136428" y="142032"/>
+            <a:ext cx="347340" cy="400110"/>
+          </a:xfrm>
+          <a:prstGeom prst="rect">
+            <a:avLst/>
+          </a:prstGeom>
+          <a:noFill/>
+        </p:spPr>
+        <p:txBody>
+          <a:bodyPr wrap="square" rtlCol="0">
+            <a:spAutoFit/>
+          </a:bodyPr>
+          <a:lstStyle/>
+          <a:p>
+            <a:r>
+              <a:rPr lang="pl-PL" sz="2000" b="1" dirty="0" smtClean="0"/>
+              <a:t>B</a:t>
+            </a:r>
+            <a:endParaRPr lang="en-US" sz="2000" b="1" dirty="0"/>
+          </a:p>
+        </p:txBody>
+      </p:sp>
+      <p:sp>
+        <p:nvSpPr>
+          <p:cNvPr id="29" name="pole tekstowe 28"/>
+          <p:cNvSpPr txBox="1"/>
+          <p:nvPr/>
+        </p:nvSpPr>
+        <p:spPr>
+          <a:xfrm>
+            <a:off x="1403648" y="3284984"/>
+            <a:ext cx="1152128" cy="523220"/>
+          </a:xfrm>
+          <a:prstGeom prst="rect">
+            <a:avLst/>
+          </a:prstGeom>
+          <a:noFill/>
+        </p:spPr>
+        <p:txBody>
+          <a:bodyPr wrap="square" rtlCol="0">
+            <a:spAutoFit/>
+          </a:bodyPr>
+          <a:lstStyle/>
+          <a:p>
+            <a:pPr algn="ctr"/>
+            <a:r>
+              <a:rPr lang="pl-PL" sz="1400" dirty="0" smtClean="0"/>
+              <a:t>r</a:t>
+            </a:r>
+            <a:r>
+              <a:rPr lang="pl-PL" sz="1400" dirty="0" smtClean="0"/>
+              <a:t>dzeń </a:t>
+            </a:r>
+            <a:r>
+              <a:rPr lang="pl-PL" sz="1400" dirty="0" smtClean="0"/>
+              <a:t>reaktora</a:t>
+            </a:r>
+            <a:endParaRPr lang="pl-PL" sz="1400" dirty="0"/>
+          </a:p>
+        </p:txBody>
+      </p:sp>
+      <p:cxnSp>
+        <p:nvCxnSpPr>
+          <p:cNvPr id="30" name="Łącznik prosty ze strzałką 29"/>
+          <p:cNvCxnSpPr>
+            <a:stCxn id="29" idx="0"/>
+          </p:cNvCxnSpPr>
+          <p:nvPr/>
+        </p:nvCxnSpPr>
+        <p:spPr>
+          <a:xfrm flipV="1">
+            <a:off x="1979712" y="2492896"/>
+            <a:ext cx="720080" cy="792088"/>
+          </a:xfrm>
+          <a:prstGeom prst="straightConnector1">
+            <a:avLst/>
+          </a:prstGeom>
+          <a:ln>
+            <a:solidFill>
+              <a:schemeClr val="tx1"/>
+            </a:solidFill>
+            <a:tailEnd type="triangle"/>
+          </a:ln>
+        </p:spPr>
+        <p:style>
+          <a:lnRef idx="1">
+            <a:schemeClr val="accent1"/>
+          </a:lnRef>
+          <a:fillRef idx="0">
+            <a:schemeClr val="accent1"/>
+          </a:fillRef>
+          <a:effectRef idx="0">
+            <a:schemeClr val="accent1"/>
+          </a:effectRef>
+          <a:fontRef idx="minor">
+            <a:schemeClr val="tx1"/>
+          </a:fontRef>
+        </p:style>
+      </p:cxnSp>
+      <p:cxnSp>
+        <p:nvCxnSpPr>
+          <p:cNvPr id="34" name="Łącznik prosty ze strzałką 33"/>
+          <p:cNvCxnSpPr>
+            <a:stCxn id="29" idx="0"/>
+          </p:cNvCxnSpPr>
+          <p:nvPr/>
+        </p:nvCxnSpPr>
+        <p:spPr>
+          <a:xfrm flipH="1" flipV="1">
+            <a:off x="1619672" y="2492896"/>
+            <a:ext cx="360040" cy="792088"/>
+          </a:xfrm>
+          <a:prstGeom prst="straightConnector1">
+            <a:avLst/>
+          </a:prstGeom>
+          <a:ln>
+            <a:solidFill>
+              <a:schemeClr val="tx1"/>
+            </a:solidFill>
+            <a:tailEnd type="triangle"/>
+          </a:ln>
+        </p:spPr>
+        <p:style>
+          <a:lnRef idx="1">
+            <a:schemeClr val="accent1"/>
+          </a:lnRef>
+          <a:fillRef idx="0">
+            <a:schemeClr val="accent1"/>
+          </a:fillRef>
+          <a:effectRef idx="0">
+            <a:schemeClr val="accent1"/>
+          </a:effectRef>
+          <a:fontRef idx="minor">
+            <a:schemeClr val="tx1"/>
+          </a:fontRef>
+        </p:style>
+      </p:cxnSp>
+      <p:sp>
+        <p:nvSpPr>
+          <p:cNvPr id="37" name="pole tekstowe 36"/>
+          <p:cNvSpPr txBox="1"/>
+          <p:nvPr/>
+        </p:nvSpPr>
+        <p:spPr>
+          <a:xfrm>
+            <a:off x="0" y="3429000"/>
+            <a:ext cx="1152128" cy="307777"/>
+          </a:xfrm>
+          <a:prstGeom prst="rect">
+            <a:avLst/>
+          </a:prstGeom>
+          <a:noFill/>
+        </p:spPr>
+        <p:txBody>
+          <a:bodyPr wrap="square" rtlCol="0">
+            <a:spAutoFit/>
+          </a:bodyPr>
+          <a:lstStyle/>
+          <a:p>
+            <a:pPr algn="ctr"/>
+            <a:r>
+              <a:rPr lang="pl-PL" sz="1400" dirty="0" smtClean="0"/>
+              <a:t>kanały</a:t>
+            </a:r>
+            <a:endParaRPr lang="pl-PL" sz="1400" dirty="0"/>
+          </a:p>
+        </p:txBody>
+      </p:sp>
+      <p:sp>
+        <p:nvSpPr>
+          <p:cNvPr id="38" name="pole tekstowe 37"/>
+          <p:cNvSpPr txBox="1"/>
+          <p:nvPr/>
+        </p:nvSpPr>
+        <p:spPr>
+          <a:xfrm>
+            <a:off x="3563888" y="3429000"/>
+            <a:ext cx="1152128" cy="307777"/>
+          </a:xfrm>
+          <a:prstGeom prst="rect">
+            <a:avLst/>
+          </a:prstGeom>
+          <a:noFill/>
+        </p:spPr>
+        <p:txBody>
+          <a:bodyPr wrap="square" rtlCol="0">
+            <a:spAutoFit/>
+          </a:bodyPr>
+          <a:lstStyle/>
+          <a:p>
+            <a:pPr algn="ctr"/>
+            <a:r>
+              <a:rPr lang="pl-PL" sz="1400" dirty="0" smtClean="0"/>
+              <a:t>zbiornik</a:t>
+            </a:r>
+            <a:endParaRPr lang="pl-PL" sz="1400" dirty="0"/>
+          </a:p>
+        </p:txBody>
+      </p:sp>
+      <p:cxnSp>
+        <p:nvCxnSpPr>
+          <p:cNvPr id="39" name="Łącznik prosty ze strzałką 38"/>
+          <p:cNvCxnSpPr>
+            <a:stCxn id="37" idx="0"/>
+            <a:endCxn id="17" idx="2"/>
+          </p:cNvCxnSpPr>
+          <p:nvPr/>
+        </p:nvCxnSpPr>
+        <p:spPr>
+          <a:xfrm flipH="1" flipV="1">
+            <a:off x="539552" y="2852936"/>
+            <a:ext cx="36512" cy="576064"/>
+          </a:xfrm>
+          <a:prstGeom prst="straightConnector1">
+            <a:avLst/>
+          </a:prstGeom>
+          <a:ln>
+            <a:solidFill>
+              <a:schemeClr val="tx1"/>
+            </a:solidFill>
+            <a:tailEnd type="triangle"/>
+          </a:ln>
+        </p:spPr>
+        <p:style>
+          <a:lnRef idx="1">
+            <a:schemeClr val="accent1"/>
+          </a:lnRef>
+          <a:fillRef idx="0">
+            <a:schemeClr val="accent1"/>
+          </a:fillRef>
+          <a:effectRef idx="0">
+            <a:schemeClr val="accent1"/>
+          </a:effectRef>
+          <a:fontRef idx="minor">
+            <a:schemeClr val="tx1"/>
+          </a:fontRef>
+        </p:style>
+      </p:cxnSp>
+      <p:cxnSp>
+        <p:nvCxnSpPr>
+          <p:cNvPr id="42" name="Łącznik prosty ze strzałką 41"/>
+          <p:cNvCxnSpPr>
+            <a:stCxn id="37" idx="0"/>
+            <a:endCxn id="18" idx="2"/>
+          </p:cNvCxnSpPr>
+          <p:nvPr/>
+        </p:nvCxnSpPr>
+        <p:spPr>
+          <a:xfrm flipV="1">
+            <a:off x="576064" y="2852936"/>
+            <a:ext cx="260028" cy="576064"/>
+          </a:xfrm>
+          <a:prstGeom prst="straightConnector1">
+            <a:avLst/>
+          </a:prstGeom>
+          <a:ln>
+            <a:solidFill>
+              <a:schemeClr val="tx1"/>
+            </a:solidFill>
+            <a:tailEnd type="triangle"/>
+          </a:ln>
+        </p:spPr>
+        <p:style>
+          <a:lnRef idx="1">
+            <a:schemeClr val="accent1"/>
+          </a:lnRef>
+          <a:fillRef idx="0">
+            <a:schemeClr val="accent1"/>
+          </a:fillRef>
+          <a:effectRef idx="0">
+            <a:schemeClr val="accent1"/>
+          </a:effectRef>
+          <a:fontRef idx="minor">
+            <a:schemeClr val="tx1"/>
+          </a:fontRef>
+        </p:style>
+      </p:cxnSp>
+      <p:cxnSp>
+        <p:nvCxnSpPr>
+          <p:cNvPr id="45" name="Łącznik prosty ze strzałką 44"/>
+          <p:cNvCxnSpPr>
+            <a:stCxn id="37" idx="0"/>
+            <a:endCxn id="19" idx="2"/>
+          </p:cNvCxnSpPr>
+          <p:nvPr/>
+        </p:nvCxnSpPr>
+        <p:spPr>
+          <a:xfrm flipV="1">
+            <a:off x="576064" y="2852936"/>
+            <a:ext cx="548060" cy="576064"/>
+          </a:xfrm>
+          <a:prstGeom prst="straightConnector1">
+            <a:avLst/>
+          </a:prstGeom>
+          <a:ln>
+            <a:solidFill>
+              <a:schemeClr val="tx1"/>
+            </a:solidFill>
+            <a:tailEnd type="triangle"/>
+          </a:ln>
+        </p:spPr>
+        <p:style>
+          <a:lnRef idx="1">
+            <a:schemeClr val="accent1"/>
+          </a:lnRef>
+          <a:fillRef idx="0">
+            <a:schemeClr val="accent1"/>
+          </a:fillRef>
+          <a:effectRef idx="0">
+            <a:schemeClr val="accent1"/>
+          </a:effectRef>
+          <a:fontRef idx="minor">
+            <a:schemeClr val="tx1"/>
+          </a:fontRef>
+        </p:style>
+      </p:cxnSp>
+      <p:cxnSp>
+        <p:nvCxnSpPr>
+          <p:cNvPr id="48" name="Łącznik prosty ze strzałką 47"/>
+          <p:cNvCxnSpPr>
+            <a:stCxn id="37" idx="0"/>
+            <a:endCxn id="20" idx="2"/>
+          </p:cNvCxnSpPr>
+          <p:nvPr/>
+        </p:nvCxnSpPr>
+        <p:spPr>
+          <a:xfrm flipV="1">
+            <a:off x="576064" y="2852936"/>
+            <a:ext cx="836092" cy="576064"/>
+          </a:xfrm>
+          <a:prstGeom prst="straightConnector1">
+            <a:avLst/>
+          </a:prstGeom>
+          <a:ln>
+            <a:solidFill>
+              <a:schemeClr val="tx1"/>
+            </a:solidFill>
+            <a:tailEnd type="triangle"/>
+          </a:ln>
+        </p:spPr>
+        <p:style>
+          <a:lnRef idx="1">
+            <a:schemeClr val="accent1"/>
+          </a:lnRef>
+          <a:fillRef idx="0">
+            <a:schemeClr val="accent1"/>
+          </a:fillRef>
+          <a:effectRef idx="0">
+            <a:schemeClr val="accent1"/>
+          </a:effectRef>
+          <a:fontRef idx="minor">
+            <a:schemeClr val="tx1"/>
+          </a:fontRef>
+        </p:style>
+      </p:cxnSp>
+      <p:cxnSp>
+        <p:nvCxnSpPr>
+          <p:cNvPr id="51" name="Łącznik prosty ze strzałką 50"/>
+          <p:cNvCxnSpPr>
+            <a:stCxn id="38" idx="0"/>
+          </p:cNvCxnSpPr>
+          <p:nvPr/>
+        </p:nvCxnSpPr>
+        <p:spPr>
+          <a:xfrm flipH="1" flipV="1">
+            <a:off x="3707904" y="3284984"/>
+            <a:ext cx="432048" cy="144016"/>
+          </a:xfrm>
+          <a:prstGeom prst="straightConnector1">
+            <a:avLst/>
+          </a:prstGeom>
+          <a:ln>
+            <a:solidFill>
+              <a:schemeClr val="tx1"/>
+            </a:solidFill>
+            <a:tailEnd type="triangle"/>
           </a:ln>
         </p:spPr>
         <p:style>

--- a/00_IMG_IK.pptx
+++ b/00_IMG_IK.pptx
@@ -8,6 +8,13 @@
     <p:sldId id="256" r:id="rId2"/>
     <p:sldId id="259" r:id="rId3"/>
     <p:sldId id="258" r:id="rId4"/>
+    <p:sldId id="260" r:id="rId5"/>
+    <p:sldId id="261" r:id="rId6"/>
+    <p:sldId id="262" r:id="rId7"/>
+    <p:sldId id="263" r:id="rId8"/>
+    <p:sldId id="264" r:id="rId9"/>
+    <p:sldId id="265" r:id="rId10"/>
+    <p:sldId id="266" r:id="rId11"/>
   </p:sldIdLst>
   <p:sldSz cx="9144000" cy="6858000" type="screen4x3"/>
   <p:notesSz cx="6858000" cy="9144000"/>
@@ -291,7 +298,7 @@
             <a:fld id="{66221E02-25CB-4963-84BC-0813985E7D90}" type="datetimeFigureOut">
               <a:rPr lang="pl-PL" smtClean="0"/>
               <a:pPr/>
-              <a:t>2015-04-10</a:t>
+              <a:t>2015-04-25</a:t>
             </a:fld>
             <a:endParaRPr lang="pl-PL"/>
           </a:p>
@@ -458,7 +465,7 @@
             <a:fld id="{66221E02-25CB-4963-84BC-0813985E7D90}" type="datetimeFigureOut">
               <a:rPr lang="pl-PL" smtClean="0"/>
               <a:pPr/>
-              <a:t>2015-04-10</a:t>
+              <a:t>2015-04-25</a:t>
             </a:fld>
             <a:endParaRPr lang="pl-PL"/>
           </a:p>
@@ -635,7 +642,7 @@
             <a:fld id="{66221E02-25CB-4963-84BC-0813985E7D90}" type="datetimeFigureOut">
               <a:rPr lang="pl-PL" smtClean="0"/>
               <a:pPr/>
-              <a:t>2015-04-10</a:t>
+              <a:t>2015-04-25</a:t>
             </a:fld>
             <a:endParaRPr lang="pl-PL"/>
           </a:p>
@@ -802,7 +809,7 @@
             <a:fld id="{66221E02-25CB-4963-84BC-0813985E7D90}" type="datetimeFigureOut">
               <a:rPr lang="pl-PL" smtClean="0"/>
               <a:pPr/>
-              <a:t>2015-04-10</a:t>
+              <a:t>2015-04-25</a:t>
             </a:fld>
             <a:endParaRPr lang="pl-PL"/>
           </a:p>
@@ -1045,7 +1052,7 @@
             <a:fld id="{66221E02-25CB-4963-84BC-0813985E7D90}" type="datetimeFigureOut">
               <a:rPr lang="pl-PL" smtClean="0"/>
               <a:pPr/>
-              <a:t>2015-04-10</a:t>
+              <a:t>2015-04-25</a:t>
             </a:fld>
             <a:endParaRPr lang="pl-PL"/>
           </a:p>
@@ -1330,7 +1337,7 @@
             <a:fld id="{66221E02-25CB-4963-84BC-0813985E7D90}" type="datetimeFigureOut">
               <a:rPr lang="pl-PL" smtClean="0"/>
               <a:pPr/>
-              <a:t>2015-04-10</a:t>
+              <a:t>2015-04-25</a:t>
             </a:fld>
             <a:endParaRPr lang="pl-PL"/>
           </a:p>
@@ -1749,7 +1756,7 @@
             <a:fld id="{66221E02-25CB-4963-84BC-0813985E7D90}" type="datetimeFigureOut">
               <a:rPr lang="pl-PL" smtClean="0"/>
               <a:pPr/>
-              <a:t>2015-04-10</a:t>
+              <a:t>2015-04-25</a:t>
             </a:fld>
             <a:endParaRPr lang="pl-PL"/>
           </a:p>
@@ -1864,7 +1871,7 @@
             <a:fld id="{66221E02-25CB-4963-84BC-0813985E7D90}" type="datetimeFigureOut">
               <a:rPr lang="pl-PL" smtClean="0"/>
               <a:pPr/>
-              <a:t>2015-04-10</a:t>
+              <a:t>2015-04-25</a:t>
             </a:fld>
             <a:endParaRPr lang="pl-PL"/>
           </a:p>
@@ -1956,7 +1963,7 @@
             <a:fld id="{66221E02-25CB-4963-84BC-0813985E7D90}" type="datetimeFigureOut">
               <a:rPr lang="pl-PL" smtClean="0"/>
               <a:pPr/>
-              <a:t>2015-04-10</a:t>
+              <a:t>2015-04-25</a:t>
             </a:fld>
             <a:endParaRPr lang="pl-PL"/>
           </a:p>
@@ -2230,7 +2237,7 @@
             <a:fld id="{66221E02-25CB-4963-84BC-0813985E7D90}" type="datetimeFigureOut">
               <a:rPr lang="pl-PL" smtClean="0"/>
               <a:pPr/>
-              <a:t>2015-04-10</a:t>
+              <a:t>2015-04-25</a:t>
             </a:fld>
             <a:endParaRPr lang="pl-PL"/>
           </a:p>
@@ -2480,7 +2487,7 @@
             <a:fld id="{66221E02-25CB-4963-84BC-0813985E7D90}" type="datetimeFigureOut">
               <a:rPr lang="pl-PL" smtClean="0"/>
               <a:pPr/>
-              <a:t>2015-04-10</a:t>
+              <a:t>2015-04-25</a:t>
             </a:fld>
             <a:endParaRPr lang="pl-PL"/>
           </a:p>
@@ -2690,7 +2697,7 @@
             <a:fld id="{66221E02-25CB-4963-84BC-0813985E7D90}" type="datetimeFigureOut">
               <a:rPr lang="pl-PL" smtClean="0"/>
               <a:pPr/>
-              <a:t>2015-04-10</a:t>
+              <a:t>2015-04-25</a:t>
             </a:fld>
             <a:endParaRPr lang="pl-PL"/>
           </a:p>
@@ -6176,8 +6183,8 @@
         </p:nvSpPr>
         <p:spPr>
           <a:xfrm>
-            <a:off x="323528" y="4581128"/>
-            <a:ext cx="1152128" cy="307777"/>
+            <a:off x="238820" y="4509120"/>
+            <a:ext cx="1152128" cy="523220"/>
           </a:xfrm>
           <a:prstGeom prst="rect">
             <a:avLst/>
@@ -6194,6 +6201,13 @@
             <a:r>
               <a:rPr lang="pl-PL" sz="1400" dirty="0" smtClean="0"/>
               <a:t>Obieg I</a:t>
+            </a:r>
+          </a:p>
+          <a:p>
+            <a:pPr algn="ctr"/>
+            <a:r>
+              <a:rPr lang="pl-PL" sz="1400" dirty="0" smtClean="0"/>
+              <a:t>(pierwotny)</a:t>
             </a:r>
             <a:endParaRPr lang="pl-PL" sz="1400" dirty="0"/>
           </a:p>
@@ -6256,8 +6270,8 @@
         </p:nvSpPr>
         <p:spPr>
           <a:xfrm>
-            <a:off x="1882552" y="4581128"/>
-            <a:ext cx="1152128" cy="307777"/>
+            <a:off x="1882552" y="4517628"/>
+            <a:ext cx="1152128" cy="523220"/>
           </a:xfrm>
           <a:prstGeom prst="rect">
             <a:avLst/>
@@ -6274,6 +6288,13 @@
             <a:r>
               <a:rPr lang="pl-PL" sz="1400" dirty="0" smtClean="0"/>
               <a:t>Obieg II</a:t>
+            </a:r>
+          </a:p>
+          <a:p>
+            <a:pPr algn="ctr"/>
+            <a:r>
+              <a:rPr lang="pl-PL" sz="1400" dirty="0" smtClean="0"/>
+              <a:t>(wtórny)</a:t>
             </a:r>
             <a:endParaRPr lang="pl-PL" sz="1400" dirty="0"/>
           </a:p>
@@ -6546,6 +6567,939 @@
           </a:fontRef>
         </p:style>
       </p:cxnSp>
+    </p:spTree>
+  </p:cSld>
+  <p:clrMapOvr>
+    <a:masterClrMapping/>
+  </p:clrMapOvr>
+</p:sld>
+</file>
+
+<file path=ppt/slides/slide10.xml><?xml version="1.0" encoding="utf-8"?>
+<p:sld xmlns:a="http://schemas.openxmlformats.org/drawingml/2006/main" xmlns:r="http://schemas.openxmlformats.org/officeDocument/2006/relationships" xmlns:p="http://schemas.openxmlformats.org/presentationml/2006/main">
+  <p:cSld>
+    <p:spTree>
+      <p:nvGrpSpPr>
+        <p:cNvPr id="1" name=""/>
+        <p:cNvGrpSpPr/>
+        <p:nvPr/>
+      </p:nvGrpSpPr>
+      <p:grpSpPr>
+        <a:xfrm>
+          <a:off x="0" y="0"/>
+          <a:ext cx="0" cy="0"/>
+          <a:chOff x="0" y="0"/>
+          <a:chExt cx="0" cy="0"/>
+        </a:xfrm>
+      </p:grpSpPr>
+      <p:graphicFrame>
+        <p:nvGraphicFramePr>
+          <p:cNvPr id="4" name="Tabela 3"/>
+          <p:cNvGraphicFramePr>
+            <a:graphicFrameLocks noGrp="1"/>
+          </p:cNvGraphicFramePr>
+          <p:nvPr/>
+        </p:nvGraphicFramePr>
+        <p:xfrm>
+          <a:off x="63500" y="87040"/>
+          <a:ext cx="6091123" cy="1028700"/>
+        </p:xfrm>
+        <a:graphic>
+          <a:graphicData uri="http://schemas.openxmlformats.org/drawingml/2006/table">
+            <a:tbl>
+              <a:tblPr>
+                <a:tableStyleId>{2D5ABB26-0587-4C30-8999-92F81FD0307C}</a:tableStyleId>
+              </a:tblPr>
+              <a:tblGrid>
+                <a:gridCol w="1340047"/>
+                <a:gridCol w="1013563"/>
+                <a:gridCol w="1013563"/>
+                <a:gridCol w="2723950"/>
+              </a:tblGrid>
+              <a:tr h="165735">
+                <a:tc>
+                  <a:txBody>
+                    <a:bodyPr/>
+                    <a:lstStyle/>
+                    <a:p>
+                      <a:pPr>
+                        <a:lnSpc>
+                          <a:spcPct val="107000"/>
+                        </a:lnSpc>
+                        <a:spcAft>
+                          <a:spcPts val="0"/>
+                        </a:spcAft>
+                      </a:pPr>
+                      <a:r>
+                        <a:rPr lang="pl-PL" sz="1100" dirty="0"/>
+                        <a:t>Model reaktora</a:t>
+                      </a:r>
+                      <a:endParaRPr lang="pl-PL" sz="1100" b="0" dirty="0">
+                        <a:solidFill>
+                          <a:schemeClr val="tx1"/>
+                        </a:solidFill>
+                        <a:latin typeface="Calibri"/>
+                        <a:ea typeface="Calibri"/>
+                        <a:cs typeface="Times New Roman"/>
+                      </a:endParaRPr>
+                    </a:p>
+                  </a:txBody>
+                  <a:tcPr marL="68580" marR="68580" marT="0" marB="0">
+                    <a:lnT w="12700" cap="flat" cmpd="sng" algn="ctr">
+                      <a:solidFill>
+                        <a:schemeClr val="tx1"/>
+                      </a:solidFill>
+                      <a:prstDash val="solid"/>
+                      <a:round/>
+                      <a:headEnd type="none" w="med" len="med"/>
+                      <a:tailEnd type="none" w="med" len="med"/>
+                    </a:lnT>
+                    <a:lnB w="12700" cap="flat" cmpd="sng" algn="ctr">
+                      <a:solidFill>
+                        <a:schemeClr val="tx1"/>
+                      </a:solidFill>
+                      <a:prstDash val="solid"/>
+                      <a:round/>
+                      <a:headEnd type="none" w="med" len="med"/>
+                      <a:tailEnd type="none" w="med" len="med"/>
+                    </a:lnB>
+                  </a:tcPr>
+                </a:tc>
+                <a:tc>
+                  <a:txBody>
+                    <a:bodyPr/>
+                    <a:lstStyle/>
+                    <a:p>
+                      <a:pPr algn="ctr">
+                        <a:lnSpc>
+                          <a:spcPct val="107000"/>
+                        </a:lnSpc>
+                        <a:spcAft>
+                          <a:spcPts val="0"/>
+                        </a:spcAft>
+                      </a:pPr>
+                      <a:r>
+                        <a:rPr lang="pl-PL" sz="1100" dirty="0"/>
+                        <a:t>Generacja</a:t>
+                      </a:r>
+                      <a:endParaRPr lang="pl-PL" sz="1100" b="0" dirty="0">
+                        <a:solidFill>
+                          <a:schemeClr val="tx1"/>
+                        </a:solidFill>
+                        <a:latin typeface="Calibri"/>
+                        <a:ea typeface="Calibri"/>
+                        <a:cs typeface="Times New Roman"/>
+                      </a:endParaRPr>
+                    </a:p>
+                  </a:txBody>
+                  <a:tcPr marL="68580" marR="68580" marT="0" marB="0">
+                    <a:lnT w="12700" cap="flat" cmpd="sng" algn="ctr">
+                      <a:solidFill>
+                        <a:schemeClr val="tx1"/>
+                      </a:solidFill>
+                      <a:prstDash val="solid"/>
+                      <a:round/>
+                      <a:headEnd type="none" w="med" len="med"/>
+                      <a:tailEnd type="none" w="med" len="med"/>
+                    </a:lnT>
+                    <a:lnB w="12700" cap="flat" cmpd="sng" algn="ctr">
+                      <a:solidFill>
+                        <a:schemeClr val="tx1"/>
+                      </a:solidFill>
+                      <a:prstDash val="solid"/>
+                      <a:round/>
+                      <a:headEnd type="none" w="med" len="med"/>
+                      <a:tailEnd type="none" w="med" len="med"/>
+                    </a:lnB>
+                  </a:tcPr>
+                </a:tc>
+                <a:tc>
+                  <a:txBody>
+                    <a:bodyPr/>
+                    <a:lstStyle/>
+                    <a:p>
+                      <a:pPr algn="ctr">
+                        <a:lnSpc>
+                          <a:spcPct val="107000"/>
+                        </a:lnSpc>
+                        <a:spcAft>
+                          <a:spcPts val="0"/>
+                        </a:spcAft>
+                      </a:pPr>
+                      <a:r>
+                        <a:rPr lang="pl-PL" sz="1100" dirty="0"/>
+                        <a:t>Typ reaktora</a:t>
+                      </a:r>
+                      <a:endParaRPr lang="pl-PL" sz="1100" b="0" dirty="0">
+                        <a:solidFill>
+                          <a:schemeClr val="tx1"/>
+                        </a:solidFill>
+                        <a:latin typeface="Calibri"/>
+                        <a:ea typeface="Calibri"/>
+                        <a:cs typeface="Times New Roman"/>
+                      </a:endParaRPr>
+                    </a:p>
+                  </a:txBody>
+                  <a:tcPr marL="68580" marR="68580" marT="0" marB="0">
+                    <a:lnT w="12700" cap="flat" cmpd="sng" algn="ctr">
+                      <a:solidFill>
+                        <a:schemeClr val="tx1"/>
+                      </a:solidFill>
+                      <a:prstDash val="solid"/>
+                      <a:round/>
+                      <a:headEnd type="none" w="med" len="med"/>
+                      <a:tailEnd type="none" w="med" len="med"/>
+                    </a:lnT>
+                    <a:lnB w="12700" cap="flat" cmpd="sng" algn="ctr">
+                      <a:solidFill>
+                        <a:schemeClr val="tx1"/>
+                      </a:solidFill>
+                      <a:prstDash val="solid"/>
+                      <a:round/>
+                      <a:headEnd type="none" w="med" len="med"/>
+                      <a:tailEnd type="none" w="med" len="med"/>
+                    </a:lnB>
+                  </a:tcPr>
+                </a:tc>
+                <a:tc>
+                  <a:txBody>
+                    <a:bodyPr/>
+                    <a:lstStyle/>
+                    <a:p>
+                      <a:pPr algn="ctr">
+                        <a:lnSpc>
+                          <a:spcPct val="107000"/>
+                        </a:lnSpc>
+                        <a:spcAft>
+                          <a:spcPts val="0"/>
+                        </a:spcAft>
+                      </a:pPr>
+                      <a:r>
+                        <a:rPr lang="pl-PL" sz="1100" dirty="0"/>
+                        <a:t>Firma (gł. siedziba)</a:t>
+                      </a:r>
+                      <a:endParaRPr lang="pl-PL" sz="1100" b="0" dirty="0">
+                        <a:solidFill>
+                          <a:schemeClr val="tx1"/>
+                        </a:solidFill>
+                        <a:latin typeface="Calibri"/>
+                        <a:ea typeface="Calibri"/>
+                        <a:cs typeface="Times New Roman"/>
+                      </a:endParaRPr>
+                    </a:p>
+                  </a:txBody>
+                  <a:tcPr marL="68580" marR="68580" marT="0" marB="0">
+                    <a:lnT w="12700" cap="flat" cmpd="sng" algn="ctr">
+                      <a:solidFill>
+                        <a:schemeClr val="tx1"/>
+                      </a:solidFill>
+                      <a:prstDash val="solid"/>
+                      <a:round/>
+                      <a:headEnd type="none" w="med" len="med"/>
+                      <a:tailEnd type="none" w="med" len="med"/>
+                    </a:lnT>
+                    <a:lnB w="12700" cap="flat" cmpd="sng" algn="ctr">
+                      <a:solidFill>
+                        <a:schemeClr val="tx1"/>
+                      </a:solidFill>
+                      <a:prstDash val="solid"/>
+                      <a:round/>
+                      <a:headEnd type="none" w="med" len="med"/>
+                      <a:tailEnd type="none" w="med" len="med"/>
+                    </a:lnB>
+                  </a:tcPr>
+                </a:tc>
+              </a:tr>
+              <a:tr h="165735">
+                <a:tc>
+                  <a:txBody>
+                    <a:bodyPr/>
+                    <a:lstStyle/>
+                    <a:p>
+                      <a:pPr>
+                        <a:lnSpc>
+                          <a:spcPct val="107000"/>
+                        </a:lnSpc>
+                        <a:spcAft>
+                          <a:spcPts val="0"/>
+                        </a:spcAft>
+                      </a:pPr>
+                      <a:r>
+                        <a:rPr lang="pl-PL" sz="1100"/>
+                        <a:t>EPR</a:t>
+                      </a:r>
+                      <a:endParaRPr lang="pl-PL" sz="1100" b="0">
+                        <a:solidFill>
+                          <a:schemeClr val="tx1"/>
+                        </a:solidFill>
+                        <a:latin typeface="Calibri"/>
+                        <a:ea typeface="Calibri"/>
+                        <a:cs typeface="Times New Roman"/>
+                      </a:endParaRPr>
+                    </a:p>
+                  </a:txBody>
+                  <a:tcPr marL="68580" marR="68580" marT="0" marB="0">
+                    <a:lnT w="12700" cap="flat" cmpd="sng" algn="ctr">
+                      <a:solidFill>
+                        <a:schemeClr val="tx1"/>
+                      </a:solidFill>
+                      <a:prstDash val="solid"/>
+                      <a:round/>
+                      <a:headEnd type="none" w="med" len="med"/>
+                      <a:tailEnd type="none" w="med" len="med"/>
+                    </a:lnT>
+                  </a:tcPr>
+                </a:tc>
+                <a:tc>
+                  <a:txBody>
+                    <a:bodyPr/>
+                    <a:lstStyle/>
+                    <a:p>
+                      <a:pPr algn="ctr">
+                        <a:lnSpc>
+                          <a:spcPct val="107000"/>
+                        </a:lnSpc>
+                        <a:spcAft>
+                          <a:spcPts val="0"/>
+                        </a:spcAft>
+                      </a:pPr>
+                      <a:r>
+                        <a:rPr lang="pl-PL" sz="1100"/>
+                        <a:t>  III+</a:t>
+                      </a:r>
+                      <a:endParaRPr lang="pl-PL" sz="1100" b="0">
+                        <a:solidFill>
+                          <a:schemeClr val="tx1"/>
+                        </a:solidFill>
+                        <a:latin typeface="Calibri"/>
+                        <a:ea typeface="Calibri"/>
+                        <a:cs typeface="Times New Roman"/>
+                      </a:endParaRPr>
+                    </a:p>
+                  </a:txBody>
+                  <a:tcPr marL="68580" marR="68580" marT="0" marB="0">
+                    <a:lnT w="12700" cap="flat" cmpd="sng" algn="ctr">
+                      <a:solidFill>
+                        <a:schemeClr val="tx1"/>
+                      </a:solidFill>
+                      <a:prstDash val="solid"/>
+                      <a:round/>
+                      <a:headEnd type="none" w="med" len="med"/>
+                      <a:tailEnd type="none" w="med" len="med"/>
+                    </a:lnT>
+                  </a:tcPr>
+                </a:tc>
+                <a:tc>
+                  <a:txBody>
+                    <a:bodyPr/>
+                    <a:lstStyle/>
+                    <a:p>
+                      <a:pPr algn="ctr">
+                        <a:lnSpc>
+                          <a:spcPct val="107000"/>
+                        </a:lnSpc>
+                        <a:spcAft>
+                          <a:spcPts val="0"/>
+                        </a:spcAft>
+                      </a:pPr>
+                      <a:r>
+                        <a:rPr lang="pl-PL" sz="1100"/>
+                        <a:t>PWR</a:t>
+                      </a:r>
+                      <a:endParaRPr lang="pl-PL" sz="1100" b="0">
+                        <a:solidFill>
+                          <a:schemeClr val="tx1"/>
+                        </a:solidFill>
+                        <a:latin typeface="Calibri"/>
+                        <a:ea typeface="Calibri"/>
+                        <a:cs typeface="Times New Roman"/>
+                      </a:endParaRPr>
+                    </a:p>
+                  </a:txBody>
+                  <a:tcPr marL="68580" marR="68580" marT="0" marB="0">
+                    <a:lnT w="12700" cap="flat" cmpd="sng" algn="ctr">
+                      <a:solidFill>
+                        <a:schemeClr val="tx1"/>
+                      </a:solidFill>
+                      <a:prstDash val="solid"/>
+                      <a:round/>
+                      <a:headEnd type="none" w="med" len="med"/>
+                      <a:tailEnd type="none" w="med" len="med"/>
+                    </a:lnT>
+                  </a:tcPr>
+                </a:tc>
+                <a:tc>
+                  <a:txBody>
+                    <a:bodyPr/>
+                    <a:lstStyle/>
+                    <a:p>
+                      <a:pPr algn="ctr">
+                        <a:lnSpc>
+                          <a:spcPct val="107000"/>
+                        </a:lnSpc>
+                        <a:spcAft>
+                          <a:spcPts val="0"/>
+                        </a:spcAft>
+                      </a:pPr>
+                      <a:r>
+                        <a:rPr lang="pl-PL" sz="1100"/>
+                        <a:t>EDF (Francja)</a:t>
+                      </a:r>
+                      <a:endParaRPr lang="pl-PL" sz="1100" b="0">
+                        <a:solidFill>
+                          <a:schemeClr val="tx1"/>
+                        </a:solidFill>
+                        <a:latin typeface="Calibri"/>
+                        <a:ea typeface="Calibri"/>
+                        <a:cs typeface="Times New Roman"/>
+                      </a:endParaRPr>
+                    </a:p>
+                  </a:txBody>
+                  <a:tcPr marL="68580" marR="68580" marT="0" marB="0">
+                    <a:lnT w="12700" cap="flat" cmpd="sng" algn="ctr">
+                      <a:solidFill>
+                        <a:schemeClr val="tx1"/>
+                      </a:solidFill>
+                      <a:prstDash val="solid"/>
+                      <a:round/>
+                      <a:headEnd type="none" w="med" len="med"/>
+                      <a:tailEnd type="none" w="med" len="med"/>
+                    </a:lnT>
+                  </a:tcPr>
+                </a:tc>
+              </a:tr>
+              <a:tr h="165735">
+                <a:tc>
+                  <a:txBody>
+                    <a:bodyPr/>
+                    <a:lstStyle/>
+                    <a:p>
+                      <a:pPr>
+                        <a:lnSpc>
+                          <a:spcPct val="107000"/>
+                        </a:lnSpc>
+                        <a:spcAft>
+                          <a:spcPts val="0"/>
+                        </a:spcAft>
+                      </a:pPr>
+                      <a:r>
+                        <a:rPr lang="pl-PL" sz="1100" dirty="0"/>
+                        <a:t>ABWR</a:t>
+                      </a:r>
+                      <a:endParaRPr lang="pl-PL" sz="1100" b="0" dirty="0">
+                        <a:solidFill>
+                          <a:schemeClr val="tx1"/>
+                        </a:solidFill>
+                        <a:latin typeface="Calibri"/>
+                        <a:ea typeface="Calibri"/>
+                        <a:cs typeface="Times New Roman"/>
+                      </a:endParaRPr>
+                    </a:p>
+                  </a:txBody>
+                  <a:tcPr marL="68580" marR="68580" marT="0" marB="0"/>
+                </a:tc>
+                <a:tc>
+                  <a:txBody>
+                    <a:bodyPr/>
+                    <a:lstStyle/>
+                    <a:p>
+                      <a:pPr algn="ctr">
+                        <a:lnSpc>
+                          <a:spcPct val="107000"/>
+                        </a:lnSpc>
+                        <a:spcAft>
+                          <a:spcPts val="0"/>
+                        </a:spcAft>
+                      </a:pPr>
+                      <a:r>
+                        <a:rPr lang="pl-PL" sz="1100"/>
+                        <a:t>III</a:t>
+                      </a:r>
+                      <a:endParaRPr lang="pl-PL" sz="1100" b="0">
+                        <a:solidFill>
+                          <a:schemeClr val="tx1"/>
+                        </a:solidFill>
+                        <a:latin typeface="Calibri"/>
+                        <a:ea typeface="Calibri"/>
+                        <a:cs typeface="Times New Roman"/>
+                      </a:endParaRPr>
+                    </a:p>
+                  </a:txBody>
+                  <a:tcPr marL="68580" marR="68580" marT="0" marB="0"/>
+                </a:tc>
+                <a:tc>
+                  <a:txBody>
+                    <a:bodyPr/>
+                    <a:lstStyle/>
+                    <a:p>
+                      <a:pPr algn="ctr">
+                        <a:lnSpc>
+                          <a:spcPct val="107000"/>
+                        </a:lnSpc>
+                        <a:spcAft>
+                          <a:spcPts val="0"/>
+                        </a:spcAft>
+                      </a:pPr>
+                      <a:r>
+                        <a:rPr lang="pl-PL" sz="1100"/>
+                        <a:t>BWR</a:t>
+                      </a:r>
+                      <a:endParaRPr lang="pl-PL" sz="1100" b="0">
+                        <a:solidFill>
+                          <a:schemeClr val="tx1"/>
+                        </a:solidFill>
+                        <a:latin typeface="Calibri"/>
+                        <a:ea typeface="Calibri"/>
+                        <a:cs typeface="Times New Roman"/>
+                      </a:endParaRPr>
+                    </a:p>
+                  </a:txBody>
+                  <a:tcPr marL="68580" marR="68580" marT="0" marB="0"/>
+                </a:tc>
+                <a:tc>
+                  <a:txBody>
+                    <a:bodyPr/>
+                    <a:lstStyle/>
+                    <a:p>
+                      <a:pPr algn="ctr">
+                        <a:lnSpc>
+                          <a:spcPct val="107000"/>
+                        </a:lnSpc>
+                        <a:spcAft>
+                          <a:spcPts val="0"/>
+                        </a:spcAft>
+                      </a:pPr>
+                      <a:r>
+                        <a:rPr lang="pl-PL" sz="1100"/>
+                        <a:t>GE Hitachi (USA)</a:t>
+                      </a:r>
+                      <a:endParaRPr lang="pl-PL" sz="1100" b="0">
+                        <a:solidFill>
+                          <a:schemeClr val="tx1"/>
+                        </a:solidFill>
+                        <a:latin typeface="Calibri"/>
+                        <a:ea typeface="Calibri"/>
+                        <a:cs typeface="Times New Roman"/>
+                      </a:endParaRPr>
+                    </a:p>
+                  </a:txBody>
+                  <a:tcPr marL="68580" marR="68580" marT="0" marB="0"/>
+                </a:tc>
+              </a:tr>
+              <a:tr h="160020">
+                <a:tc>
+                  <a:txBody>
+                    <a:bodyPr/>
+                    <a:lstStyle/>
+                    <a:p>
+                      <a:pPr>
+                        <a:lnSpc>
+                          <a:spcPct val="107000"/>
+                        </a:lnSpc>
+                        <a:spcAft>
+                          <a:spcPts val="0"/>
+                        </a:spcAft>
+                      </a:pPr>
+                      <a:r>
+                        <a:rPr lang="pl-PL" sz="1100"/>
+                        <a:t>ESBWR</a:t>
+                      </a:r>
+                      <a:endParaRPr lang="pl-PL" sz="1100" b="0">
+                        <a:solidFill>
+                          <a:schemeClr val="tx1"/>
+                        </a:solidFill>
+                        <a:latin typeface="Calibri"/>
+                        <a:ea typeface="Calibri"/>
+                        <a:cs typeface="Times New Roman"/>
+                      </a:endParaRPr>
+                    </a:p>
+                  </a:txBody>
+                  <a:tcPr marL="68580" marR="68580" marT="0" marB="0"/>
+                </a:tc>
+                <a:tc>
+                  <a:txBody>
+                    <a:bodyPr/>
+                    <a:lstStyle/>
+                    <a:p>
+                      <a:pPr algn="ctr">
+                        <a:lnSpc>
+                          <a:spcPct val="107000"/>
+                        </a:lnSpc>
+                        <a:spcAft>
+                          <a:spcPts val="0"/>
+                        </a:spcAft>
+                      </a:pPr>
+                      <a:r>
+                        <a:rPr lang="pl-PL" sz="1100"/>
+                        <a:t>  III+</a:t>
+                      </a:r>
+                      <a:endParaRPr lang="pl-PL" sz="1100" b="0">
+                        <a:solidFill>
+                          <a:schemeClr val="tx1"/>
+                        </a:solidFill>
+                        <a:latin typeface="Calibri"/>
+                        <a:ea typeface="Calibri"/>
+                        <a:cs typeface="Times New Roman"/>
+                      </a:endParaRPr>
+                    </a:p>
+                  </a:txBody>
+                  <a:tcPr marL="68580" marR="68580" marT="0" marB="0"/>
+                </a:tc>
+                <a:tc>
+                  <a:txBody>
+                    <a:bodyPr/>
+                    <a:lstStyle/>
+                    <a:p>
+                      <a:pPr algn="ctr">
+                        <a:lnSpc>
+                          <a:spcPct val="107000"/>
+                        </a:lnSpc>
+                        <a:spcAft>
+                          <a:spcPts val="0"/>
+                        </a:spcAft>
+                      </a:pPr>
+                      <a:r>
+                        <a:rPr lang="pl-PL" sz="1100"/>
+                        <a:t>BWR</a:t>
+                      </a:r>
+                      <a:endParaRPr lang="pl-PL" sz="1100" b="0">
+                        <a:solidFill>
+                          <a:schemeClr val="tx1"/>
+                        </a:solidFill>
+                        <a:latin typeface="Calibri"/>
+                        <a:ea typeface="Calibri"/>
+                        <a:cs typeface="Times New Roman"/>
+                      </a:endParaRPr>
+                    </a:p>
+                  </a:txBody>
+                  <a:tcPr marL="68580" marR="68580" marT="0" marB="0"/>
+                </a:tc>
+                <a:tc>
+                  <a:txBody>
+                    <a:bodyPr/>
+                    <a:lstStyle/>
+                    <a:p>
+                      <a:pPr algn="ctr">
+                        <a:lnSpc>
+                          <a:spcPct val="107000"/>
+                        </a:lnSpc>
+                        <a:spcAft>
+                          <a:spcPts val="0"/>
+                        </a:spcAft>
+                      </a:pPr>
+                      <a:r>
+                        <a:rPr lang="pl-PL" sz="1100"/>
+                        <a:t>GE Hitachi (USA)</a:t>
+                      </a:r>
+                      <a:endParaRPr lang="pl-PL" sz="1100" b="0">
+                        <a:solidFill>
+                          <a:schemeClr val="tx1"/>
+                        </a:solidFill>
+                        <a:latin typeface="Calibri"/>
+                        <a:ea typeface="Calibri"/>
+                        <a:cs typeface="Times New Roman"/>
+                      </a:endParaRPr>
+                    </a:p>
+                  </a:txBody>
+                  <a:tcPr marL="68580" marR="68580" marT="0" marB="0"/>
+                </a:tc>
+              </a:tr>
+              <a:tr h="165735">
+                <a:tc>
+                  <a:txBody>
+                    <a:bodyPr/>
+                    <a:lstStyle/>
+                    <a:p>
+                      <a:pPr>
+                        <a:lnSpc>
+                          <a:spcPct val="107000"/>
+                        </a:lnSpc>
+                        <a:spcAft>
+                          <a:spcPts val="0"/>
+                        </a:spcAft>
+                      </a:pPr>
+                      <a:r>
+                        <a:rPr lang="pl-PL" sz="1100" dirty="0"/>
+                        <a:t>AP1000</a:t>
+                      </a:r>
+                      <a:endParaRPr lang="pl-PL" sz="1100" b="0" dirty="0">
+                        <a:solidFill>
+                          <a:schemeClr val="tx1"/>
+                        </a:solidFill>
+                        <a:latin typeface="Calibri"/>
+                        <a:ea typeface="Calibri"/>
+                        <a:cs typeface="Times New Roman"/>
+                      </a:endParaRPr>
+                    </a:p>
+                  </a:txBody>
+                  <a:tcPr marL="68580" marR="68580" marT="0" marB="0"/>
+                </a:tc>
+                <a:tc>
+                  <a:txBody>
+                    <a:bodyPr/>
+                    <a:lstStyle/>
+                    <a:p>
+                      <a:pPr algn="ctr">
+                        <a:lnSpc>
+                          <a:spcPct val="107000"/>
+                        </a:lnSpc>
+                        <a:spcAft>
+                          <a:spcPts val="0"/>
+                        </a:spcAft>
+                      </a:pPr>
+                      <a:r>
+                        <a:rPr lang="pl-PL" sz="1100" dirty="0"/>
+                        <a:t>  III+</a:t>
+                      </a:r>
+                      <a:endParaRPr lang="pl-PL" sz="1100" b="0" dirty="0">
+                        <a:solidFill>
+                          <a:schemeClr val="tx1"/>
+                        </a:solidFill>
+                        <a:latin typeface="Calibri"/>
+                        <a:ea typeface="Calibri"/>
+                        <a:cs typeface="Times New Roman"/>
+                      </a:endParaRPr>
+                    </a:p>
+                  </a:txBody>
+                  <a:tcPr marL="68580" marR="68580" marT="0" marB="0"/>
+                </a:tc>
+                <a:tc>
+                  <a:txBody>
+                    <a:bodyPr/>
+                    <a:lstStyle/>
+                    <a:p>
+                      <a:pPr algn="ctr">
+                        <a:lnSpc>
+                          <a:spcPct val="107000"/>
+                        </a:lnSpc>
+                        <a:spcAft>
+                          <a:spcPts val="0"/>
+                        </a:spcAft>
+                      </a:pPr>
+                      <a:r>
+                        <a:rPr lang="pl-PL" sz="1100"/>
+                        <a:t>PWR</a:t>
+                      </a:r>
+                      <a:endParaRPr lang="pl-PL" sz="1100" b="0">
+                        <a:solidFill>
+                          <a:schemeClr val="tx1"/>
+                        </a:solidFill>
+                        <a:latin typeface="Calibri"/>
+                        <a:ea typeface="Calibri"/>
+                        <a:cs typeface="Times New Roman"/>
+                      </a:endParaRPr>
+                    </a:p>
+                  </a:txBody>
+                  <a:tcPr marL="68580" marR="68580" marT="0" marB="0"/>
+                </a:tc>
+                <a:tc>
+                  <a:txBody>
+                    <a:bodyPr/>
+                    <a:lstStyle/>
+                    <a:p>
+                      <a:pPr algn="ctr">
+                        <a:lnSpc>
+                          <a:spcPct val="107000"/>
+                        </a:lnSpc>
+                        <a:spcAft>
+                          <a:spcPts val="0"/>
+                        </a:spcAft>
+                      </a:pPr>
+                      <a:r>
+                        <a:rPr lang="en-US" sz="1100"/>
+                        <a:t>Westinghouse Electric Company LLC (USA)</a:t>
+                      </a:r>
+                      <a:endParaRPr lang="pl-PL" sz="1100" b="0">
+                        <a:solidFill>
+                          <a:schemeClr val="tx1"/>
+                        </a:solidFill>
+                        <a:latin typeface="Calibri"/>
+                        <a:ea typeface="Calibri"/>
+                        <a:cs typeface="Times New Roman"/>
+                      </a:endParaRPr>
+                    </a:p>
+                  </a:txBody>
+                  <a:tcPr marL="68580" marR="68580" marT="0" marB="0"/>
+                </a:tc>
+              </a:tr>
+              <a:tr h="165735">
+                <a:tc>
+                  <a:txBody>
+                    <a:bodyPr/>
+                    <a:lstStyle/>
+                    <a:p>
+                      <a:pPr>
+                        <a:lnSpc>
+                          <a:spcPct val="107000"/>
+                        </a:lnSpc>
+                        <a:spcAft>
+                          <a:spcPts val="0"/>
+                        </a:spcAft>
+                      </a:pPr>
+                      <a:r>
+                        <a:rPr lang="pl-PL" sz="1100" dirty="0" err="1"/>
+                        <a:t>Enhanced</a:t>
+                      </a:r>
+                      <a:r>
+                        <a:rPr lang="pl-PL" sz="1100" dirty="0"/>
+                        <a:t> CANDU 6</a:t>
+                      </a:r>
+                      <a:endParaRPr lang="pl-PL" sz="1100" b="0" dirty="0">
+                        <a:solidFill>
+                          <a:schemeClr val="tx1"/>
+                        </a:solidFill>
+                        <a:latin typeface="Calibri"/>
+                        <a:ea typeface="Calibri"/>
+                        <a:cs typeface="Times New Roman"/>
+                      </a:endParaRPr>
+                    </a:p>
+                  </a:txBody>
+                  <a:tcPr marL="68580" marR="68580" marT="0" marB="0">
+                    <a:lnB w="12700" cap="flat" cmpd="sng" algn="ctr">
+                      <a:solidFill>
+                        <a:schemeClr val="tx1"/>
+                      </a:solidFill>
+                      <a:prstDash val="solid"/>
+                      <a:round/>
+                      <a:headEnd type="none" w="med" len="med"/>
+                      <a:tailEnd type="none" w="med" len="med"/>
+                    </a:lnB>
+                  </a:tcPr>
+                </a:tc>
+                <a:tc>
+                  <a:txBody>
+                    <a:bodyPr/>
+                    <a:lstStyle/>
+                    <a:p>
+                      <a:pPr algn="ctr">
+                        <a:lnSpc>
+                          <a:spcPct val="107000"/>
+                        </a:lnSpc>
+                        <a:spcAft>
+                          <a:spcPts val="0"/>
+                        </a:spcAft>
+                      </a:pPr>
+                      <a:r>
+                        <a:rPr lang="pl-PL" sz="1100" dirty="0"/>
+                        <a:t>III</a:t>
+                      </a:r>
+                      <a:endParaRPr lang="pl-PL" sz="1100" b="0" dirty="0">
+                        <a:solidFill>
+                          <a:schemeClr val="tx1"/>
+                        </a:solidFill>
+                        <a:latin typeface="Calibri"/>
+                        <a:ea typeface="Calibri"/>
+                        <a:cs typeface="Times New Roman"/>
+                      </a:endParaRPr>
+                    </a:p>
+                  </a:txBody>
+                  <a:tcPr marL="68580" marR="68580" marT="0" marB="0">
+                    <a:lnB w="12700" cap="flat" cmpd="sng" algn="ctr">
+                      <a:solidFill>
+                        <a:schemeClr val="tx1"/>
+                      </a:solidFill>
+                      <a:prstDash val="solid"/>
+                      <a:round/>
+                      <a:headEnd type="none" w="med" len="med"/>
+                      <a:tailEnd type="none" w="med" len="med"/>
+                    </a:lnB>
+                  </a:tcPr>
+                </a:tc>
+                <a:tc>
+                  <a:txBody>
+                    <a:bodyPr/>
+                    <a:lstStyle/>
+                    <a:p>
+                      <a:pPr algn="ctr">
+                        <a:lnSpc>
+                          <a:spcPct val="107000"/>
+                        </a:lnSpc>
+                        <a:spcAft>
+                          <a:spcPts val="0"/>
+                        </a:spcAft>
+                      </a:pPr>
+                      <a:r>
+                        <a:rPr lang="pl-PL" sz="1100" dirty="0"/>
+                        <a:t>PHWR</a:t>
+                      </a:r>
+                      <a:endParaRPr lang="pl-PL" sz="1100" b="0" dirty="0">
+                        <a:solidFill>
+                          <a:schemeClr val="tx1"/>
+                        </a:solidFill>
+                        <a:latin typeface="Calibri"/>
+                        <a:ea typeface="Calibri"/>
+                        <a:cs typeface="Times New Roman"/>
+                      </a:endParaRPr>
+                    </a:p>
+                  </a:txBody>
+                  <a:tcPr marL="68580" marR="68580" marT="0" marB="0">
+                    <a:lnB w="12700" cap="flat" cmpd="sng" algn="ctr">
+                      <a:solidFill>
+                        <a:schemeClr val="tx1"/>
+                      </a:solidFill>
+                      <a:prstDash val="solid"/>
+                      <a:round/>
+                      <a:headEnd type="none" w="med" len="med"/>
+                      <a:tailEnd type="none" w="med" len="med"/>
+                    </a:lnB>
+                  </a:tcPr>
+                </a:tc>
+                <a:tc>
+                  <a:txBody>
+                    <a:bodyPr/>
+                    <a:lstStyle/>
+                    <a:p>
+                      <a:pPr algn="ctr">
+                        <a:lnSpc>
+                          <a:spcPct val="107000"/>
+                        </a:lnSpc>
+                        <a:spcAft>
+                          <a:spcPts val="0"/>
+                        </a:spcAft>
+                      </a:pPr>
+                      <a:r>
+                        <a:rPr lang="pl-PL" sz="1100" dirty="0" err="1"/>
+                        <a:t>Candu</a:t>
+                      </a:r>
+                      <a:r>
+                        <a:rPr lang="pl-PL" sz="1100" dirty="0"/>
+                        <a:t> Energy </a:t>
+                      </a:r>
+                      <a:r>
+                        <a:rPr lang="pl-PL" sz="1100" dirty="0" err="1"/>
+                        <a:t>Inc</a:t>
+                      </a:r>
+                      <a:r>
+                        <a:rPr lang="pl-PL" sz="1100" dirty="0"/>
+                        <a:t>. (Kanada)</a:t>
+                      </a:r>
+                      <a:endParaRPr lang="pl-PL" sz="1100" b="0" dirty="0">
+                        <a:solidFill>
+                          <a:schemeClr val="tx1"/>
+                        </a:solidFill>
+                        <a:latin typeface="Calibri"/>
+                        <a:ea typeface="Calibri"/>
+                        <a:cs typeface="Times New Roman"/>
+                      </a:endParaRPr>
+                    </a:p>
+                  </a:txBody>
+                  <a:tcPr marL="68580" marR="68580" marT="0" marB="0">
+                    <a:lnB w="12700" cap="flat" cmpd="sng" algn="ctr">
+                      <a:solidFill>
+                        <a:schemeClr val="tx1"/>
+                      </a:solidFill>
+                      <a:prstDash val="solid"/>
+                      <a:round/>
+                      <a:headEnd type="none" w="med" len="med"/>
+                      <a:tailEnd type="none" w="med" len="med"/>
+                    </a:lnB>
+                  </a:tcPr>
+                </a:tc>
+              </a:tr>
+            </a:tbl>
+          </a:graphicData>
+        </a:graphic>
+      </p:graphicFrame>
     </p:spTree>
   </p:cSld>
   <p:clrMapOvr>
@@ -15468,11 +16422,7 @@
             <a:pPr algn="ctr"/>
             <a:r>
               <a:rPr lang="pl-PL" sz="2000" dirty="0" smtClean="0"/>
-              <a:t>p</a:t>
-            </a:r>
-            <a:r>
-              <a:rPr lang="pl-PL" sz="2000" dirty="0" smtClean="0"/>
-              <a:t>rodukt rozszczepienia</a:t>
+              <a:t>produkt rozszczepienia</a:t>
             </a:r>
             <a:endParaRPr lang="pl-PL" sz="2000" dirty="0"/>
           </a:p>
@@ -15503,11 +16453,7 @@
             <a:pPr algn="ctr"/>
             <a:r>
               <a:rPr lang="pl-PL" sz="2000" dirty="0" smtClean="0"/>
-              <a:t>p</a:t>
-            </a:r>
-            <a:r>
-              <a:rPr lang="pl-PL" sz="2000" dirty="0" smtClean="0"/>
-              <a:t>rodukt rozszczepienia</a:t>
+              <a:t>produkt rozszczepienia</a:t>
             </a:r>
             <a:endParaRPr lang="pl-PL" sz="2000" dirty="0"/>
           </a:p>
@@ -15538,11 +16484,7 @@
             <a:pPr algn="ctr"/>
             <a:r>
               <a:rPr lang="pl-PL" sz="2000" dirty="0" smtClean="0"/>
-              <a:t>j</a:t>
-            </a:r>
-            <a:r>
-              <a:rPr lang="pl-PL" sz="2000" dirty="0" smtClean="0"/>
-              <a:t>ądro </a:t>
+              <a:t>jądro </a:t>
             </a:r>
           </a:p>
           <a:p>
@@ -15580,11 +16522,7 @@
             <a:pPr algn="ctr"/>
             <a:r>
               <a:rPr lang="pl-PL" sz="2000" dirty="0" smtClean="0"/>
-              <a:t>j</a:t>
-            </a:r>
-            <a:r>
-              <a:rPr lang="pl-PL" sz="2000" dirty="0" smtClean="0"/>
-              <a:t>ądro </a:t>
+              <a:t>jądro </a:t>
             </a:r>
           </a:p>
           <a:p>
@@ -15624,21 +16562,69 @@
       </p:grpSpPr>
       <p:sp>
         <p:nvSpPr>
+          <p:cNvPr id="10" name="Prostokąt 9"/>
+          <p:cNvSpPr/>
+          <p:nvPr/>
+        </p:nvSpPr>
+        <p:spPr>
+          <a:xfrm>
+            <a:off x="3743400" y="404664"/>
+            <a:ext cx="648072" cy="288032"/>
+          </a:xfrm>
+          <a:prstGeom prst="rect">
+            <a:avLst/>
+          </a:prstGeom>
+          <a:noFill/>
+          <a:ln w="25400">
+            <a:solidFill>
+              <a:schemeClr val="tx1"/>
+            </a:solidFill>
+          </a:ln>
+        </p:spPr>
+        <p:style>
+          <a:lnRef idx="2">
+            <a:schemeClr val="accent1">
+              <a:shade val="50000"/>
+            </a:schemeClr>
+          </a:lnRef>
+          <a:fillRef idx="1">
+            <a:schemeClr val="accent1"/>
+          </a:fillRef>
+          <a:effectRef idx="0">
+            <a:schemeClr val="accent1"/>
+          </a:effectRef>
+          <a:fontRef idx="minor">
+            <a:schemeClr val="lt1"/>
+          </a:fontRef>
+        </p:style>
+        <p:txBody>
+          <a:bodyPr rtlCol="0" anchor="ctr"/>
+          <a:lstStyle/>
+          <a:p>
+            <a:pPr algn="ctr"/>
+            <a:endParaRPr lang="pl-PL"/>
+          </a:p>
+        </p:txBody>
+      </p:sp>
+      <p:sp>
+        <p:nvSpPr>
           <p:cNvPr id="4" name="Prostokąt zaokrąglony 3"/>
           <p:cNvSpPr/>
           <p:nvPr/>
         </p:nvSpPr>
         <p:spPr>
           <a:xfrm>
-            <a:off x="2411760" y="404664"/>
-            <a:ext cx="1512168" cy="2952328"/>
+            <a:off x="2303240" y="44624"/>
+            <a:ext cx="1512168" cy="2664296"/>
           </a:xfrm>
           <a:prstGeom prst="roundRect">
             <a:avLst>
               <a:gd name="adj" fmla="val 42776"/>
             </a:avLst>
           </a:prstGeom>
-          <a:noFill/>
+          <a:solidFill>
+            <a:schemeClr val="bg1"/>
+          </a:solidFill>
           <a:ln>
             <a:solidFill>
               <a:schemeClr val="tx1">
@@ -15681,7 +16667,7 @@
         </p:nvSpPr>
         <p:spPr>
           <a:xfrm>
-            <a:off x="3928120" y="2492896"/>
+            <a:off x="3819600" y="1844824"/>
             <a:ext cx="648072" cy="288032"/>
           </a:xfrm>
           <a:prstGeom prst="rect">
@@ -15721,22 +16707,24 @@
       </p:sp>
       <p:sp>
         <p:nvSpPr>
-          <p:cNvPr id="10" name="Prostokąt 9"/>
+          <p:cNvPr id="11" name="Prostokąt 10"/>
           <p:cNvSpPr/>
           <p:nvPr/>
         </p:nvSpPr>
         <p:spPr>
           <a:xfrm>
-            <a:off x="3923928" y="1052736"/>
-            <a:ext cx="648072" cy="288032"/>
+            <a:off x="2599780" y="993428"/>
+            <a:ext cx="936104" cy="792088"/>
           </a:xfrm>
           <a:prstGeom prst="rect">
             <a:avLst/>
           </a:prstGeom>
           <a:noFill/>
-          <a:ln w="25400">
-            <a:solidFill>
-              <a:schemeClr val="tx1"/>
+          <a:ln>
+            <a:solidFill>
+              <a:schemeClr val="bg1">
+                <a:lumMod val="50000"/>
+              </a:schemeClr>
             </a:solidFill>
           </a:ln>
         </p:spPr>
@@ -15765,54 +16753,6 @@
           </a:p>
         </p:txBody>
       </p:sp>
-      <p:sp>
-        <p:nvSpPr>
-          <p:cNvPr id="11" name="Prostokąt 10"/>
-          <p:cNvSpPr/>
-          <p:nvPr/>
-        </p:nvSpPr>
-        <p:spPr>
-          <a:xfrm>
-            <a:off x="2708300" y="1641500"/>
-            <a:ext cx="936104" cy="792088"/>
-          </a:xfrm>
-          <a:prstGeom prst="rect">
-            <a:avLst/>
-          </a:prstGeom>
-          <a:noFill/>
-          <a:ln>
-            <a:solidFill>
-              <a:schemeClr val="bg1">
-                <a:lumMod val="50000"/>
-              </a:schemeClr>
-            </a:solidFill>
-          </a:ln>
-        </p:spPr>
-        <p:style>
-          <a:lnRef idx="2">
-            <a:schemeClr val="accent1">
-              <a:shade val="50000"/>
-            </a:schemeClr>
-          </a:lnRef>
-          <a:fillRef idx="1">
-            <a:schemeClr val="accent1"/>
-          </a:fillRef>
-          <a:effectRef idx="0">
-            <a:schemeClr val="accent1"/>
-          </a:effectRef>
-          <a:fontRef idx="minor">
-            <a:schemeClr val="lt1"/>
-          </a:fontRef>
-        </p:style>
-        <p:txBody>
-          <a:bodyPr rtlCol="0" anchor="ctr"/>
-          <a:lstStyle/>
-          <a:p>
-            <a:pPr algn="ctr"/>
-            <a:endParaRPr lang="pl-PL"/>
-          </a:p>
-        </p:txBody>
-      </p:sp>
       <p:cxnSp>
         <p:nvCxnSpPr>
           <p:cNvPr id="12" name="Łącznik prosty ze strzałką 11"/>
@@ -15821,7 +16761,7 @@
         </p:nvCxnSpPr>
         <p:spPr>
           <a:xfrm flipV="1">
-            <a:off x="4055244" y="1199816"/>
+            <a:off x="3946724" y="551744"/>
             <a:ext cx="457200" cy="0"/>
           </a:xfrm>
           <a:prstGeom prst="straightConnector1">
@@ -15857,7 +16797,7 @@
         </p:nvCxnSpPr>
         <p:spPr>
           <a:xfrm flipH="1">
-            <a:off x="3995936" y="2636912"/>
+            <a:off x="3887416" y="1988840"/>
             <a:ext cx="457200" cy="0"/>
           </a:xfrm>
           <a:prstGeom prst="straightConnector1">
@@ -15893,7 +16833,7 @@
         </p:nvSpPr>
         <p:spPr>
           <a:xfrm rot="16200000">
-            <a:off x="3131840" y="1124744"/>
+            <a:off x="3023320" y="476672"/>
             <a:ext cx="720080" cy="864096"/>
           </a:xfrm>
           <a:prstGeom prst="arc">
@@ -15937,7 +16877,7 @@
         </p:nvSpPr>
         <p:spPr>
           <a:xfrm rot="16200000">
-            <a:off x="3419872" y="1844824"/>
+            <a:off x="3311352" y="1196752"/>
             <a:ext cx="576064" cy="1152128"/>
           </a:xfrm>
           <a:prstGeom prst="arc">
@@ -15984,7 +16924,7 @@
         </p:nvSpPr>
         <p:spPr>
           <a:xfrm>
-            <a:off x="323528" y="1628800"/>
+            <a:off x="215008" y="980728"/>
             <a:ext cx="1296144" cy="792088"/>
           </a:xfrm>
           <a:prstGeom prst="rect">
@@ -16032,7 +16972,7 @@
         </p:nvSpPr>
         <p:spPr>
           <a:xfrm>
-            <a:off x="467544" y="1124744"/>
+            <a:off x="359024" y="476672"/>
             <a:ext cx="144016" cy="1728192"/>
           </a:xfrm>
           <a:prstGeom prst="rect">
@@ -16084,7 +17024,7 @@
         </p:nvSpPr>
         <p:spPr>
           <a:xfrm>
-            <a:off x="764084" y="1124744"/>
+            <a:off x="655564" y="476672"/>
             <a:ext cx="144016" cy="1728192"/>
           </a:xfrm>
           <a:prstGeom prst="rect">
@@ -16136,7 +17076,7 @@
         </p:nvSpPr>
         <p:spPr>
           <a:xfrm>
-            <a:off x="1052116" y="1124744"/>
+            <a:off x="943596" y="476672"/>
             <a:ext cx="144016" cy="1728192"/>
           </a:xfrm>
           <a:prstGeom prst="rect">
@@ -16188,7 +17128,7 @@
         </p:nvSpPr>
         <p:spPr>
           <a:xfrm>
-            <a:off x="1340148" y="1124744"/>
+            <a:off x="1231628" y="476672"/>
             <a:ext cx="144016" cy="1728192"/>
           </a:xfrm>
           <a:prstGeom prst="rect">
@@ -16240,7 +17180,7 @@
         </p:nvCxnSpPr>
         <p:spPr>
           <a:xfrm flipV="1">
-            <a:off x="1403648" y="1658392"/>
+            <a:off x="1295128" y="1010320"/>
             <a:ext cx="0" cy="711696"/>
           </a:xfrm>
           <a:prstGeom prst="straightConnector1">
@@ -16276,7 +17216,7 @@
         </p:nvCxnSpPr>
         <p:spPr>
           <a:xfrm flipV="1">
-            <a:off x="1115616" y="1650008"/>
+            <a:off x="1007096" y="1001936"/>
             <a:ext cx="0" cy="711696"/>
           </a:xfrm>
           <a:prstGeom prst="straightConnector1">
@@ -16312,7 +17252,7 @@
         </p:nvCxnSpPr>
         <p:spPr>
           <a:xfrm flipV="1">
-            <a:off x="840284" y="1654200"/>
+            <a:off x="731764" y="1006128"/>
             <a:ext cx="0" cy="711696"/>
           </a:xfrm>
           <a:prstGeom prst="straightConnector1">
@@ -16348,7 +17288,7 @@
         </p:nvCxnSpPr>
         <p:spPr>
           <a:xfrm flipV="1">
-            <a:off x="539552" y="1654200"/>
+            <a:off x="431032" y="1006128"/>
             <a:ext cx="0" cy="711696"/>
           </a:xfrm>
           <a:prstGeom prst="straightConnector1">
@@ -16384,7 +17324,7 @@
         </p:nvSpPr>
         <p:spPr>
           <a:xfrm>
-            <a:off x="179512" y="148570"/>
+            <a:off x="70992" y="-27384"/>
             <a:ext cx="347340" cy="400110"/>
           </a:xfrm>
           <a:prstGeom prst="rect">
@@ -16414,7 +17354,7 @@
         </p:nvSpPr>
         <p:spPr>
           <a:xfrm>
-            <a:off x="2136428" y="142032"/>
+            <a:off x="2027908" y="-27384"/>
             <a:ext cx="347340" cy="400110"/>
           </a:xfrm>
           <a:prstGeom prst="rect">
@@ -16444,7 +17384,7 @@
         </p:nvSpPr>
         <p:spPr>
           <a:xfrm>
-            <a:off x="1403648" y="3284984"/>
+            <a:off x="1295128" y="2636912"/>
             <a:ext cx="1152128" cy="523220"/>
           </a:xfrm>
           <a:prstGeom prst="rect">
@@ -16477,7 +17417,7 @@
         </p:nvCxnSpPr>
         <p:spPr>
           <a:xfrm flipV="1">
-            <a:off x="1979712" y="2492896"/>
+            <a:off x="1871192" y="1844824"/>
             <a:ext cx="720080" cy="792088"/>
           </a:xfrm>
           <a:prstGeom prst="straightConnector1">
@@ -16515,7 +17455,7 @@
         </p:nvCxnSpPr>
         <p:spPr>
           <a:xfrm flipH="1" flipV="1">
-            <a:off x="1619672" y="2492896"/>
+            <a:off x="1511152" y="1844824"/>
             <a:ext cx="360040" cy="792088"/>
           </a:xfrm>
           <a:prstGeom prst="straightConnector1">
@@ -16551,7 +17491,7 @@
         </p:nvSpPr>
         <p:spPr>
           <a:xfrm>
-            <a:off x="0" y="3429000"/>
+            <a:off x="-108520" y="2780928"/>
             <a:ext cx="1152128" cy="307777"/>
           </a:xfrm>
           <a:prstGeom prst="rect">
@@ -16582,7 +17522,7 @@
         </p:nvSpPr>
         <p:spPr>
           <a:xfrm>
-            <a:off x="3563888" y="3429000"/>
+            <a:off x="3455368" y="2780928"/>
             <a:ext cx="1152128" cy="307777"/>
           </a:xfrm>
           <a:prstGeom prst="rect">
@@ -16616,7 +17556,7 @@
         </p:nvCxnSpPr>
         <p:spPr>
           <a:xfrm flipH="1" flipV="1">
-            <a:off x="539552" y="2852936"/>
+            <a:off x="431032" y="2204864"/>
             <a:ext cx="36512" cy="576064"/>
           </a:xfrm>
           <a:prstGeom prst="straightConnector1">
@@ -16655,7 +17595,7 @@
         </p:nvCxnSpPr>
         <p:spPr>
           <a:xfrm flipV="1">
-            <a:off x="576064" y="2852936"/>
+            <a:off x="467544" y="2204864"/>
             <a:ext cx="260028" cy="576064"/>
           </a:xfrm>
           <a:prstGeom prst="straightConnector1">
@@ -16694,7 +17634,7 @@
         </p:nvCxnSpPr>
         <p:spPr>
           <a:xfrm flipV="1">
-            <a:off x="576064" y="2852936"/>
+            <a:off x="467544" y="2204864"/>
             <a:ext cx="548060" cy="576064"/>
           </a:xfrm>
           <a:prstGeom prst="straightConnector1">
@@ -16733,7 +17673,7 @@
         </p:nvCxnSpPr>
         <p:spPr>
           <a:xfrm flipV="1">
-            <a:off x="576064" y="2852936"/>
+            <a:off x="467544" y="2204864"/>
             <a:ext cx="836092" cy="576064"/>
           </a:xfrm>
           <a:prstGeom prst="straightConnector1">
@@ -16771,7 +17711,7 @@
         </p:nvCxnSpPr>
         <p:spPr>
           <a:xfrm flipH="1" flipV="1">
-            <a:off x="3707904" y="3284984"/>
+            <a:off x="3599384" y="2636912"/>
             <a:ext cx="432048" cy="144016"/>
           </a:xfrm>
           <a:prstGeom prst="straightConnector1">
@@ -16799,6 +17739,6030 @@
           </a:fontRef>
         </p:style>
       </p:cxnSp>
+    </p:spTree>
+  </p:cSld>
+  <p:clrMapOvr>
+    <a:masterClrMapping/>
+  </p:clrMapOvr>
+</p:sld>
+</file>
+
+<file path=ppt/slides/slide4.xml><?xml version="1.0" encoding="utf-8"?>
+<p:sld xmlns:a="http://schemas.openxmlformats.org/drawingml/2006/main" xmlns:r="http://schemas.openxmlformats.org/officeDocument/2006/relationships" xmlns:p="http://schemas.openxmlformats.org/presentationml/2006/main">
+  <p:cSld>
+    <p:spTree>
+      <p:nvGrpSpPr>
+        <p:cNvPr id="1" name=""/>
+        <p:cNvGrpSpPr/>
+        <p:nvPr/>
+      </p:nvGrpSpPr>
+      <p:grpSpPr>
+        <a:xfrm>
+          <a:off x="0" y="0"/>
+          <a:ext cx="0" cy="0"/>
+          <a:chOff x="0" y="0"/>
+          <a:chExt cx="0" cy="0"/>
+        </a:xfrm>
+      </p:grpSpPr>
+      <p:grpSp>
+        <p:nvGrpSpPr>
+          <p:cNvPr id="1026" name="Grupa 12"/>
+          <p:cNvGrpSpPr>
+            <a:grpSpLocks/>
+          </p:cNvGrpSpPr>
+          <p:nvPr/>
+        </p:nvGrpSpPr>
+        <p:grpSpPr bwMode="auto">
+          <a:xfrm>
+            <a:off x="0" y="0"/>
+            <a:ext cx="5762625" cy="2368550"/>
+            <a:chOff x="0" y="0"/>
+            <a:chExt cx="57626" cy="23689"/>
+          </a:xfrm>
+        </p:grpSpPr>
+        <p:grpSp>
+          <p:nvGrpSpPr>
+            <p:cNvPr id="44" name="Grupa 44"/>
+            <p:cNvGrpSpPr>
+              <a:grpSpLocks/>
+            </p:cNvGrpSpPr>
+            <p:nvPr/>
+          </p:nvGrpSpPr>
+          <p:grpSpPr bwMode="auto">
+            <a:xfrm>
+              <a:off x="0" y="385"/>
+              <a:ext cx="57626" cy="23304"/>
+              <a:chOff x="0" y="385"/>
+              <a:chExt cx="57626" cy="23304"/>
+            </a:xfrm>
+          </p:grpSpPr>
+          <p:pic>
+            <p:nvPicPr>
+              <p:cNvPr id="45" name="Obraz 45"/>
+              <p:cNvPicPr>
+                <a:picLocks noChangeAspect="1" noChangeArrowheads="1"/>
+              </p:cNvPicPr>
+              <p:nvPr/>
+            </p:nvPicPr>
+            <p:blipFill>
+              <a:blip r:embed="rId2" cstate="print"/>
+              <a:srcRect b="9239"/>
+              <a:stretch>
+                <a:fillRect/>
+              </a:stretch>
+            </p:blipFill>
+            <p:spPr bwMode="auto">
+              <a:xfrm>
+                <a:off x="0" y="385"/>
+                <a:ext cx="57626" cy="20315"/>
+              </a:xfrm>
+              <a:prstGeom prst="rect">
+                <a:avLst/>
+              </a:prstGeom>
+              <a:noFill/>
+            </p:spPr>
+          </p:pic>
+          <p:sp>
+            <p:nvSpPr>
+              <p:cNvPr id="46" name="Pole tekstowe 1"/>
+              <p:cNvSpPr txBox="1">
+                <a:spLocks noChangeArrowheads="1"/>
+              </p:cNvSpPr>
+              <p:nvPr/>
+            </p:nvSpPr>
+            <p:spPr bwMode="auto">
+              <a:xfrm>
+                <a:off x="47212" y="3274"/>
+                <a:ext cx="10366" cy="2604"/>
+              </a:xfrm>
+              <a:prstGeom prst="rect">
+                <a:avLst/>
+              </a:prstGeom>
+              <a:solidFill>
+                <a:srgbClr val="FFFFFF"/>
+              </a:solidFill>
+              <a:ln w="6350">
+                <a:noFill/>
+                <a:miter lim="800000"/>
+                <a:headEnd/>
+                <a:tailEnd/>
+              </a:ln>
+            </p:spPr>
+            <p:txBody>
+              <a:bodyPr vert="horz" wrap="square" lIns="91440" tIns="45720" rIns="91440" bIns="45720" numCol="1" anchor="t" anchorCtr="0" compatLnSpc="1">
+                <a:prstTxWarp prst="textNoShape">
+                  <a:avLst/>
+                </a:prstTxWarp>
+              </a:bodyPr>
+              <a:lstStyle/>
+              <a:p>
+                <a:pPr marL="0" marR="0" lvl="0" indent="0" algn="l" defTabSz="914400" rtl="0" eaLnBrk="1" fontAlgn="base" latinLnBrk="0" hangingPunct="1">
+                  <a:lnSpc>
+                    <a:spcPct val="100000"/>
+                  </a:lnSpc>
+                  <a:spcBef>
+                    <a:spcPts val="500"/>
+                  </a:spcBef>
+                  <a:spcAft>
+                    <a:spcPts val="500"/>
+                  </a:spcAft>
+                  <a:buClrTx/>
+                  <a:buSzTx/>
+                  <a:buFontTx/>
+                  <a:buNone/>
+                  <a:tabLst/>
+                </a:pPr>
+                <a:r>
+                  <a:rPr kumimoji="0" lang="pl-PL" sz="900" b="0" i="0" u="none" strike="noStrike" cap="none" normalizeH="0" baseline="0" smtClean="0">
+                    <a:ln>
+                      <a:noFill/>
+                    </a:ln>
+                    <a:solidFill>
+                      <a:srgbClr val="000000"/>
+                    </a:solidFill>
+                    <a:effectLst/>
+                    <a:cs typeface="Arial" pitchFamily="34" charset="0"/>
+                  </a:rPr>
+                  <a:t>Ilość reaktorów</a:t>
+                </a:r>
+                <a:endParaRPr kumimoji="0" lang="pl-PL" sz="1800" b="0" i="0" u="none" strike="noStrike" cap="none" normalizeH="0" baseline="0" smtClean="0">
+                  <a:ln>
+                    <a:noFill/>
+                  </a:ln>
+                  <a:solidFill>
+                    <a:schemeClr val="tx1"/>
+                  </a:solidFill>
+                  <a:effectLst/>
+                  <a:cs typeface="Arial" pitchFamily="34" charset="0"/>
+                </a:endParaRPr>
+              </a:p>
+            </p:txBody>
+          </p:sp>
+          <p:sp>
+            <p:nvSpPr>
+              <p:cNvPr id="47" name="Pole tekstowe 2"/>
+              <p:cNvSpPr txBox="1">
+                <a:spLocks noChangeArrowheads="1"/>
+              </p:cNvSpPr>
+              <p:nvPr/>
+            </p:nvSpPr>
+            <p:spPr bwMode="auto">
+              <a:xfrm>
+                <a:off x="33353" y="21086"/>
+                <a:ext cx="10366" cy="2603"/>
+              </a:xfrm>
+              <a:prstGeom prst="rect">
+                <a:avLst/>
+              </a:prstGeom>
+              <a:solidFill>
+                <a:srgbClr val="FFFFFF"/>
+              </a:solidFill>
+              <a:ln w="6350">
+                <a:noFill/>
+                <a:miter lim="800000"/>
+                <a:headEnd/>
+                <a:tailEnd/>
+              </a:ln>
+            </p:spPr>
+            <p:txBody>
+              <a:bodyPr vert="horz" wrap="square" lIns="91440" tIns="45720" rIns="91440" bIns="45720" numCol="1" anchor="t" anchorCtr="0" compatLnSpc="1">
+                <a:prstTxWarp prst="textNoShape">
+                  <a:avLst/>
+                </a:prstTxWarp>
+              </a:bodyPr>
+              <a:lstStyle/>
+              <a:p>
+                <a:pPr marL="0" marR="0" lvl="0" indent="0" algn="l" defTabSz="914400" rtl="0" eaLnBrk="1" fontAlgn="base" latinLnBrk="0" hangingPunct="1">
+                  <a:lnSpc>
+                    <a:spcPct val="100000"/>
+                  </a:lnSpc>
+                  <a:spcBef>
+                    <a:spcPts val="500"/>
+                  </a:spcBef>
+                  <a:spcAft>
+                    <a:spcPts val="500"/>
+                  </a:spcAft>
+                  <a:buClrTx/>
+                  <a:buSzTx/>
+                  <a:buFontTx/>
+                  <a:buNone/>
+                  <a:tabLst/>
+                </a:pPr>
+                <a:r>
+                  <a:rPr kumimoji="0" lang="pl-PL" sz="900" b="0" i="0" u="none" strike="noStrike" cap="none" normalizeH="0" baseline="0" smtClean="0">
+                    <a:ln>
+                      <a:noFill/>
+                    </a:ln>
+                    <a:solidFill>
+                      <a:srgbClr val="000000"/>
+                    </a:solidFill>
+                    <a:effectLst/>
+                    <a:cs typeface="Arial" pitchFamily="34" charset="0"/>
+                  </a:rPr>
+                  <a:t>Liczba reaktorów</a:t>
+                </a:r>
+                <a:endParaRPr kumimoji="0" lang="pl-PL" sz="1800" b="0" i="0" u="none" strike="noStrike" cap="none" normalizeH="0" baseline="0" smtClean="0">
+                  <a:ln>
+                    <a:noFill/>
+                  </a:ln>
+                  <a:solidFill>
+                    <a:schemeClr val="tx1"/>
+                  </a:solidFill>
+                  <a:effectLst/>
+                  <a:cs typeface="Arial" pitchFamily="34" charset="0"/>
+                </a:endParaRPr>
+              </a:p>
+            </p:txBody>
+          </p:sp>
+          <p:sp>
+            <p:nvSpPr>
+              <p:cNvPr id="48" name="Pole tekstowe 6"/>
+              <p:cNvSpPr txBox="1">
+                <a:spLocks noChangeArrowheads="1"/>
+              </p:cNvSpPr>
+              <p:nvPr/>
+            </p:nvSpPr>
+            <p:spPr bwMode="auto">
+              <a:xfrm>
+                <a:off x="1968" y="3242"/>
+                <a:ext cx="5350" cy="16383"/>
+              </a:xfrm>
+              <a:prstGeom prst="rect">
+                <a:avLst/>
+              </a:prstGeom>
+              <a:solidFill>
+                <a:srgbClr val="FFFFFF"/>
+              </a:solidFill>
+              <a:ln w="6350">
+                <a:noFill/>
+                <a:miter lim="800000"/>
+                <a:headEnd/>
+                <a:tailEnd/>
+              </a:ln>
+            </p:spPr>
+            <p:txBody>
+              <a:bodyPr vert="horz" wrap="square" lIns="91440" tIns="45720" rIns="91440" bIns="45720" numCol="1" anchor="t" anchorCtr="0" compatLnSpc="1">
+                <a:prstTxWarp prst="textNoShape">
+                  <a:avLst/>
+                </a:prstTxWarp>
+              </a:bodyPr>
+              <a:lstStyle/>
+              <a:p>
+                <a:pPr marL="0" marR="0" lvl="0" indent="0" algn="r" defTabSz="914400" rtl="0" eaLnBrk="1" fontAlgn="base" latinLnBrk="0" hangingPunct="1">
+                  <a:lnSpc>
+                    <a:spcPct val="100000"/>
+                  </a:lnSpc>
+                  <a:spcBef>
+                    <a:spcPts val="500"/>
+                  </a:spcBef>
+                  <a:spcAft>
+                    <a:spcPts val="500"/>
+                  </a:spcAft>
+                  <a:buClrTx/>
+                  <a:buSzTx/>
+                  <a:buFontTx/>
+                  <a:buNone/>
+                  <a:tabLst/>
+                </a:pPr>
+                <a:r>
+                  <a:rPr kumimoji="0" lang="pl-PL" sz="800" b="1" i="0" u="none" strike="noStrike" cap="none" normalizeH="0" baseline="0" smtClean="0">
+                    <a:ln>
+                      <a:noFill/>
+                    </a:ln>
+                    <a:solidFill>
+                      <a:srgbClr val="000000"/>
+                    </a:solidFill>
+                    <a:effectLst/>
+                    <a:cs typeface="Arial" pitchFamily="34" charset="0"/>
+                  </a:rPr>
+                  <a:t>PWR</a:t>
+                </a:r>
+                <a:br>
+                  <a:rPr kumimoji="0" lang="pl-PL" sz="800" b="1" i="0" u="none" strike="noStrike" cap="none" normalizeH="0" baseline="0" smtClean="0">
+                    <a:ln>
+                      <a:noFill/>
+                    </a:ln>
+                    <a:solidFill>
+                      <a:srgbClr val="000000"/>
+                    </a:solidFill>
+                    <a:effectLst/>
+                    <a:cs typeface="Arial" pitchFamily="34" charset="0"/>
+                  </a:rPr>
+                </a:br>
+                <a:r>
+                  <a:rPr kumimoji="0" lang="pl-PL" sz="1000" b="1" i="0" u="none" strike="noStrike" cap="none" normalizeH="0" baseline="0" smtClean="0">
+                    <a:ln>
+                      <a:noFill/>
+                    </a:ln>
+                    <a:solidFill>
+                      <a:srgbClr val="000000"/>
+                    </a:solidFill>
+                    <a:effectLst/>
+                    <a:cs typeface="Arial" pitchFamily="34" charset="0"/>
+                  </a:rPr>
+                  <a:t/>
+                </a:r>
+                <a:br>
+                  <a:rPr kumimoji="0" lang="pl-PL" sz="1000" b="1" i="0" u="none" strike="noStrike" cap="none" normalizeH="0" baseline="0" smtClean="0">
+                    <a:ln>
+                      <a:noFill/>
+                    </a:ln>
+                    <a:solidFill>
+                      <a:srgbClr val="000000"/>
+                    </a:solidFill>
+                    <a:effectLst/>
+                    <a:cs typeface="Arial" pitchFamily="34" charset="0"/>
+                  </a:rPr>
+                </a:br>
+                <a:r>
+                  <a:rPr kumimoji="0" lang="pl-PL" sz="800" b="1" i="0" u="none" strike="noStrike" cap="none" normalizeH="0" baseline="0" smtClean="0">
+                    <a:ln>
+                      <a:noFill/>
+                    </a:ln>
+                    <a:solidFill>
+                      <a:srgbClr val="000000"/>
+                    </a:solidFill>
+                    <a:effectLst/>
+                    <a:cs typeface="Arial" pitchFamily="34" charset="0"/>
+                  </a:rPr>
+                  <a:t>BWR</a:t>
+                </a:r>
+                <a:br>
+                  <a:rPr kumimoji="0" lang="pl-PL" sz="800" b="1" i="0" u="none" strike="noStrike" cap="none" normalizeH="0" baseline="0" smtClean="0">
+                    <a:ln>
+                      <a:noFill/>
+                    </a:ln>
+                    <a:solidFill>
+                      <a:srgbClr val="000000"/>
+                    </a:solidFill>
+                    <a:effectLst/>
+                    <a:cs typeface="Arial" pitchFamily="34" charset="0"/>
+                  </a:rPr>
+                </a:br>
+                <a:r>
+                  <a:rPr kumimoji="0" lang="pl-PL" sz="1000" b="1" i="0" u="none" strike="noStrike" cap="none" normalizeH="0" baseline="0" smtClean="0">
+                    <a:ln>
+                      <a:noFill/>
+                    </a:ln>
+                    <a:solidFill>
+                      <a:srgbClr val="000000"/>
+                    </a:solidFill>
+                    <a:effectLst/>
+                    <a:cs typeface="Arial" pitchFamily="34" charset="0"/>
+                  </a:rPr>
+                  <a:t/>
+                </a:r>
+                <a:br>
+                  <a:rPr kumimoji="0" lang="pl-PL" sz="1000" b="1" i="0" u="none" strike="noStrike" cap="none" normalizeH="0" baseline="0" smtClean="0">
+                    <a:ln>
+                      <a:noFill/>
+                    </a:ln>
+                    <a:solidFill>
+                      <a:srgbClr val="000000"/>
+                    </a:solidFill>
+                    <a:effectLst/>
+                    <a:cs typeface="Arial" pitchFamily="34" charset="0"/>
+                  </a:rPr>
+                </a:br>
+                <a:r>
+                  <a:rPr kumimoji="0" lang="pl-PL" sz="800" b="1" i="0" u="none" strike="noStrike" cap="none" normalizeH="0" baseline="0" smtClean="0">
+                    <a:ln>
+                      <a:noFill/>
+                    </a:ln>
+                    <a:solidFill>
+                      <a:srgbClr val="000000"/>
+                    </a:solidFill>
+                    <a:effectLst/>
+                    <a:cs typeface="Arial" pitchFamily="34" charset="0"/>
+                  </a:rPr>
+                  <a:t>PHWR</a:t>
+                </a:r>
+                <a:br>
+                  <a:rPr kumimoji="0" lang="pl-PL" sz="800" b="1" i="0" u="none" strike="noStrike" cap="none" normalizeH="0" baseline="0" smtClean="0">
+                    <a:ln>
+                      <a:noFill/>
+                    </a:ln>
+                    <a:solidFill>
+                      <a:srgbClr val="000000"/>
+                    </a:solidFill>
+                    <a:effectLst/>
+                    <a:cs typeface="Arial" pitchFamily="34" charset="0"/>
+                  </a:rPr>
+                </a:br>
+                <a:r>
+                  <a:rPr kumimoji="0" lang="pl-PL" sz="1000" b="1" i="0" u="none" strike="noStrike" cap="none" normalizeH="0" baseline="0" smtClean="0">
+                    <a:ln>
+                      <a:noFill/>
+                    </a:ln>
+                    <a:solidFill>
+                      <a:srgbClr val="000000"/>
+                    </a:solidFill>
+                    <a:effectLst/>
+                    <a:cs typeface="Arial" pitchFamily="34" charset="0"/>
+                  </a:rPr>
+                  <a:t/>
+                </a:r>
+                <a:br>
+                  <a:rPr kumimoji="0" lang="pl-PL" sz="1000" b="1" i="0" u="none" strike="noStrike" cap="none" normalizeH="0" baseline="0" smtClean="0">
+                    <a:ln>
+                      <a:noFill/>
+                    </a:ln>
+                    <a:solidFill>
+                      <a:srgbClr val="000000"/>
+                    </a:solidFill>
+                    <a:effectLst/>
+                    <a:cs typeface="Arial" pitchFamily="34" charset="0"/>
+                  </a:rPr>
+                </a:br>
+                <a:r>
+                  <a:rPr kumimoji="0" lang="pl-PL" sz="800" b="1" i="0" u="none" strike="noStrike" cap="none" normalizeH="0" baseline="0" smtClean="0">
+                    <a:ln>
+                      <a:noFill/>
+                    </a:ln>
+                    <a:solidFill>
+                      <a:srgbClr val="000000"/>
+                    </a:solidFill>
+                    <a:effectLst/>
+                    <a:cs typeface="Arial" pitchFamily="34" charset="0"/>
+                  </a:rPr>
+                  <a:t>GCR</a:t>
+                </a:r>
+                <a:br>
+                  <a:rPr kumimoji="0" lang="pl-PL" sz="800" b="1" i="0" u="none" strike="noStrike" cap="none" normalizeH="0" baseline="0" smtClean="0">
+                    <a:ln>
+                      <a:noFill/>
+                    </a:ln>
+                    <a:solidFill>
+                      <a:srgbClr val="000000"/>
+                    </a:solidFill>
+                    <a:effectLst/>
+                    <a:cs typeface="Arial" pitchFamily="34" charset="0"/>
+                  </a:rPr>
+                </a:br>
+                <a:r>
+                  <a:rPr kumimoji="0" lang="pl-PL" sz="1000" b="1" i="0" u="none" strike="noStrike" cap="none" normalizeH="0" baseline="0" smtClean="0">
+                    <a:ln>
+                      <a:noFill/>
+                    </a:ln>
+                    <a:solidFill>
+                      <a:srgbClr val="000000"/>
+                    </a:solidFill>
+                    <a:effectLst/>
+                    <a:cs typeface="Arial" pitchFamily="34" charset="0"/>
+                  </a:rPr>
+                  <a:t/>
+                </a:r>
+                <a:br>
+                  <a:rPr kumimoji="0" lang="pl-PL" sz="1000" b="1" i="0" u="none" strike="noStrike" cap="none" normalizeH="0" baseline="0" smtClean="0">
+                    <a:ln>
+                      <a:noFill/>
+                    </a:ln>
+                    <a:solidFill>
+                      <a:srgbClr val="000000"/>
+                    </a:solidFill>
+                    <a:effectLst/>
+                    <a:cs typeface="Arial" pitchFamily="34" charset="0"/>
+                  </a:rPr>
+                </a:br>
+                <a:r>
+                  <a:rPr kumimoji="0" lang="pl-PL" sz="800" b="1" i="0" u="none" strike="noStrike" cap="none" normalizeH="0" baseline="0" smtClean="0">
+                    <a:ln>
+                      <a:noFill/>
+                    </a:ln>
+                    <a:solidFill>
+                      <a:srgbClr val="000000"/>
+                    </a:solidFill>
+                    <a:effectLst/>
+                    <a:cs typeface="Arial" pitchFamily="34" charset="0"/>
+                  </a:rPr>
+                  <a:t>LWGR</a:t>
+                </a:r>
+                <a:br>
+                  <a:rPr kumimoji="0" lang="pl-PL" sz="800" b="1" i="0" u="none" strike="noStrike" cap="none" normalizeH="0" baseline="0" smtClean="0">
+                    <a:ln>
+                      <a:noFill/>
+                    </a:ln>
+                    <a:solidFill>
+                      <a:srgbClr val="000000"/>
+                    </a:solidFill>
+                    <a:effectLst/>
+                    <a:cs typeface="Arial" pitchFamily="34" charset="0"/>
+                  </a:rPr>
+                </a:br>
+                <a:r>
+                  <a:rPr kumimoji="0" lang="pl-PL" sz="1000" b="1" i="0" u="none" strike="noStrike" cap="none" normalizeH="0" baseline="0" smtClean="0">
+                    <a:ln>
+                      <a:noFill/>
+                    </a:ln>
+                    <a:solidFill>
+                      <a:srgbClr val="000000"/>
+                    </a:solidFill>
+                    <a:effectLst/>
+                    <a:cs typeface="Arial" pitchFamily="34" charset="0"/>
+                  </a:rPr>
+                  <a:t/>
+                </a:r>
+                <a:br>
+                  <a:rPr kumimoji="0" lang="pl-PL" sz="1000" b="1" i="0" u="none" strike="noStrike" cap="none" normalizeH="0" baseline="0" smtClean="0">
+                    <a:ln>
+                      <a:noFill/>
+                    </a:ln>
+                    <a:solidFill>
+                      <a:srgbClr val="000000"/>
+                    </a:solidFill>
+                    <a:effectLst/>
+                    <a:cs typeface="Arial" pitchFamily="34" charset="0"/>
+                  </a:rPr>
+                </a:br>
+                <a:r>
+                  <a:rPr kumimoji="0" lang="pl-PL" sz="800" b="1" i="0" u="none" strike="noStrike" cap="none" normalizeH="0" baseline="0" smtClean="0">
+                    <a:ln>
+                      <a:noFill/>
+                    </a:ln>
+                    <a:solidFill>
+                      <a:srgbClr val="000000"/>
+                    </a:solidFill>
+                    <a:effectLst/>
+                    <a:cs typeface="Arial" pitchFamily="34" charset="0"/>
+                  </a:rPr>
+                  <a:t>FBR</a:t>
+                </a:r>
+                <a:endParaRPr kumimoji="0" lang="pl-PL" sz="1800" b="0" i="0" u="none" strike="noStrike" cap="none" normalizeH="0" baseline="0" smtClean="0">
+                  <a:ln>
+                    <a:noFill/>
+                  </a:ln>
+                  <a:solidFill>
+                    <a:schemeClr val="tx1"/>
+                  </a:solidFill>
+                  <a:effectLst/>
+                  <a:cs typeface="Arial" pitchFamily="34" charset="0"/>
+                </a:endParaRPr>
+              </a:p>
+            </p:txBody>
+          </p:sp>
+          <p:sp>
+            <p:nvSpPr>
+              <p:cNvPr id="49" name="Pole tekstowe 5"/>
+              <p:cNvSpPr txBox="1">
+                <a:spLocks noChangeArrowheads="1"/>
+              </p:cNvSpPr>
+              <p:nvPr/>
+            </p:nvSpPr>
+            <p:spPr bwMode="auto">
+              <a:xfrm>
+                <a:off x="225" y="639"/>
+                <a:ext cx="10367" cy="2603"/>
+              </a:xfrm>
+              <a:prstGeom prst="rect">
+                <a:avLst/>
+              </a:prstGeom>
+              <a:noFill/>
+              <a:ln w="6350">
+                <a:noFill/>
+                <a:miter lim="800000"/>
+                <a:headEnd/>
+                <a:tailEnd/>
+              </a:ln>
+            </p:spPr>
+            <p:txBody>
+              <a:bodyPr vert="horz" wrap="square" lIns="91440" tIns="45720" rIns="91440" bIns="45720" numCol="1" anchor="t" anchorCtr="0" compatLnSpc="1">
+                <a:prstTxWarp prst="textNoShape">
+                  <a:avLst/>
+                </a:prstTxWarp>
+              </a:bodyPr>
+              <a:lstStyle/>
+              <a:p>
+                <a:pPr marL="0" marR="0" lvl="0" indent="0" algn="l" defTabSz="914400" rtl="0" eaLnBrk="1" fontAlgn="base" latinLnBrk="0" hangingPunct="1">
+                  <a:lnSpc>
+                    <a:spcPct val="100000"/>
+                  </a:lnSpc>
+                  <a:spcBef>
+                    <a:spcPts val="500"/>
+                  </a:spcBef>
+                  <a:spcAft>
+                    <a:spcPts val="500"/>
+                  </a:spcAft>
+                  <a:buClrTx/>
+                  <a:buSzTx/>
+                  <a:buFontTx/>
+                  <a:buNone/>
+                  <a:tabLst/>
+                </a:pPr>
+                <a:r>
+                  <a:rPr kumimoji="0" lang="pl-PL" sz="900" b="0" i="0" u="none" strike="noStrike" cap="none" normalizeH="0" baseline="0" smtClean="0">
+                    <a:ln>
+                      <a:noFill/>
+                    </a:ln>
+                    <a:solidFill>
+                      <a:srgbClr val="000000"/>
+                    </a:solidFill>
+                    <a:effectLst/>
+                    <a:cs typeface="Arial" pitchFamily="34" charset="0"/>
+                  </a:rPr>
+                  <a:t>Typ reaktora</a:t>
+                </a:r>
+                <a:endParaRPr kumimoji="0" lang="pl-PL" sz="1800" b="0" i="0" u="none" strike="noStrike" cap="none" normalizeH="0" baseline="0" smtClean="0">
+                  <a:ln>
+                    <a:noFill/>
+                  </a:ln>
+                  <a:solidFill>
+                    <a:schemeClr val="tx1"/>
+                  </a:solidFill>
+                  <a:effectLst/>
+                  <a:cs typeface="Arial" pitchFamily="34" charset="0"/>
+                </a:endParaRPr>
+              </a:p>
+            </p:txBody>
+          </p:sp>
+        </p:grpSp>
+        <p:sp>
+          <p:nvSpPr>
+            <p:cNvPr id="50" name="Pole tekstowe 10"/>
+            <p:cNvSpPr txBox="1">
+              <a:spLocks noChangeArrowheads="1"/>
+            </p:cNvSpPr>
+            <p:nvPr/>
+          </p:nvSpPr>
+          <p:spPr bwMode="auto">
+            <a:xfrm>
+              <a:off x="15021" y="0"/>
+              <a:ext cx="27762" cy="2603"/>
+            </a:xfrm>
+            <a:prstGeom prst="rect">
+              <a:avLst/>
+            </a:prstGeom>
+            <a:solidFill>
+              <a:srgbClr val="FFFFFF"/>
+            </a:solidFill>
+            <a:ln w="6350">
+              <a:noFill/>
+              <a:miter lim="800000"/>
+              <a:headEnd/>
+              <a:tailEnd/>
+            </a:ln>
+          </p:spPr>
+          <p:txBody>
+            <a:bodyPr vert="horz" wrap="square" lIns="91440" tIns="45720" rIns="91440" bIns="45720" numCol="1" anchor="t" anchorCtr="0" compatLnSpc="1">
+              <a:prstTxWarp prst="textNoShape">
+                <a:avLst/>
+              </a:prstTxWarp>
+            </a:bodyPr>
+            <a:lstStyle/>
+            <a:p>
+              <a:pPr marL="0" marR="0" lvl="0" indent="0" algn="l" defTabSz="914400" rtl="0" eaLnBrk="1" fontAlgn="base" latinLnBrk="0" hangingPunct="1">
+                <a:lnSpc>
+                  <a:spcPct val="100000"/>
+                </a:lnSpc>
+                <a:spcBef>
+                  <a:spcPts val="500"/>
+                </a:spcBef>
+                <a:spcAft>
+                  <a:spcPts val="800"/>
+                </a:spcAft>
+                <a:buClrTx/>
+                <a:buSzTx/>
+                <a:buFontTx/>
+                <a:buNone/>
+                <a:tabLst/>
+              </a:pPr>
+              <a:r>
+                <a:rPr kumimoji="0" lang="pl-PL" sz="900" b="1" i="0" u="none" strike="noStrike" cap="none" normalizeH="0" baseline="0" smtClean="0">
+                  <a:ln>
+                    <a:noFill/>
+                  </a:ln>
+                  <a:solidFill>
+                    <a:srgbClr val="000000"/>
+                  </a:solidFill>
+                  <a:effectLst/>
+                  <a:cs typeface="Arial" pitchFamily="34" charset="0"/>
+                </a:rPr>
+                <a:t>Ilość reaktorów funkcjonujących na świecie: 443</a:t>
+              </a:r>
+              <a:endParaRPr kumimoji="0" lang="pl-PL" sz="1800" b="0" i="0" u="none" strike="noStrike" cap="none" normalizeH="0" baseline="0" smtClean="0">
+                <a:ln>
+                  <a:noFill/>
+                </a:ln>
+                <a:solidFill>
+                  <a:schemeClr val="tx1"/>
+                </a:solidFill>
+                <a:effectLst/>
+                <a:cs typeface="Arial" pitchFamily="34" charset="0"/>
+              </a:endParaRPr>
+            </a:p>
+          </p:txBody>
+        </p:sp>
+      </p:grpSp>
+    </p:spTree>
+  </p:cSld>
+  <p:clrMapOvr>
+    <a:masterClrMapping/>
+  </p:clrMapOvr>
+</p:sld>
+</file>
+
+<file path=ppt/slides/slide5.xml><?xml version="1.0" encoding="utf-8"?>
+<p:sld xmlns:a="http://schemas.openxmlformats.org/drawingml/2006/main" xmlns:r="http://schemas.openxmlformats.org/officeDocument/2006/relationships" xmlns:p="http://schemas.openxmlformats.org/presentationml/2006/main">
+  <p:cSld>
+    <p:spTree>
+      <p:nvGrpSpPr>
+        <p:cNvPr id="1" name=""/>
+        <p:cNvGrpSpPr/>
+        <p:nvPr/>
+      </p:nvGrpSpPr>
+      <p:grpSpPr>
+        <a:xfrm>
+          <a:off x="0" y="0"/>
+          <a:ext cx="0" cy="0"/>
+          <a:chOff x="0" y="0"/>
+          <a:chExt cx="0" cy="0"/>
+        </a:xfrm>
+      </p:grpSpPr>
+      <p:grpSp>
+        <p:nvGrpSpPr>
+          <p:cNvPr id="2050" name="Grupa 16"/>
+          <p:cNvGrpSpPr>
+            <a:grpSpLocks/>
+          </p:cNvGrpSpPr>
+          <p:nvPr/>
+        </p:nvGrpSpPr>
+        <p:grpSpPr bwMode="auto">
+          <a:xfrm>
+            <a:off x="107504" y="44624"/>
+            <a:ext cx="5113337" cy="3709988"/>
+            <a:chOff x="0" y="0"/>
+            <a:chExt cx="51141" cy="37098"/>
+          </a:xfrm>
+        </p:grpSpPr>
+        <p:pic>
+          <p:nvPicPr>
+            <p:cNvPr id="52" name="Obraz 52"/>
+            <p:cNvPicPr>
+              <a:picLocks noChangeAspect="1" noChangeArrowheads="1"/>
+            </p:cNvPicPr>
+            <p:nvPr/>
+          </p:nvPicPr>
+          <p:blipFill>
+            <a:blip r:embed="rId2" cstate="print"/>
+            <a:srcRect l="30956" t="6821" r="25789" b="6313"/>
+            <a:stretch>
+              <a:fillRect/>
+            </a:stretch>
+          </p:blipFill>
+          <p:spPr bwMode="auto">
+            <a:xfrm rot="-5400000">
+              <a:off x="11585" y="-8982"/>
+              <a:ext cx="24956" cy="48125"/>
+            </a:xfrm>
+            <a:prstGeom prst="rect">
+              <a:avLst/>
+            </a:prstGeom>
+            <a:noFill/>
+          </p:spPr>
+        </p:pic>
+        <p:sp>
+          <p:nvSpPr>
+            <p:cNvPr id="53" name="Pole tekstowe 11"/>
+            <p:cNvSpPr txBox="1">
+              <a:spLocks noChangeArrowheads="1"/>
+            </p:cNvSpPr>
+            <p:nvPr/>
+          </p:nvSpPr>
+          <p:spPr bwMode="auto">
+            <a:xfrm rot="-5400000">
+              <a:off x="44656" y="12570"/>
+              <a:ext cx="10366" cy="2604"/>
+            </a:xfrm>
+            <a:prstGeom prst="rect">
+              <a:avLst/>
+            </a:prstGeom>
+            <a:noFill/>
+            <a:ln w="6350">
+              <a:noFill/>
+              <a:miter lim="800000"/>
+              <a:headEnd/>
+              <a:tailEnd/>
+            </a:ln>
+          </p:spPr>
+          <p:txBody>
+            <a:bodyPr vert="horz" wrap="square" lIns="91440" tIns="45720" rIns="91440" bIns="45720" numCol="1" anchor="t" anchorCtr="0" compatLnSpc="1">
+              <a:prstTxWarp prst="textNoShape">
+                <a:avLst/>
+              </a:prstTxWarp>
+            </a:bodyPr>
+            <a:lstStyle/>
+            <a:p>
+              <a:pPr marL="0" marR="0" lvl="0" indent="0" algn="l" defTabSz="914400" rtl="0" eaLnBrk="1" fontAlgn="base" latinLnBrk="0" hangingPunct="1">
+                <a:lnSpc>
+                  <a:spcPct val="100000"/>
+                </a:lnSpc>
+                <a:spcBef>
+                  <a:spcPts val="500"/>
+                </a:spcBef>
+                <a:spcAft>
+                  <a:spcPts val="500"/>
+                </a:spcAft>
+                <a:buClrTx/>
+                <a:buSzTx/>
+                <a:buFontTx/>
+                <a:buNone/>
+                <a:tabLst/>
+              </a:pPr>
+              <a:r>
+                <a:rPr kumimoji="0" lang="pl-PL" sz="900" b="0" i="0" u="none" strike="noStrike" cap="none" normalizeH="0" baseline="0" dirty="0" smtClean="0">
+                  <a:ln>
+                    <a:noFill/>
+                  </a:ln>
+                  <a:solidFill>
+                    <a:srgbClr val="000000"/>
+                  </a:solidFill>
+                  <a:effectLst/>
+                  <a:cs typeface="Arial" pitchFamily="34" charset="0"/>
+                </a:rPr>
+                <a:t>Liczba reaktorów</a:t>
+              </a:r>
+              <a:endParaRPr kumimoji="0" lang="pl-PL" sz="1800" b="0" i="0" u="none" strike="noStrike" cap="none" normalizeH="0" baseline="0" dirty="0" smtClean="0">
+                <a:ln>
+                  <a:noFill/>
+                </a:ln>
+                <a:solidFill>
+                  <a:schemeClr val="tx1"/>
+                </a:solidFill>
+                <a:effectLst/>
+                <a:cs typeface="Arial" pitchFamily="34" charset="0"/>
+              </a:endParaRPr>
+            </a:p>
+          </p:txBody>
+        </p:sp>
+        <p:sp>
+          <p:nvSpPr>
+            <p:cNvPr id="54" name="Pole tekstowe 12"/>
+            <p:cNvSpPr txBox="1">
+              <a:spLocks noChangeArrowheads="1"/>
+            </p:cNvSpPr>
+            <p:nvPr/>
+          </p:nvSpPr>
+          <p:spPr bwMode="auto">
+            <a:xfrm>
+              <a:off x="14382" y="0"/>
+              <a:ext cx="20527" cy="2603"/>
+            </a:xfrm>
+            <a:prstGeom prst="rect">
+              <a:avLst/>
+            </a:prstGeom>
+            <a:noFill/>
+            <a:ln w="6350">
+              <a:noFill/>
+              <a:miter lim="800000"/>
+              <a:headEnd/>
+              <a:tailEnd/>
+            </a:ln>
+          </p:spPr>
+          <p:txBody>
+            <a:bodyPr vert="horz" wrap="square" lIns="91440" tIns="45720" rIns="91440" bIns="45720" numCol="1" anchor="t" anchorCtr="0" compatLnSpc="1">
+              <a:prstTxWarp prst="textNoShape">
+                <a:avLst/>
+              </a:prstTxWarp>
+            </a:bodyPr>
+            <a:lstStyle/>
+            <a:p>
+              <a:pPr marL="0" marR="0" lvl="0" indent="0" algn="l" defTabSz="914400" rtl="0" eaLnBrk="1" fontAlgn="base" latinLnBrk="0" hangingPunct="1">
+                <a:lnSpc>
+                  <a:spcPct val="100000"/>
+                </a:lnSpc>
+                <a:spcBef>
+                  <a:spcPts val="500"/>
+                </a:spcBef>
+                <a:spcAft>
+                  <a:spcPts val="500"/>
+                </a:spcAft>
+                <a:buClrTx/>
+                <a:buSzTx/>
+                <a:buFontTx/>
+                <a:buNone/>
+                <a:tabLst/>
+              </a:pPr>
+              <a:r>
+                <a:rPr kumimoji="0" lang="pl-PL" sz="1000" b="1" i="0" u="none" strike="noStrike" cap="none" normalizeH="0" baseline="0" smtClean="0">
+                  <a:ln>
+                    <a:noFill/>
+                  </a:ln>
+                  <a:solidFill>
+                    <a:srgbClr val="000000"/>
+                  </a:solidFill>
+                  <a:effectLst/>
+                  <a:cs typeface="Arial" pitchFamily="34" charset="0"/>
+                </a:rPr>
+                <a:t>Ilość reaktorów na świecie : 443</a:t>
+              </a:r>
+              <a:endParaRPr kumimoji="0" lang="pl-PL" sz="1800" b="0" i="0" u="none" strike="noStrike" cap="none" normalizeH="0" baseline="0" smtClean="0">
+                <a:ln>
+                  <a:noFill/>
+                </a:ln>
+                <a:solidFill>
+                  <a:schemeClr val="tx1"/>
+                </a:solidFill>
+                <a:effectLst/>
+                <a:cs typeface="Arial" pitchFamily="34" charset="0"/>
+              </a:endParaRPr>
+            </a:p>
+          </p:txBody>
+        </p:sp>
+        <p:sp>
+          <p:nvSpPr>
+            <p:cNvPr id="55" name="Pole tekstowe 13"/>
+            <p:cNvSpPr txBox="1">
+              <a:spLocks noChangeArrowheads="1"/>
+            </p:cNvSpPr>
+            <p:nvPr/>
+          </p:nvSpPr>
+          <p:spPr bwMode="auto">
+            <a:xfrm rot="-5400000">
+              <a:off x="18684" y="8229"/>
+              <a:ext cx="10367" cy="47371"/>
+            </a:xfrm>
+            <a:prstGeom prst="rect">
+              <a:avLst/>
+            </a:prstGeom>
+            <a:noFill/>
+            <a:ln w="6350">
+              <a:noFill/>
+              <a:miter lim="800000"/>
+              <a:headEnd/>
+              <a:tailEnd/>
+            </a:ln>
+          </p:spPr>
+          <p:txBody>
+            <a:bodyPr vert="horz" wrap="square" lIns="91440" tIns="45720" rIns="91440" bIns="45720" numCol="1" anchor="t" anchorCtr="0" compatLnSpc="1">
+              <a:prstTxWarp prst="textNoShape">
+                <a:avLst/>
+              </a:prstTxWarp>
+            </a:bodyPr>
+            <a:lstStyle/>
+            <a:p>
+              <a:pPr marL="0" marR="0" lvl="0" indent="0" algn="r" defTabSz="914400" rtl="0" eaLnBrk="1" fontAlgn="base" latinLnBrk="0" hangingPunct="1">
+                <a:lnSpc>
+                  <a:spcPct val="100000"/>
+                </a:lnSpc>
+                <a:spcBef>
+                  <a:spcPts val="500"/>
+                </a:spcBef>
+                <a:spcAft>
+                  <a:spcPts val="1200"/>
+                </a:spcAft>
+                <a:buClrTx/>
+                <a:buSzTx/>
+                <a:buFontTx/>
+                <a:buNone/>
+                <a:tabLst/>
+              </a:pPr>
+              <a:r>
+                <a:rPr kumimoji="0" lang="pl-PL" sz="1000" b="0" i="0" u="none" strike="noStrike" cap="none" normalizeH="0" baseline="0" dirty="0" smtClean="0">
+                  <a:ln>
+                    <a:noFill/>
+                  </a:ln>
+                  <a:solidFill>
+                    <a:srgbClr val="000000"/>
+                  </a:solidFill>
+                  <a:effectLst/>
+                  <a:cs typeface="Arial" pitchFamily="34" charset="0"/>
+                </a:rPr>
+                <a:t>USA</a:t>
+              </a:r>
+              <a:br>
+                <a:rPr kumimoji="0" lang="pl-PL" sz="1000" b="0" i="0" u="none" strike="noStrike" cap="none" normalizeH="0" baseline="0" dirty="0" smtClean="0">
+                  <a:ln>
+                    <a:noFill/>
+                  </a:ln>
+                  <a:solidFill>
+                    <a:srgbClr val="000000"/>
+                  </a:solidFill>
+                  <a:effectLst/>
+                  <a:cs typeface="Arial" pitchFamily="34" charset="0"/>
+                </a:rPr>
+              </a:br>
+              <a:r>
+                <a:rPr kumimoji="0" lang="pl-PL" sz="1000" b="0" i="0" u="none" strike="noStrike" cap="none" normalizeH="0" baseline="0" dirty="0" smtClean="0">
+                  <a:ln>
+                    <a:noFill/>
+                  </a:ln>
+                  <a:solidFill>
+                    <a:srgbClr val="000000"/>
+                  </a:solidFill>
+                  <a:effectLst/>
+                  <a:cs typeface="Arial" pitchFamily="34" charset="0"/>
+                </a:rPr>
+                <a:t>Francja</a:t>
+              </a:r>
+              <a:br>
+                <a:rPr kumimoji="0" lang="pl-PL" sz="1000" b="0" i="0" u="none" strike="noStrike" cap="none" normalizeH="0" baseline="0" dirty="0" smtClean="0">
+                  <a:ln>
+                    <a:noFill/>
+                  </a:ln>
+                  <a:solidFill>
+                    <a:srgbClr val="000000"/>
+                  </a:solidFill>
+                  <a:effectLst/>
+                  <a:cs typeface="Arial" pitchFamily="34" charset="0"/>
+                </a:rPr>
+              </a:br>
+              <a:r>
+                <a:rPr kumimoji="0" lang="pl-PL" sz="1000" b="0" i="0" u="none" strike="noStrike" cap="none" normalizeH="0" baseline="0" dirty="0" smtClean="0">
+                  <a:ln>
+                    <a:noFill/>
+                  </a:ln>
+                  <a:solidFill>
+                    <a:srgbClr val="000000"/>
+                  </a:solidFill>
+                  <a:effectLst/>
+                  <a:cs typeface="Arial" pitchFamily="34" charset="0"/>
+                </a:rPr>
+                <a:t>Japonia</a:t>
+              </a:r>
+              <a:br>
+                <a:rPr kumimoji="0" lang="pl-PL" sz="1000" b="0" i="0" u="none" strike="noStrike" cap="none" normalizeH="0" baseline="0" dirty="0" smtClean="0">
+                  <a:ln>
+                    <a:noFill/>
+                  </a:ln>
+                  <a:solidFill>
+                    <a:srgbClr val="000000"/>
+                  </a:solidFill>
+                  <a:effectLst/>
+                  <a:cs typeface="Arial" pitchFamily="34" charset="0"/>
+                </a:rPr>
+              </a:br>
+              <a:r>
+                <a:rPr kumimoji="0" lang="pl-PL" sz="1000" b="0" i="0" u="none" strike="noStrike" cap="none" normalizeH="0" baseline="0" dirty="0" smtClean="0">
+                  <a:ln>
+                    <a:noFill/>
+                  </a:ln>
+                  <a:solidFill>
+                    <a:srgbClr val="000000"/>
+                  </a:solidFill>
+                  <a:effectLst/>
+                  <a:cs typeface="Arial" pitchFamily="34" charset="0"/>
+                </a:rPr>
+                <a:t>Rosja</a:t>
+              </a:r>
+              <a:br>
+                <a:rPr kumimoji="0" lang="pl-PL" sz="1000" b="0" i="0" u="none" strike="noStrike" cap="none" normalizeH="0" baseline="0" dirty="0" smtClean="0">
+                  <a:ln>
+                    <a:noFill/>
+                  </a:ln>
+                  <a:solidFill>
+                    <a:srgbClr val="000000"/>
+                  </a:solidFill>
+                  <a:effectLst/>
+                  <a:cs typeface="Arial" pitchFamily="34" charset="0"/>
+                </a:rPr>
+              </a:br>
+              <a:r>
+                <a:rPr kumimoji="0" lang="pl-PL" sz="1000" b="0" i="0" u="none" strike="noStrike" cap="none" normalizeH="0" baseline="0" dirty="0" smtClean="0">
+                  <a:ln>
+                    <a:noFill/>
+                  </a:ln>
+                  <a:solidFill>
+                    <a:srgbClr val="000000"/>
+                  </a:solidFill>
+                  <a:effectLst/>
+                  <a:cs typeface="Arial" pitchFamily="34" charset="0"/>
+                </a:rPr>
+                <a:t>Chiny</a:t>
+              </a:r>
+              <a:br>
+                <a:rPr kumimoji="0" lang="pl-PL" sz="1000" b="0" i="0" u="none" strike="noStrike" cap="none" normalizeH="0" baseline="0" dirty="0" smtClean="0">
+                  <a:ln>
+                    <a:noFill/>
+                  </a:ln>
+                  <a:solidFill>
+                    <a:srgbClr val="000000"/>
+                  </a:solidFill>
+                  <a:effectLst/>
+                  <a:cs typeface="Arial" pitchFamily="34" charset="0"/>
+                </a:rPr>
+              </a:br>
+              <a:r>
+                <a:rPr kumimoji="0" lang="pl-PL" sz="1000" b="0" i="0" u="none" strike="noStrike" cap="none" normalizeH="0" baseline="0" dirty="0" smtClean="0">
+                  <a:ln>
+                    <a:noFill/>
+                  </a:ln>
+                  <a:solidFill>
+                    <a:srgbClr val="000000"/>
+                  </a:solidFill>
+                  <a:effectLst/>
+                  <a:cs typeface="Arial" pitchFamily="34" charset="0"/>
+                </a:rPr>
+                <a:t>Korea Płd.</a:t>
+              </a:r>
+              <a:br>
+                <a:rPr kumimoji="0" lang="pl-PL" sz="1000" b="0" i="0" u="none" strike="noStrike" cap="none" normalizeH="0" baseline="0" dirty="0" smtClean="0">
+                  <a:ln>
+                    <a:noFill/>
+                  </a:ln>
+                  <a:solidFill>
+                    <a:srgbClr val="000000"/>
+                  </a:solidFill>
+                  <a:effectLst/>
+                  <a:cs typeface="Arial" pitchFamily="34" charset="0"/>
+                </a:rPr>
+              </a:br>
+              <a:r>
+                <a:rPr kumimoji="0" lang="pl-PL" sz="1000" b="0" i="0" u="none" strike="noStrike" cap="none" normalizeH="0" baseline="0" dirty="0" smtClean="0">
+                  <a:ln>
+                    <a:noFill/>
+                  </a:ln>
+                  <a:solidFill>
+                    <a:srgbClr val="000000"/>
+                  </a:solidFill>
+                  <a:effectLst/>
+                  <a:cs typeface="Arial" pitchFamily="34" charset="0"/>
+                </a:rPr>
+                <a:t>Indie</a:t>
+              </a:r>
+              <a:br>
+                <a:rPr kumimoji="0" lang="pl-PL" sz="1000" b="0" i="0" u="none" strike="noStrike" cap="none" normalizeH="0" baseline="0" dirty="0" smtClean="0">
+                  <a:ln>
+                    <a:noFill/>
+                  </a:ln>
+                  <a:solidFill>
+                    <a:srgbClr val="000000"/>
+                  </a:solidFill>
+                  <a:effectLst/>
+                  <a:cs typeface="Arial" pitchFamily="34" charset="0"/>
+                </a:rPr>
+              </a:br>
+              <a:r>
+                <a:rPr kumimoji="0" lang="pl-PL" sz="1000" b="0" i="0" u="none" strike="noStrike" cap="none" normalizeH="0" baseline="0" dirty="0" smtClean="0">
+                  <a:ln>
+                    <a:noFill/>
+                  </a:ln>
+                  <a:solidFill>
+                    <a:srgbClr val="000000"/>
+                  </a:solidFill>
+                  <a:effectLst/>
+                  <a:cs typeface="Arial" pitchFamily="34" charset="0"/>
+                </a:rPr>
+                <a:t>Kanada</a:t>
+              </a:r>
+              <a:br>
+                <a:rPr kumimoji="0" lang="pl-PL" sz="1000" b="0" i="0" u="none" strike="noStrike" cap="none" normalizeH="0" baseline="0" dirty="0" smtClean="0">
+                  <a:ln>
+                    <a:noFill/>
+                  </a:ln>
+                  <a:solidFill>
+                    <a:srgbClr val="000000"/>
+                  </a:solidFill>
+                  <a:effectLst/>
+                  <a:cs typeface="Arial" pitchFamily="34" charset="0"/>
+                </a:rPr>
+              </a:br>
+              <a:r>
+                <a:rPr kumimoji="0" lang="pl-PL" sz="1000" b="0" i="0" u="none" strike="noStrike" cap="none" normalizeH="0" baseline="0" dirty="0" smtClean="0">
+                  <a:ln>
+                    <a:noFill/>
+                  </a:ln>
+                  <a:solidFill>
+                    <a:srgbClr val="000000"/>
+                  </a:solidFill>
+                  <a:effectLst/>
+                  <a:cs typeface="Arial" pitchFamily="34" charset="0"/>
+                </a:rPr>
+                <a:t>Wielka Brytania</a:t>
+              </a:r>
+              <a:br>
+                <a:rPr kumimoji="0" lang="pl-PL" sz="1000" b="0" i="0" u="none" strike="noStrike" cap="none" normalizeH="0" baseline="0" dirty="0" smtClean="0">
+                  <a:ln>
+                    <a:noFill/>
+                  </a:ln>
+                  <a:solidFill>
+                    <a:srgbClr val="000000"/>
+                  </a:solidFill>
+                  <a:effectLst/>
+                  <a:cs typeface="Arial" pitchFamily="34" charset="0"/>
+                </a:rPr>
+              </a:br>
+              <a:r>
+                <a:rPr kumimoji="0" lang="pl-PL" sz="1000" b="0" i="0" u="none" strike="noStrike" cap="none" normalizeH="0" baseline="0" dirty="0" smtClean="0">
+                  <a:ln>
+                    <a:noFill/>
+                  </a:ln>
+                  <a:solidFill>
+                    <a:srgbClr val="000000"/>
+                  </a:solidFill>
+                  <a:effectLst/>
+                  <a:cs typeface="Arial" pitchFamily="34" charset="0"/>
+                </a:rPr>
+                <a:t>Ukraina</a:t>
+              </a:r>
+              <a:br>
+                <a:rPr kumimoji="0" lang="pl-PL" sz="1000" b="0" i="0" u="none" strike="noStrike" cap="none" normalizeH="0" baseline="0" dirty="0" smtClean="0">
+                  <a:ln>
+                    <a:noFill/>
+                  </a:ln>
+                  <a:solidFill>
+                    <a:srgbClr val="000000"/>
+                  </a:solidFill>
+                  <a:effectLst/>
+                  <a:cs typeface="Arial" pitchFamily="34" charset="0"/>
+                </a:rPr>
+              </a:br>
+              <a:r>
+                <a:rPr kumimoji="0" lang="pl-PL" sz="1000" b="0" i="0" u="none" strike="noStrike" cap="none" normalizeH="0" baseline="0" dirty="0" smtClean="0">
+                  <a:ln>
+                    <a:noFill/>
+                  </a:ln>
+                  <a:solidFill>
+                    <a:srgbClr val="000000"/>
+                  </a:solidFill>
+                  <a:effectLst/>
+                  <a:cs typeface="Arial" pitchFamily="34" charset="0"/>
+                </a:rPr>
+                <a:t>Szwecja</a:t>
+              </a:r>
+              <a:br>
+                <a:rPr kumimoji="0" lang="pl-PL" sz="1000" b="0" i="0" u="none" strike="noStrike" cap="none" normalizeH="0" baseline="0" dirty="0" smtClean="0">
+                  <a:ln>
+                    <a:noFill/>
+                  </a:ln>
+                  <a:solidFill>
+                    <a:srgbClr val="000000"/>
+                  </a:solidFill>
+                  <a:effectLst/>
+                  <a:cs typeface="Arial" pitchFamily="34" charset="0"/>
+                </a:rPr>
+              </a:br>
+              <a:r>
+                <a:rPr kumimoji="0" lang="pl-PL" sz="1000" b="0" i="0" u="none" strike="noStrike" cap="none" normalizeH="0" baseline="0" dirty="0" smtClean="0">
+                  <a:ln>
+                    <a:noFill/>
+                  </a:ln>
+                  <a:solidFill>
+                    <a:srgbClr val="000000"/>
+                  </a:solidFill>
+                  <a:effectLst/>
+                  <a:cs typeface="Arial" pitchFamily="34" charset="0"/>
+                </a:rPr>
+                <a:t>Niemcy</a:t>
+              </a:r>
+              <a:br>
+                <a:rPr kumimoji="0" lang="pl-PL" sz="1000" b="0" i="0" u="none" strike="noStrike" cap="none" normalizeH="0" baseline="0" dirty="0" smtClean="0">
+                  <a:ln>
+                    <a:noFill/>
+                  </a:ln>
+                  <a:solidFill>
+                    <a:srgbClr val="000000"/>
+                  </a:solidFill>
+                  <a:effectLst/>
+                  <a:cs typeface="Arial" pitchFamily="34" charset="0"/>
+                </a:rPr>
+              </a:br>
+              <a:r>
+                <a:rPr kumimoji="0" lang="pl-PL" sz="1000" b="0" i="0" u="none" strike="noStrike" cap="none" normalizeH="0" baseline="0" dirty="0" smtClean="0">
+                  <a:ln>
+                    <a:noFill/>
+                  </a:ln>
+                  <a:solidFill>
+                    <a:srgbClr val="000000"/>
+                  </a:solidFill>
+                  <a:effectLst/>
+                  <a:cs typeface="Arial" pitchFamily="34" charset="0"/>
+                </a:rPr>
+                <a:t>Belgia</a:t>
+              </a:r>
+              <a:br>
+                <a:rPr kumimoji="0" lang="pl-PL" sz="1000" b="0" i="0" u="none" strike="noStrike" cap="none" normalizeH="0" baseline="0" dirty="0" smtClean="0">
+                  <a:ln>
+                    <a:noFill/>
+                  </a:ln>
+                  <a:solidFill>
+                    <a:srgbClr val="000000"/>
+                  </a:solidFill>
+                  <a:effectLst/>
+                  <a:cs typeface="Arial" pitchFamily="34" charset="0"/>
+                </a:rPr>
+              </a:br>
+              <a:r>
+                <a:rPr kumimoji="0" lang="pl-PL" sz="1000" b="0" i="0" u="none" strike="noStrike" cap="none" normalizeH="0" baseline="0" dirty="0" smtClean="0">
+                  <a:ln>
+                    <a:noFill/>
+                  </a:ln>
+                  <a:solidFill>
+                    <a:srgbClr val="000000"/>
+                  </a:solidFill>
+                  <a:effectLst/>
+                  <a:cs typeface="Arial" pitchFamily="34" charset="0"/>
+                </a:rPr>
+                <a:t>Hiszpania</a:t>
+              </a:r>
+              <a:br>
+                <a:rPr kumimoji="0" lang="pl-PL" sz="1000" b="0" i="0" u="none" strike="noStrike" cap="none" normalizeH="0" baseline="0" dirty="0" smtClean="0">
+                  <a:ln>
+                    <a:noFill/>
+                  </a:ln>
+                  <a:solidFill>
+                    <a:srgbClr val="000000"/>
+                  </a:solidFill>
+                  <a:effectLst/>
+                  <a:cs typeface="Arial" pitchFamily="34" charset="0"/>
+                </a:rPr>
+              </a:br>
+              <a:r>
+                <a:rPr kumimoji="0" lang="pl-PL" sz="1000" b="0" i="0" u="none" strike="noStrike" cap="none" normalizeH="0" baseline="0" dirty="0" smtClean="0">
+                  <a:ln>
+                    <a:noFill/>
+                  </a:ln>
+                  <a:solidFill>
+                    <a:srgbClr val="000000"/>
+                  </a:solidFill>
+                  <a:effectLst/>
+                  <a:cs typeface="Arial" pitchFamily="34" charset="0"/>
+                </a:rPr>
+                <a:t>Czechy</a:t>
+              </a:r>
+              <a:br>
+                <a:rPr kumimoji="0" lang="pl-PL" sz="1000" b="0" i="0" u="none" strike="noStrike" cap="none" normalizeH="0" baseline="0" dirty="0" smtClean="0">
+                  <a:ln>
+                    <a:noFill/>
+                  </a:ln>
+                  <a:solidFill>
+                    <a:srgbClr val="000000"/>
+                  </a:solidFill>
+                  <a:effectLst/>
+                  <a:cs typeface="Arial" pitchFamily="34" charset="0"/>
+                </a:rPr>
+              </a:br>
+              <a:r>
+                <a:rPr kumimoji="0" lang="pl-PL" sz="1000" b="0" i="0" u="none" strike="noStrike" cap="none" normalizeH="0" baseline="0" dirty="0" smtClean="0">
+                  <a:ln>
+                    <a:noFill/>
+                  </a:ln>
+                  <a:solidFill>
+                    <a:srgbClr val="000000"/>
+                  </a:solidFill>
+                  <a:effectLst/>
+                  <a:cs typeface="Arial" pitchFamily="34" charset="0"/>
+                </a:rPr>
+                <a:t>Szwajcaria</a:t>
+              </a:r>
+              <a:br>
+                <a:rPr kumimoji="0" lang="pl-PL" sz="1000" b="0" i="0" u="none" strike="noStrike" cap="none" normalizeH="0" baseline="0" dirty="0" smtClean="0">
+                  <a:ln>
+                    <a:noFill/>
+                  </a:ln>
+                  <a:solidFill>
+                    <a:srgbClr val="000000"/>
+                  </a:solidFill>
+                  <a:effectLst/>
+                  <a:cs typeface="Arial" pitchFamily="34" charset="0"/>
+                </a:rPr>
+              </a:br>
+              <a:r>
+                <a:rPr kumimoji="0" lang="pl-PL" sz="1000" b="0" i="0" u="none" strike="noStrike" cap="none" normalizeH="0" baseline="0" dirty="0" smtClean="0">
+                  <a:ln>
+                    <a:noFill/>
+                  </a:ln>
+                  <a:solidFill>
+                    <a:srgbClr val="000000"/>
+                  </a:solidFill>
+                  <a:effectLst/>
+                  <a:cs typeface="Arial" pitchFamily="34" charset="0"/>
+                </a:rPr>
+                <a:t>Finlandia</a:t>
+              </a:r>
+              <a:br>
+                <a:rPr kumimoji="0" lang="pl-PL" sz="1000" b="0" i="0" u="none" strike="noStrike" cap="none" normalizeH="0" baseline="0" dirty="0" smtClean="0">
+                  <a:ln>
+                    <a:noFill/>
+                  </a:ln>
+                  <a:solidFill>
+                    <a:srgbClr val="000000"/>
+                  </a:solidFill>
+                  <a:effectLst/>
+                  <a:cs typeface="Arial" pitchFamily="34" charset="0"/>
+                </a:rPr>
+              </a:br>
+              <a:r>
+                <a:rPr kumimoji="0" lang="pl-PL" sz="1000" b="0" i="0" u="none" strike="noStrike" cap="none" normalizeH="0" baseline="0" dirty="0" smtClean="0">
+                  <a:ln>
+                    <a:noFill/>
+                  </a:ln>
+                  <a:solidFill>
+                    <a:srgbClr val="000000"/>
+                  </a:solidFill>
+                  <a:effectLst/>
+                  <a:cs typeface="Arial" pitchFamily="34" charset="0"/>
+                </a:rPr>
+                <a:t>Węgry</a:t>
+              </a:r>
+              <a:br>
+                <a:rPr kumimoji="0" lang="pl-PL" sz="1000" b="0" i="0" u="none" strike="noStrike" cap="none" normalizeH="0" baseline="0" dirty="0" smtClean="0">
+                  <a:ln>
+                    <a:noFill/>
+                  </a:ln>
+                  <a:solidFill>
+                    <a:srgbClr val="000000"/>
+                  </a:solidFill>
+                  <a:effectLst/>
+                  <a:cs typeface="Arial" pitchFamily="34" charset="0"/>
+                </a:rPr>
+              </a:br>
+              <a:r>
+                <a:rPr kumimoji="0" lang="pl-PL" sz="1000" b="0" i="0" u="none" strike="noStrike" cap="none" normalizeH="0" baseline="0" dirty="0" smtClean="0">
+                  <a:ln>
+                    <a:noFill/>
+                  </a:ln>
+                  <a:solidFill>
+                    <a:srgbClr val="000000"/>
+                  </a:solidFill>
+                  <a:effectLst/>
+                  <a:cs typeface="Arial" pitchFamily="34" charset="0"/>
+                </a:rPr>
+                <a:t>Słowacja</a:t>
+              </a:r>
+              <a:br>
+                <a:rPr kumimoji="0" lang="pl-PL" sz="1000" b="0" i="0" u="none" strike="noStrike" cap="none" normalizeH="0" baseline="0" dirty="0" smtClean="0">
+                  <a:ln>
+                    <a:noFill/>
+                  </a:ln>
+                  <a:solidFill>
+                    <a:srgbClr val="000000"/>
+                  </a:solidFill>
+                  <a:effectLst/>
+                  <a:cs typeface="Arial" pitchFamily="34" charset="0"/>
+                </a:rPr>
+              </a:br>
+              <a:r>
+                <a:rPr kumimoji="0" lang="pl-PL" sz="1000" b="0" i="0" u="none" strike="noStrike" cap="none" normalizeH="0" baseline="0" dirty="0" smtClean="0">
+                  <a:ln>
+                    <a:noFill/>
+                  </a:ln>
+                  <a:solidFill>
+                    <a:srgbClr val="000000"/>
+                  </a:solidFill>
+                  <a:effectLst/>
+                  <a:cs typeface="Arial" pitchFamily="34" charset="0"/>
+                </a:rPr>
+                <a:t>Argentyna</a:t>
+              </a:r>
+              <a:br>
+                <a:rPr kumimoji="0" lang="pl-PL" sz="1000" b="0" i="0" u="none" strike="noStrike" cap="none" normalizeH="0" baseline="0" dirty="0" smtClean="0">
+                  <a:ln>
+                    <a:noFill/>
+                  </a:ln>
+                  <a:solidFill>
+                    <a:srgbClr val="000000"/>
+                  </a:solidFill>
+                  <a:effectLst/>
+                  <a:cs typeface="Arial" pitchFamily="34" charset="0"/>
+                </a:rPr>
+              </a:br>
+              <a:r>
+                <a:rPr kumimoji="0" lang="pl-PL" sz="1000" b="0" i="0" u="none" strike="noStrike" cap="none" normalizeH="0" baseline="0" dirty="0" smtClean="0">
+                  <a:ln>
+                    <a:noFill/>
+                  </a:ln>
+                  <a:solidFill>
+                    <a:srgbClr val="000000"/>
+                  </a:solidFill>
+                  <a:effectLst/>
+                  <a:cs typeface="Arial" pitchFamily="34" charset="0"/>
+                </a:rPr>
+                <a:t>Pakistan</a:t>
+              </a:r>
+              <a:br>
+                <a:rPr kumimoji="0" lang="pl-PL" sz="1000" b="0" i="0" u="none" strike="noStrike" cap="none" normalizeH="0" baseline="0" dirty="0" smtClean="0">
+                  <a:ln>
+                    <a:noFill/>
+                  </a:ln>
+                  <a:solidFill>
+                    <a:srgbClr val="000000"/>
+                  </a:solidFill>
+                  <a:effectLst/>
+                  <a:cs typeface="Arial" pitchFamily="34" charset="0"/>
+                </a:rPr>
+              </a:br>
+              <a:r>
+                <a:rPr kumimoji="0" lang="pl-PL" sz="1000" b="0" i="0" u="none" strike="noStrike" cap="none" normalizeH="0" baseline="0" dirty="0" smtClean="0">
+                  <a:ln>
+                    <a:noFill/>
+                  </a:ln>
+                  <a:solidFill>
+                    <a:srgbClr val="000000"/>
+                  </a:solidFill>
+                  <a:effectLst/>
+                  <a:cs typeface="Arial" pitchFamily="34" charset="0"/>
+                </a:rPr>
+                <a:t>Brazylia</a:t>
+              </a:r>
+              <a:br>
+                <a:rPr kumimoji="0" lang="pl-PL" sz="1000" b="0" i="0" u="none" strike="noStrike" cap="none" normalizeH="0" baseline="0" dirty="0" smtClean="0">
+                  <a:ln>
+                    <a:noFill/>
+                  </a:ln>
+                  <a:solidFill>
+                    <a:srgbClr val="000000"/>
+                  </a:solidFill>
+                  <a:effectLst/>
+                  <a:cs typeface="Arial" pitchFamily="34" charset="0"/>
+                </a:rPr>
+              </a:br>
+              <a:r>
+                <a:rPr kumimoji="0" lang="pl-PL" sz="1000" b="0" i="0" u="none" strike="noStrike" cap="none" normalizeH="0" baseline="0" dirty="0" smtClean="0">
+                  <a:ln>
+                    <a:noFill/>
+                  </a:ln>
+                  <a:solidFill>
+                    <a:srgbClr val="000000"/>
+                  </a:solidFill>
+                  <a:effectLst/>
+                  <a:cs typeface="Arial" pitchFamily="34" charset="0"/>
+                </a:rPr>
+                <a:t>Bułgaria</a:t>
+              </a:r>
+              <a:br>
+                <a:rPr kumimoji="0" lang="pl-PL" sz="1000" b="0" i="0" u="none" strike="noStrike" cap="none" normalizeH="0" baseline="0" dirty="0" smtClean="0">
+                  <a:ln>
+                    <a:noFill/>
+                  </a:ln>
+                  <a:solidFill>
+                    <a:srgbClr val="000000"/>
+                  </a:solidFill>
+                  <a:effectLst/>
+                  <a:cs typeface="Arial" pitchFamily="34" charset="0"/>
+                </a:rPr>
+              </a:br>
+              <a:r>
+                <a:rPr kumimoji="0" lang="pl-PL" sz="1000" b="0" i="0" u="none" strike="noStrike" cap="none" normalizeH="0" baseline="0" dirty="0" smtClean="0">
+                  <a:ln>
+                    <a:noFill/>
+                  </a:ln>
+                  <a:solidFill>
+                    <a:srgbClr val="000000"/>
+                  </a:solidFill>
+                  <a:effectLst/>
+                  <a:cs typeface="Arial" pitchFamily="34" charset="0"/>
+                </a:rPr>
+                <a:t>Meksyk</a:t>
+              </a:r>
+              <a:br>
+                <a:rPr kumimoji="0" lang="pl-PL" sz="1000" b="0" i="0" u="none" strike="noStrike" cap="none" normalizeH="0" baseline="0" dirty="0" smtClean="0">
+                  <a:ln>
+                    <a:noFill/>
+                  </a:ln>
+                  <a:solidFill>
+                    <a:srgbClr val="000000"/>
+                  </a:solidFill>
+                  <a:effectLst/>
+                  <a:cs typeface="Arial" pitchFamily="34" charset="0"/>
+                </a:rPr>
+              </a:br>
+              <a:r>
+                <a:rPr kumimoji="0" lang="pl-PL" sz="1000" b="0" i="0" u="none" strike="noStrike" cap="none" normalizeH="0" baseline="0" dirty="0" smtClean="0">
+                  <a:ln>
+                    <a:noFill/>
+                  </a:ln>
+                  <a:solidFill>
+                    <a:srgbClr val="000000"/>
+                  </a:solidFill>
+                  <a:effectLst/>
+                  <a:cs typeface="Arial" pitchFamily="34" charset="0"/>
+                </a:rPr>
+                <a:t>Rumunia</a:t>
+              </a:r>
+              <a:br>
+                <a:rPr kumimoji="0" lang="pl-PL" sz="1000" b="0" i="0" u="none" strike="noStrike" cap="none" normalizeH="0" baseline="0" dirty="0" smtClean="0">
+                  <a:ln>
+                    <a:noFill/>
+                  </a:ln>
+                  <a:solidFill>
+                    <a:srgbClr val="000000"/>
+                  </a:solidFill>
+                  <a:effectLst/>
+                  <a:cs typeface="Arial" pitchFamily="34" charset="0"/>
+                </a:rPr>
+              </a:br>
+              <a:r>
+                <a:rPr kumimoji="0" lang="pl-PL" sz="1000" b="0" i="0" u="none" strike="noStrike" cap="none" normalizeH="0" baseline="0" dirty="0" smtClean="0">
+                  <a:ln>
+                    <a:noFill/>
+                  </a:ln>
+                  <a:solidFill>
+                    <a:srgbClr val="000000"/>
+                  </a:solidFill>
+                  <a:effectLst/>
+                  <a:cs typeface="Arial" pitchFamily="34" charset="0"/>
+                </a:rPr>
+                <a:t>RPA</a:t>
+              </a:r>
+              <a:br>
+                <a:rPr kumimoji="0" lang="pl-PL" sz="1000" b="0" i="0" u="none" strike="noStrike" cap="none" normalizeH="0" baseline="0" dirty="0" smtClean="0">
+                  <a:ln>
+                    <a:noFill/>
+                  </a:ln>
+                  <a:solidFill>
+                    <a:srgbClr val="000000"/>
+                  </a:solidFill>
+                  <a:effectLst/>
+                  <a:cs typeface="Arial" pitchFamily="34" charset="0"/>
+                </a:rPr>
+              </a:br>
+              <a:r>
+                <a:rPr kumimoji="0" lang="pl-PL" sz="1000" b="0" i="0" u="none" strike="noStrike" cap="none" normalizeH="0" baseline="0" dirty="0" smtClean="0">
+                  <a:ln>
+                    <a:noFill/>
+                  </a:ln>
+                  <a:solidFill>
+                    <a:srgbClr val="000000"/>
+                  </a:solidFill>
+                  <a:effectLst/>
+                  <a:cs typeface="Arial" pitchFamily="34" charset="0"/>
+                </a:rPr>
+                <a:t>Armenia</a:t>
+              </a:r>
+              <a:br>
+                <a:rPr kumimoji="0" lang="pl-PL" sz="1000" b="0" i="0" u="none" strike="noStrike" cap="none" normalizeH="0" baseline="0" dirty="0" smtClean="0">
+                  <a:ln>
+                    <a:noFill/>
+                  </a:ln>
+                  <a:solidFill>
+                    <a:srgbClr val="000000"/>
+                  </a:solidFill>
+                  <a:effectLst/>
+                  <a:cs typeface="Arial" pitchFamily="34" charset="0"/>
+                </a:rPr>
+              </a:br>
+              <a:r>
+                <a:rPr kumimoji="0" lang="pl-PL" sz="1000" b="0" i="0" u="none" strike="noStrike" cap="none" normalizeH="0" baseline="0" dirty="0" smtClean="0">
+                  <a:ln>
+                    <a:noFill/>
+                  </a:ln>
+                  <a:solidFill>
+                    <a:srgbClr val="000000"/>
+                  </a:solidFill>
+                  <a:effectLst/>
+                  <a:cs typeface="Arial" pitchFamily="34" charset="0"/>
+                </a:rPr>
+                <a:t>Irak</a:t>
+              </a:r>
+              <a:br>
+                <a:rPr kumimoji="0" lang="pl-PL" sz="1000" b="0" i="0" u="none" strike="noStrike" cap="none" normalizeH="0" baseline="0" dirty="0" smtClean="0">
+                  <a:ln>
+                    <a:noFill/>
+                  </a:ln>
+                  <a:solidFill>
+                    <a:srgbClr val="000000"/>
+                  </a:solidFill>
+                  <a:effectLst/>
+                  <a:cs typeface="Arial" pitchFamily="34" charset="0"/>
+                </a:rPr>
+              </a:br>
+              <a:r>
+                <a:rPr kumimoji="0" lang="pl-PL" sz="1000" b="0" i="0" u="none" strike="noStrike" cap="none" normalizeH="0" baseline="0" dirty="0" smtClean="0">
+                  <a:ln>
+                    <a:noFill/>
+                  </a:ln>
+                  <a:solidFill>
+                    <a:srgbClr val="000000"/>
+                  </a:solidFill>
+                  <a:effectLst/>
+                  <a:cs typeface="Arial" pitchFamily="34" charset="0"/>
+                </a:rPr>
+                <a:t>Holandia</a:t>
+              </a:r>
+              <a:br>
+                <a:rPr kumimoji="0" lang="pl-PL" sz="1000" b="0" i="0" u="none" strike="noStrike" cap="none" normalizeH="0" baseline="0" dirty="0" smtClean="0">
+                  <a:ln>
+                    <a:noFill/>
+                  </a:ln>
+                  <a:solidFill>
+                    <a:srgbClr val="000000"/>
+                  </a:solidFill>
+                  <a:effectLst/>
+                  <a:cs typeface="Arial" pitchFamily="34" charset="0"/>
+                </a:rPr>
+              </a:br>
+              <a:r>
+                <a:rPr kumimoji="0" lang="pl-PL" sz="1000" b="0" i="0" u="none" strike="noStrike" cap="none" normalizeH="0" baseline="0" dirty="0" smtClean="0">
+                  <a:ln>
+                    <a:noFill/>
+                  </a:ln>
+                  <a:solidFill>
+                    <a:srgbClr val="000000"/>
+                  </a:solidFill>
+                  <a:effectLst/>
+                  <a:cs typeface="Arial" pitchFamily="34" charset="0"/>
+                </a:rPr>
+                <a:t>Słowenia</a:t>
+              </a:r>
+              <a:endParaRPr kumimoji="0" lang="pl-PL" sz="1800" b="0" i="0" u="none" strike="noStrike" cap="none" normalizeH="0" baseline="0" dirty="0" smtClean="0">
+                <a:ln>
+                  <a:noFill/>
+                </a:ln>
+                <a:solidFill>
+                  <a:schemeClr val="tx1"/>
+                </a:solidFill>
+                <a:effectLst/>
+                <a:cs typeface="Arial" pitchFamily="34" charset="0"/>
+              </a:endParaRPr>
+            </a:p>
+          </p:txBody>
+        </p:sp>
+      </p:grpSp>
+    </p:spTree>
+  </p:cSld>
+  <p:clrMapOvr>
+    <a:masterClrMapping/>
+  </p:clrMapOvr>
+</p:sld>
+</file>
+
+<file path=ppt/slides/slide6.xml><?xml version="1.0" encoding="utf-8"?>
+<p:sld xmlns:a="http://schemas.openxmlformats.org/drawingml/2006/main" xmlns:r="http://schemas.openxmlformats.org/officeDocument/2006/relationships" xmlns:p="http://schemas.openxmlformats.org/presentationml/2006/main">
+  <p:cSld>
+    <p:spTree>
+      <p:nvGrpSpPr>
+        <p:cNvPr id="1" name=""/>
+        <p:cNvGrpSpPr/>
+        <p:nvPr/>
+      </p:nvGrpSpPr>
+      <p:grpSpPr>
+        <a:xfrm>
+          <a:off x="0" y="0"/>
+          <a:ext cx="0" cy="0"/>
+          <a:chOff x="0" y="0"/>
+          <a:chExt cx="0" cy="0"/>
+        </a:xfrm>
+      </p:grpSpPr>
+      <p:pic>
+        <p:nvPicPr>
+          <p:cNvPr id="4" name="Obraz 3"/>
+          <p:cNvPicPr/>
+          <p:nvPr/>
+        </p:nvPicPr>
+        <p:blipFill rotWithShape="1">
+          <a:blip r:embed="rId2" cstate="print">
+            <a:extLst>
+              <a:ext uri="{28A0092B-C50C-407E-A947-70E740481C1C}">
+                <a14:useLocalDpi xmlns="" xmlns:wpc="http://schemas.microsoft.com/office/word/2010/wordprocessingCanvas" xmlns:mc="http://schemas.openxmlformats.org/markup-compatibility/2006" xmlns:o="urn:schemas-microsoft-com:office:office" xmlns:m="http://schemas.openxmlformats.org/officeDocument/2006/math" xmlns:v="urn:schemas-microsoft-com:vml" xmlns:wp14="http://schemas.microsoft.com/office/word/2010/wordprocessingDrawing" xmlns:wp="http://schemas.openxmlformats.org/drawingml/2006/wordprocessingDrawing" xmlns:w10="urn:schemas-microsoft-com:office:word" xmlns:w="http://schemas.openxmlformats.org/wordprocessingml/2006/main" xmlns:w14="http://schemas.microsoft.com/office/word/2010/wordml" xmlns:w15="http://schemas.microsoft.com/office/word/2012/wordml" xmlns:wpg="http://schemas.microsoft.com/office/word/2010/wordprocessingGroup" xmlns:wpi="http://schemas.microsoft.com/office/word/2010/wordprocessingInk" xmlns:wne="http://schemas.microsoft.com/office/word/2006/wordml" xmlns:wps="http://schemas.microsoft.com/office/word/2010/wordprocessingShape" xmlns:a14="http://schemas.microsoft.com/office/drawing/2010/main" xmlns:pic="http://schemas.openxmlformats.org/drawingml/2006/picture" xmlns:lc="http://schemas.openxmlformats.org/drawingml/2006/lockedCanvas" val="0"/>
+              </a:ext>
+            </a:extLst>
+          </a:blip>
+          <a:srcRect t="12362"/>
+          <a:stretch/>
+        </p:blipFill>
+        <p:spPr bwMode="auto">
+          <a:xfrm>
+            <a:off x="1588" y="0"/>
+            <a:ext cx="4718013" cy="2755226"/>
+          </a:xfrm>
+          <a:prstGeom prst="rect">
+            <a:avLst/>
+          </a:prstGeom>
+          <a:ln>
+            <a:noFill/>
+          </a:ln>
+          <a:extLst>
+            <a:ext uri="{53640926-AAD7-44D8-BBD7-CCE9431645EC}">
+              <a14:shadowObscured xmlns="" xmlns:wpc="http://schemas.microsoft.com/office/word/2010/wordprocessingCanvas" xmlns:mc="http://schemas.openxmlformats.org/markup-compatibility/2006" xmlns:o="urn:schemas-microsoft-com:office:office" xmlns:m="http://schemas.openxmlformats.org/officeDocument/2006/math" xmlns:v="urn:schemas-microsoft-com:vml" xmlns:wp14="http://schemas.microsoft.com/office/word/2010/wordprocessingDrawing" xmlns:wp="http://schemas.openxmlformats.org/drawingml/2006/wordprocessingDrawing" xmlns:w10="urn:schemas-microsoft-com:office:word" xmlns:w="http://schemas.openxmlformats.org/wordprocessingml/2006/main" xmlns:w14="http://schemas.microsoft.com/office/word/2010/wordml" xmlns:w15="http://schemas.microsoft.com/office/word/2012/wordml" xmlns:wpg="http://schemas.microsoft.com/office/word/2010/wordprocessingGroup" xmlns:wpi="http://schemas.microsoft.com/office/word/2010/wordprocessingInk" xmlns:wne="http://schemas.microsoft.com/office/word/2006/wordml" xmlns:wps="http://schemas.microsoft.com/office/word/2010/wordprocessingShape" xmlns:a14="http://schemas.microsoft.com/office/drawing/2010/main" xmlns:pic="http://schemas.openxmlformats.org/drawingml/2006/picture" xmlns:lc="http://schemas.openxmlformats.org/drawingml/2006/lockedCanvas"/>
+            </a:ext>
+          </a:extLst>
+        </p:spPr>
+      </p:pic>
+      <p:grpSp>
+        <p:nvGrpSpPr>
+          <p:cNvPr id="3074" name="Grupa 17"/>
+          <p:cNvGrpSpPr>
+            <a:grpSpLocks/>
+          </p:cNvGrpSpPr>
+          <p:nvPr/>
+        </p:nvGrpSpPr>
+        <p:grpSpPr bwMode="auto">
+          <a:xfrm>
+            <a:off x="4794230" y="404664"/>
+            <a:ext cx="1100282" cy="1944742"/>
+            <a:chOff x="62" y="0"/>
+            <a:chExt cx="10993" cy="19449"/>
+          </a:xfrm>
+        </p:grpSpPr>
+        <p:sp>
+          <p:nvSpPr>
+            <p:cNvPr id="36" name="Elipsa 36"/>
+            <p:cNvSpPr>
+              <a:spLocks noChangeArrowheads="1"/>
+            </p:cNvSpPr>
+            <p:nvPr/>
+          </p:nvSpPr>
+          <p:spPr bwMode="auto">
+            <a:xfrm>
+              <a:off x="62" y="574"/>
+              <a:ext cx="1466" cy="1467"/>
+            </a:xfrm>
+            <a:prstGeom prst="ellipse">
+              <a:avLst/>
+            </a:prstGeom>
+            <a:solidFill>
+              <a:srgbClr val="99FF99"/>
+            </a:solidFill>
+            <a:ln w="9525">
+              <a:solidFill>
+                <a:srgbClr val="000000"/>
+              </a:solidFill>
+              <a:miter lim="800000"/>
+              <a:headEnd/>
+              <a:tailEnd/>
+            </a:ln>
+            <a:effectLst>
+              <a:outerShdw dist="38100" dir="2700000" algn="tl" rotWithShape="0">
+                <a:srgbClr val="000000">
+                  <a:alpha val="39999"/>
+                </a:srgbClr>
+              </a:outerShdw>
+            </a:effectLst>
+          </p:spPr>
+          <p:txBody>
+            <a:bodyPr vert="horz" wrap="square" lIns="91440" tIns="45720" rIns="91440" bIns="45720" numCol="1" anchor="ctr" anchorCtr="0" compatLnSpc="1">
+              <a:prstTxWarp prst="textNoShape">
+                <a:avLst/>
+              </a:prstTxWarp>
+            </a:bodyPr>
+            <a:lstStyle/>
+            <a:p>
+              <a:endParaRPr lang="pl-PL"/>
+            </a:p>
+          </p:txBody>
+        </p:sp>
+        <p:sp>
+          <p:nvSpPr>
+            <p:cNvPr id="37" name="Elipsa 37"/>
+            <p:cNvSpPr>
+              <a:spLocks noChangeArrowheads="1"/>
+            </p:cNvSpPr>
+            <p:nvPr/>
+          </p:nvSpPr>
+          <p:spPr bwMode="auto">
+            <a:xfrm>
+              <a:off x="137" y="4168"/>
+              <a:ext cx="1467" cy="1467"/>
+            </a:xfrm>
+            <a:prstGeom prst="ellipse">
+              <a:avLst/>
+            </a:prstGeom>
+            <a:solidFill>
+              <a:srgbClr val="FF6666"/>
+            </a:solidFill>
+            <a:ln w="9525">
+              <a:solidFill>
+                <a:srgbClr val="000000"/>
+              </a:solidFill>
+              <a:miter lim="800000"/>
+              <a:headEnd/>
+              <a:tailEnd/>
+            </a:ln>
+            <a:effectLst>
+              <a:outerShdw dist="38100" dir="2700000" algn="tl" rotWithShape="0">
+                <a:srgbClr val="000000">
+                  <a:alpha val="39999"/>
+                </a:srgbClr>
+              </a:outerShdw>
+            </a:effectLst>
+          </p:spPr>
+          <p:txBody>
+            <a:bodyPr vert="horz" wrap="square" lIns="91440" tIns="45720" rIns="91440" bIns="45720" numCol="1" anchor="ctr" anchorCtr="0" compatLnSpc="1">
+              <a:prstTxWarp prst="textNoShape">
+                <a:avLst/>
+              </a:prstTxWarp>
+            </a:bodyPr>
+            <a:lstStyle/>
+            <a:p>
+              <a:endParaRPr lang="pl-PL"/>
+            </a:p>
+          </p:txBody>
+        </p:sp>
+        <p:sp>
+          <p:nvSpPr>
+            <p:cNvPr id="38" name="Prostokąt 38"/>
+            <p:cNvSpPr>
+              <a:spLocks noChangeArrowheads="1"/>
+            </p:cNvSpPr>
+            <p:nvPr/>
+          </p:nvSpPr>
+          <p:spPr bwMode="auto">
+            <a:xfrm>
+              <a:off x="2280" y="0"/>
+              <a:ext cx="6699" cy="2152"/>
+            </a:xfrm>
+            <a:prstGeom prst="rect">
+              <a:avLst/>
+            </a:prstGeom>
+            <a:noFill/>
+            <a:ln w="9525">
+              <a:noFill/>
+              <a:miter lim="800000"/>
+              <a:headEnd/>
+              <a:tailEnd/>
+            </a:ln>
+          </p:spPr>
+          <p:txBody>
+            <a:bodyPr vert="horz" wrap="none" lIns="91440" tIns="45720" rIns="91440" bIns="45720" numCol="1" anchor="t" anchorCtr="0" compatLnSpc="1">
+              <a:prstTxWarp prst="textNoShape">
+                <a:avLst/>
+              </a:prstTxWarp>
+              <a:spAutoFit/>
+            </a:bodyPr>
+            <a:lstStyle/>
+            <a:p>
+              <a:pPr marL="0" marR="0" lvl="0" indent="0" algn="l" defTabSz="914400" rtl="0" eaLnBrk="1" fontAlgn="base" latinLnBrk="0" hangingPunct="1">
+                <a:lnSpc>
+                  <a:spcPct val="100000"/>
+                </a:lnSpc>
+                <a:spcBef>
+                  <a:spcPts val="500"/>
+                </a:spcBef>
+                <a:spcAft>
+                  <a:spcPts val="500"/>
+                </a:spcAft>
+                <a:buClrTx/>
+                <a:buSzTx/>
+                <a:buFontTx/>
+                <a:buNone/>
+                <a:tabLst/>
+              </a:pPr>
+              <a:r>
+                <a:rPr kumimoji="0" lang="pl-PL" sz="800" b="0" i="0" u="none" strike="noStrike" cap="none" normalizeH="0" baseline="0" smtClean="0">
+                  <a:ln>
+                    <a:noFill/>
+                  </a:ln>
+                  <a:solidFill>
+                    <a:srgbClr val="000000"/>
+                  </a:solidFill>
+                  <a:effectLst/>
+                  <a:latin typeface="Calibri" pitchFamily="34" charset="0"/>
+                  <a:cs typeface="Arial" pitchFamily="34" charset="0"/>
+                </a:rPr>
+                <a:t>funkcjonuje</a:t>
+              </a:r>
+              <a:endParaRPr kumimoji="0" lang="pl-PL" sz="1800" b="0" i="0" u="none" strike="noStrike" cap="none" normalizeH="0" baseline="0" smtClean="0">
+                <a:ln>
+                  <a:noFill/>
+                </a:ln>
+                <a:solidFill>
+                  <a:schemeClr val="tx1"/>
+                </a:solidFill>
+                <a:effectLst/>
+                <a:latin typeface="Arial" pitchFamily="34" charset="0"/>
+                <a:cs typeface="Arial" pitchFamily="34" charset="0"/>
+              </a:endParaRPr>
+            </a:p>
+          </p:txBody>
+        </p:sp>
+        <p:sp>
+          <p:nvSpPr>
+            <p:cNvPr id="39" name="Prostokąt 39"/>
+            <p:cNvSpPr>
+              <a:spLocks noChangeArrowheads="1"/>
+            </p:cNvSpPr>
+            <p:nvPr/>
+          </p:nvSpPr>
+          <p:spPr bwMode="auto">
+            <a:xfrm>
+              <a:off x="2280" y="12870"/>
+              <a:ext cx="6641" cy="2153"/>
+            </a:xfrm>
+            <a:prstGeom prst="rect">
+              <a:avLst/>
+            </a:prstGeom>
+            <a:noFill/>
+            <a:ln w="9525">
+              <a:noFill/>
+              <a:miter lim="800000"/>
+              <a:headEnd/>
+              <a:tailEnd/>
+            </a:ln>
+          </p:spPr>
+          <p:txBody>
+            <a:bodyPr vert="horz" wrap="none" lIns="91440" tIns="45720" rIns="91440" bIns="45720" numCol="1" anchor="t" anchorCtr="0" compatLnSpc="1">
+              <a:prstTxWarp prst="textNoShape">
+                <a:avLst/>
+              </a:prstTxWarp>
+              <a:spAutoFit/>
+            </a:bodyPr>
+            <a:lstStyle/>
+            <a:p>
+              <a:pPr marL="0" marR="0" lvl="0" indent="0" algn="l" defTabSz="914400" rtl="0" eaLnBrk="1" fontAlgn="base" latinLnBrk="0" hangingPunct="1">
+                <a:lnSpc>
+                  <a:spcPct val="100000"/>
+                </a:lnSpc>
+                <a:spcBef>
+                  <a:spcPts val="500"/>
+                </a:spcBef>
+                <a:spcAft>
+                  <a:spcPts val="500"/>
+                </a:spcAft>
+                <a:buClrTx/>
+                <a:buSzTx/>
+                <a:buFontTx/>
+                <a:buNone/>
+                <a:tabLst/>
+              </a:pPr>
+              <a:r>
+                <a:rPr kumimoji="0" lang="pl-PL" sz="800" b="0" i="0" u="none" strike="noStrike" cap="none" normalizeH="0" baseline="0" smtClean="0">
+                  <a:ln>
+                    <a:noFill/>
+                  </a:ln>
+                  <a:solidFill>
+                    <a:srgbClr val="000000"/>
+                  </a:solidFill>
+                  <a:effectLst/>
+                  <a:latin typeface="Calibri" pitchFamily="34" charset="0"/>
+                  <a:cs typeface="Arial" pitchFamily="34" charset="0"/>
+                </a:rPr>
+                <a:t>planowanie</a:t>
+              </a:r>
+              <a:endParaRPr kumimoji="0" lang="pl-PL" sz="1800" b="0" i="0" u="none" strike="noStrike" cap="none" normalizeH="0" baseline="0" smtClean="0">
+                <a:ln>
+                  <a:noFill/>
+                </a:ln>
+                <a:solidFill>
+                  <a:schemeClr val="tx1"/>
+                </a:solidFill>
+                <a:effectLst/>
+                <a:latin typeface="Arial" pitchFamily="34" charset="0"/>
+                <a:cs typeface="Arial" pitchFamily="34" charset="0"/>
+              </a:endParaRPr>
+            </a:p>
+          </p:txBody>
+        </p:sp>
+        <p:sp>
+          <p:nvSpPr>
+            <p:cNvPr id="40" name="Prostokąt 40"/>
+            <p:cNvSpPr>
+              <a:spLocks noChangeArrowheads="1"/>
+            </p:cNvSpPr>
+            <p:nvPr/>
+          </p:nvSpPr>
+          <p:spPr bwMode="auto">
+            <a:xfrm>
+              <a:off x="2280" y="17296"/>
+              <a:ext cx="6419" cy="2153"/>
+            </a:xfrm>
+            <a:prstGeom prst="rect">
+              <a:avLst/>
+            </a:prstGeom>
+            <a:noFill/>
+            <a:ln w="9525">
+              <a:noFill/>
+              <a:miter lim="800000"/>
+              <a:headEnd/>
+              <a:tailEnd/>
+            </a:ln>
+          </p:spPr>
+          <p:txBody>
+            <a:bodyPr vert="horz" wrap="none" lIns="91440" tIns="45720" rIns="91440" bIns="45720" numCol="1" anchor="t" anchorCtr="0" compatLnSpc="1">
+              <a:prstTxWarp prst="textNoShape">
+                <a:avLst/>
+              </a:prstTxWarp>
+              <a:spAutoFit/>
+            </a:bodyPr>
+            <a:lstStyle/>
+            <a:p>
+              <a:pPr marL="0" marR="0" lvl="0" indent="0" algn="l" defTabSz="914400" rtl="0" eaLnBrk="1" fontAlgn="base" latinLnBrk="0" hangingPunct="1">
+                <a:lnSpc>
+                  <a:spcPct val="100000"/>
+                </a:lnSpc>
+                <a:spcBef>
+                  <a:spcPts val="500"/>
+                </a:spcBef>
+                <a:spcAft>
+                  <a:spcPts val="500"/>
+                </a:spcAft>
+                <a:buClrTx/>
+                <a:buSzTx/>
+                <a:buFontTx/>
+                <a:buNone/>
+                <a:tabLst/>
+              </a:pPr>
+              <a:r>
+                <a:rPr kumimoji="0" lang="pl-PL" sz="800" b="0" i="0" u="none" strike="noStrike" cap="none" normalizeH="0" baseline="0" smtClean="0">
+                  <a:ln>
+                    <a:noFill/>
+                  </a:ln>
+                  <a:solidFill>
+                    <a:srgbClr val="000000"/>
+                  </a:solidFill>
+                  <a:effectLst/>
+                  <a:latin typeface="Calibri" pitchFamily="34" charset="0"/>
+                  <a:cs typeface="Arial" pitchFamily="34" charset="0"/>
+                </a:rPr>
+                <a:t>nie pracuje</a:t>
+              </a:r>
+              <a:endParaRPr kumimoji="0" lang="pl-PL" sz="1800" b="0" i="0" u="none" strike="noStrike" cap="none" normalizeH="0" baseline="0" smtClean="0">
+                <a:ln>
+                  <a:noFill/>
+                </a:ln>
+                <a:solidFill>
+                  <a:schemeClr val="tx1"/>
+                </a:solidFill>
+                <a:effectLst/>
+                <a:latin typeface="Arial" pitchFamily="34" charset="0"/>
+                <a:cs typeface="Arial" pitchFamily="34" charset="0"/>
+              </a:endParaRPr>
+            </a:p>
+          </p:txBody>
+        </p:sp>
+        <p:sp>
+          <p:nvSpPr>
+            <p:cNvPr id="41" name="Prostokąt 41"/>
+            <p:cNvSpPr>
+              <a:spLocks noChangeArrowheads="1"/>
+            </p:cNvSpPr>
+            <p:nvPr/>
+          </p:nvSpPr>
+          <p:spPr bwMode="auto">
+            <a:xfrm>
+              <a:off x="2280" y="8413"/>
+              <a:ext cx="7321" cy="2153"/>
+            </a:xfrm>
+            <a:prstGeom prst="rect">
+              <a:avLst/>
+            </a:prstGeom>
+            <a:noFill/>
+            <a:ln w="9525">
+              <a:noFill/>
+              <a:miter lim="800000"/>
+              <a:headEnd/>
+              <a:tailEnd/>
+            </a:ln>
+          </p:spPr>
+          <p:txBody>
+            <a:bodyPr vert="horz" wrap="none" lIns="91440" tIns="45720" rIns="91440" bIns="45720" numCol="1" anchor="t" anchorCtr="0" compatLnSpc="1">
+              <a:prstTxWarp prst="textNoShape">
+                <a:avLst/>
+              </a:prstTxWarp>
+              <a:spAutoFit/>
+            </a:bodyPr>
+            <a:lstStyle/>
+            <a:p>
+              <a:pPr marL="0" marR="0" lvl="0" indent="0" algn="l" defTabSz="914400" rtl="0" eaLnBrk="1" fontAlgn="base" latinLnBrk="0" hangingPunct="1">
+                <a:lnSpc>
+                  <a:spcPct val="100000"/>
+                </a:lnSpc>
+                <a:spcBef>
+                  <a:spcPts val="500"/>
+                </a:spcBef>
+                <a:spcAft>
+                  <a:spcPts val="500"/>
+                </a:spcAft>
+                <a:buClrTx/>
+                <a:buSzTx/>
+                <a:buFontTx/>
+                <a:buNone/>
+                <a:tabLst/>
+              </a:pPr>
+              <a:r>
+                <a:rPr kumimoji="0" lang="pl-PL" sz="800" b="0" i="0" u="none" strike="noStrike" cap="none" normalizeH="0" baseline="0" smtClean="0">
+                  <a:ln>
+                    <a:noFill/>
+                  </a:ln>
+                  <a:solidFill>
+                    <a:srgbClr val="000000"/>
+                  </a:solidFill>
+                  <a:effectLst/>
+                  <a:latin typeface="Calibri" pitchFamily="34" charset="0"/>
+                  <a:cs typeface="Arial" pitchFamily="34" charset="0"/>
+                </a:rPr>
+                <a:t>trwa budowa</a:t>
+              </a:r>
+              <a:endParaRPr kumimoji="0" lang="pl-PL" sz="1800" b="0" i="0" u="none" strike="noStrike" cap="none" normalizeH="0" baseline="0" smtClean="0">
+                <a:ln>
+                  <a:noFill/>
+                </a:ln>
+                <a:solidFill>
+                  <a:schemeClr val="tx1"/>
+                </a:solidFill>
+                <a:effectLst/>
+                <a:latin typeface="Arial" pitchFamily="34" charset="0"/>
+                <a:cs typeface="Arial" pitchFamily="34" charset="0"/>
+              </a:endParaRPr>
+            </a:p>
+          </p:txBody>
+        </p:sp>
+        <p:sp>
+          <p:nvSpPr>
+            <p:cNvPr id="42" name="Prostokąt 42"/>
+            <p:cNvSpPr>
+              <a:spLocks noChangeArrowheads="1"/>
+            </p:cNvSpPr>
+            <p:nvPr/>
+          </p:nvSpPr>
+          <p:spPr bwMode="auto">
+            <a:xfrm>
+              <a:off x="2280" y="3549"/>
+              <a:ext cx="8775" cy="2902"/>
+            </a:xfrm>
+            <a:prstGeom prst="rect">
+              <a:avLst/>
+            </a:prstGeom>
+            <a:noFill/>
+            <a:ln w="9525">
+              <a:noFill/>
+              <a:miter lim="800000"/>
+              <a:headEnd/>
+              <a:tailEnd/>
+            </a:ln>
+          </p:spPr>
+          <p:txBody>
+            <a:bodyPr vert="horz" wrap="square" lIns="91440" tIns="45720" rIns="91440" bIns="45720" numCol="1" anchor="t" anchorCtr="0" compatLnSpc="1">
+              <a:prstTxWarp prst="textNoShape">
+                <a:avLst/>
+              </a:prstTxWarp>
+              <a:spAutoFit/>
+            </a:bodyPr>
+            <a:lstStyle/>
+            <a:p>
+              <a:pPr marL="0" marR="0" lvl="0" indent="0" algn="l" defTabSz="914400" rtl="0" eaLnBrk="1" fontAlgn="base" latinLnBrk="0" hangingPunct="1">
+                <a:lnSpc>
+                  <a:spcPct val="100000"/>
+                </a:lnSpc>
+                <a:spcBef>
+                  <a:spcPts val="500"/>
+                </a:spcBef>
+                <a:spcAft>
+                  <a:spcPts val="500"/>
+                </a:spcAft>
+                <a:buClrTx/>
+                <a:buSzTx/>
+                <a:buFontTx/>
+                <a:buNone/>
+                <a:tabLst/>
+              </a:pPr>
+              <a:r>
+                <a:rPr kumimoji="0" lang="pl-PL" sz="800" b="0" i="0" u="none" strike="noStrike" cap="none" normalizeH="0" baseline="0" smtClean="0">
+                  <a:ln>
+                    <a:noFill/>
+                  </a:ln>
+                  <a:solidFill>
+                    <a:srgbClr val="000000"/>
+                  </a:solidFill>
+                  <a:effectLst/>
+                  <a:latin typeface="Calibri" pitchFamily="34" charset="0"/>
+                  <a:cs typeface="Arial" pitchFamily="34" charset="0"/>
+                </a:rPr>
+                <a:t>wyłączona</a:t>
+              </a:r>
+              <a:br>
+                <a:rPr kumimoji="0" lang="pl-PL" sz="800" b="0" i="0" u="none" strike="noStrike" cap="none" normalizeH="0" baseline="0" smtClean="0">
+                  <a:ln>
+                    <a:noFill/>
+                  </a:ln>
+                  <a:solidFill>
+                    <a:srgbClr val="000000"/>
+                  </a:solidFill>
+                  <a:effectLst/>
+                  <a:latin typeface="Calibri" pitchFamily="34" charset="0"/>
+                  <a:cs typeface="Arial" pitchFamily="34" charset="0"/>
+                </a:rPr>
+              </a:br>
+              <a:r>
+                <a:rPr kumimoji="0" lang="pl-PL" sz="800" b="0" i="0" u="none" strike="noStrike" cap="none" normalizeH="0" baseline="0" smtClean="0">
+                  <a:ln>
+                    <a:noFill/>
+                  </a:ln>
+                  <a:solidFill>
+                    <a:srgbClr val="000000"/>
+                  </a:solidFill>
+                  <a:effectLst/>
+                  <a:latin typeface="Calibri" pitchFamily="34" charset="0"/>
+                  <a:cs typeface="Arial" pitchFamily="34" charset="0"/>
+                </a:rPr>
+                <a:t>z eksploatacji</a:t>
+              </a:r>
+              <a:endParaRPr kumimoji="0" lang="pl-PL" sz="1800" b="0" i="0" u="none" strike="noStrike" cap="none" normalizeH="0" baseline="0" smtClean="0">
+                <a:ln>
+                  <a:noFill/>
+                </a:ln>
+                <a:solidFill>
+                  <a:schemeClr val="tx1"/>
+                </a:solidFill>
+                <a:effectLst/>
+                <a:latin typeface="Arial" pitchFamily="34" charset="0"/>
+                <a:cs typeface="Arial" pitchFamily="34" charset="0"/>
+              </a:endParaRPr>
+            </a:p>
+          </p:txBody>
+        </p:sp>
+      </p:grpSp>
+      <p:pic>
+        <p:nvPicPr>
+          <p:cNvPr id="3086" name="Picture 14" descr="X:\AGH\Publications &amp; Posters &amp; Workshop\PGE artykuł\PGE-GEN234\Znacznik_02.png"/>
+          <p:cNvPicPr>
+            <a:picLocks noChangeAspect="1" noChangeArrowheads="1"/>
+          </p:cNvPicPr>
+          <p:nvPr/>
+        </p:nvPicPr>
+        <p:blipFill>
+          <a:blip r:embed="rId3" cstate="print"/>
+          <a:srcRect/>
+          <a:stretch>
+            <a:fillRect/>
+          </a:stretch>
+        </p:blipFill>
+        <p:spPr bwMode="auto">
+          <a:xfrm>
+            <a:off x="4813424" y="1688108"/>
+            <a:ext cx="164592" cy="266117"/>
+          </a:xfrm>
+          <a:prstGeom prst="rect">
+            <a:avLst/>
+          </a:prstGeom>
+          <a:noFill/>
+        </p:spPr>
+      </p:pic>
+      <p:pic>
+        <p:nvPicPr>
+          <p:cNvPr id="3087" name="Picture 15" descr="X:\AGH\Publications &amp; Posters &amp; Workshop\PGE artykuł\PGE-GEN234\Znacznik_01.png"/>
+          <p:cNvPicPr>
+            <a:picLocks noChangeAspect="1" noChangeArrowheads="1"/>
+          </p:cNvPicPr>
+          <p:nvPr/>
+        </p:nvPicPr>
+        <p:blipFill>
+          <a:blip r:embed="rId4" cstate="print"/>
+          <a:srcRect/>
+          <a:stretch>
+            <a:fillRect/>
+          </a:stretch>
+        </p:blipFill>
+        <p:spPr bwMode="auto">
+          <a:xfrm>
+            <a:off x="4826756" y="1243360"/>
+            <a:ext cx="164592" cy="266524"/>
+          </a:xfrm>
+          <a:prstGeom prst="rect">
+            <a:avLst/>
+          </a:prstGeom>
+          <a:noFill/>
+        </p:spPr>
+      </p:pic>
+      <p:pic>
+        <p:nvPicPr>
+          <p:cNvPr id="3088" name="Picture 16" descr="X:\AGH\Publications &amp; Posters &amp; Workshop\PGE artykuł\PGE-GEN234\Znacznik_03.png"/>
+          <p:cNvPicPr>
+            <a:picLocks noChangeAspect="1" noChangeArrowheads="1"/>
+          </p:cNvPicPr>
+          <p:nvPr/>
+        </p:nvPicPr>
+        <p:blipFill>
+          <a:blip r:embed="rId5" cstate="print"/>
+          <a:srcRect/>
+          <a:stretch>
+            <a:fillRect/>
+          </a:stretch>
+        </p:blipFill>
+        <p:spPr bwMode="auto">
+          <a:xfrm>
+            <a:off x="4813424" y="2120156"/>
+            <a:ext cx="164592" cy="266816"/>
+          </a:xfrm>
+          <a:prstGeom prst="rect">
+            <a:avLst/>
+          </a:prstGeom>
+          <a:noFill/>
+        </p:spPr>
+      </p:pic>
+    </p:spTree>
+  </p:cSld>
+  <p:clrMapOvr>
+    <a:masterClrMapping/>
+  </p:clrMapOvr>
+</p:sld>
+</file>
+
+<file path=ppt/slides/slide7.xml><?xml version="1.0" encoding="utf-8"?>
+<p:sld xmlns:a="http://schemas.openxmlformats.org/drawingml/2006/main" xmlns:r="http://schemas.openxmlformats.org/officeDocument/2006/relationships" xmlns:p="http://schemas.openxmlformats.org/presentationml/2006/main">
+  <p:cSld>
+    <p:spTree>
+      <p:nvGrpSpPr>
+        <p:cNvPr id="1" name=""/>
+        <p:cNvGrpSpPr/>
+        <p:nvPr/>
+      </p:nvGrpSpPr>
+      <p:grpSpPr>
+        <a:xfrm>
+          <a:off x="0" y="0"/>
+          <a:ext cx="0" cy="0"/>
+          <a:chOff x="0" y="0"/>
+          <a:chExt cx="0" cy="0"/>
+        </a:xfrm>
+      </p:grpSpPr>
+      <p:pic>
+        <p:nvPicPr>
+          <p:cNvPr id="4" name="Obraz 3"/>
+          <p:cNvPicPr/>
+          <p:nvPr/>
+        </p:nvPicPr>
+        <p:blipFill>
+          <a:blip r:embed="rId2" cstate="print">
+            <a:extLst>
+              <a:ext uri="{28A0092B-C50C-407E-A947-70E740481C1C}">
+                <a14:useLocalDpi xmlns="" xmlns:wpc="http://schemas.microsoft.com/office/word/2010/wordprocessingCanvas" xmlns:mc="http://schemas.openxmlformats.org/markup-compatibility/2006" xmlns:o="urn:schemas-microsoft-com:office:office" xmlns:m="http://schemas.openxmlformats.org/officeDocument/2006/math" xmlns:v="urn:schemas-microsoft-com:vml" xmlns:wp14="http://schemas.microsoft.com/office/word/2010/wordprocessingDrawing" xmlns:wp="http://schemas.openxmlformats.org/drawingml/2006/wordprocessingDrawing" xmlns:w10="urn:schemas-microsoft-com:office:word" xmlns:w="http://schemas.openxmlformats.org/wordprocessingml/2006/main" xmlns:w14="http://schemas.microsoft.com/office/word/2010/wordml" xmlns:w15="http://schemas.microsoft.com/office/word/2012/wordml" xmlns:wpg="http://schemas.microsoft.com/office/word/2010/wordprocessingGroup" xmlns:wpi="http://schemas.microsoft.com/office/word/2010/wordprocessingInk" xmlns:wne="http://schemas.microsoft.com/office/word/2006/wordml" xmlns:wps="http://schemas.microsoft.com/office/word/2010/wordprocessingShape" xmlns:a14="http://schemas.microsoft.com/office/drawing/2010/main" xmlns:pic="http://schemas.openxmlformats.org/drawingml/2006/picture" xmlns:lc="http://schemas.openxmlformats.org/drawingml/2006/lockedCanvas" val="0"/>
+              </a:ext>
+            </a:extLst>
+          </a:blip>
+          <a:stretch>
+            <a:fillRect/>
+          </a:stretch>
+        </p:blipFill>
+        <p:spPr bwMode="auto">
+          <a:xfrm>
+            <a:off x="0" y="0"/>
+            <a:ext cx="5597796" cy="3210206"/>
+          </a:xfrm>
+          <a:prstGeom prst="rect">
+            <a:avLst/>
+          </a:prstGeom>
+          <a:ln>
+            <a:noFill/>
+          </a:ln>
+          <a:extLst>
+            <a:ext uri="{53640926-AAD7-44D8-BBD7-CCE9431645EC}">
+              <a14:shadowObscured xmlns="" xmlns:wpc="http://schemas.microsoft.com/office/word/2010/wordprocessingCanvas" xmlns:mc="http://schemas.openxmlformats.org/markup-compatibility/2006" xmlns:o="urn:schemas-microsoft-com:office:office" xmlns:m="http://schemas.openxmlformats.org/officeDocument/2006/math" xmlns:v="urn:schemas-microsoft-com:vml" xmlns:wp14="http://schemas.microsoft.com/office/word/2010/wordprocessingDrawing" xmlns:wp="http://schemas.openxmlformats.org/drawingml/2006/wordprocessingDrawing" xmlns:w10="urn:schemas-microsoft-com:office:word" xmlns:w="http://schemas.openxmlformats.org/wordprocessingml/2006/main" xmlns:w14="http://schemas.microsoft.com/office/word/2010/wordml" xmlns:w15="http://schemas.microsoft.com/office/word/2012/wordml" xmlns:wpg="http://schemas.microsoft.com/office/word/2010/wordprocessingGroup" xmlns:wpi="http://schemas.microsoft.com/office/word/2010/wordprocessingInk" xmlns:wne="http://schemas.microsoft.com/office/word/2006/wordml" xmlns:wps="http://schemas.microsoft.com/office/word/2010/wordprocessingShape" xmlns:a14="http://schemas.microsoft.com/office/drawing/2010/main" xmlns:pic="http://schemas.openxmlformats.org/drawingml/2006/picture" xmlns:lc="http://schemas.openxmlformats.org/drawingml/2006/lockedCanvas"/>
+            </a:ext>
+          </a:extLst>
+        </p:spPr>
+      </p:pic>
+    </p:spTree>
+  </p:cSld>
+  <p:clrMapOvr>
+    <a:masterClrMapping/>
+  </p:clrMapOvr>
+</p:sld>
+</file>
+
+<file path=ppt/slides/slide8.xml><?xml version="1.0" encoding="utf-8"?>
+<p:sld xmlns:a="http://schemas.openxmlformats.org/drawingml/2006/main" xmlns:r="http://schemas.openxmlformats.org/officeDocument/2006/relationships" xmlns:p="http://schemas.openxmlformats.org/presentationml/2006/main">
+  <p:cSld>
+    <p:spTree>
+      <p:nvGrpSpPr>
+        <p:cNvPr id="1" name=""/>
+        <p:cNvGrpSpPr/>
+        <p:nvPr/>
+      </p:nvGrpSpPr>
+      <p:grpSpPr>
+        <a:xfrm>
+          <a:off x="0" y="0"/>
+          <a:ext cx="0" cy="0"/>
+          <a:chOff x="0" y="0"/>
+          <a:chExt cx="0" cy="0"/>
+        </a:xfrm>
+      </p:grpSpPr>
+      <p:grpSp>
+        <p:nvGrpSpPr>
+          <p:cNvPr id="4098" name="Grupa 11"/>
+          <p:cNvGrpSpPr>
+            <a:grpSpLocks/>
+          </p:cNvGrpSpPr>
+          <p:nvPr/>
+        </p:nvGrpSpPr>
+        <p:grpSpPr bwMode="auto">
+          <a:xfrm>
+            <a:off x="0" y="0"/>
+            <a:ext cx="5624513" cy="2446337"/>
+            <a:chOff x="0" y="0"/>
+            <a:chExt cx="56238" cy="24458"/>
+          </a:xfrm>
+        </p:grpSpPr>
+        <p:grpSp>
+          <p:nvGrpSpPr>
+            <p:cNvPr id="57" name="Grupa 57"/>
+            <p:cNvGrpSpPr>
+              <a:grpSpLocks/>
+            </p:cNvGrpSpPr>
+            <p:nvPr/>
+          </p:nvGrpSpPr>
+          <p:grpSpPr bwMode="auto">
+            <a:xfrm>
+              <a:off x="0" y="1301"/>
+              <a:ext cx="56238" cy="23157"/>
+              <a:chOff x="0" y="1301"/>
+              <a:chExt cx="56238" cy="23156"/>
+            </a:xfrm>
+          </p:grpSpPr>
+          <p:pic>
+            <p:nvPicPr>
+              <p:cNvPr id="58" name="Obraz 58"/>
+              <p:cNvPicPr>
+                <a:picLocks noChangeAspect="1" noChangeArrowheads="1"/>
+              </p:cNvPicPr>
+              <p:nvPr/>
+            </p:nvPicPr>
+            <p:blipFill>
+              <a:blip r:embed="rId2" cstate="print"/>
+              <a:srcRect l="6763" t="10339" r="18793" b="8754"/>
+              <a:stretch>
+                <a:fillRect/>
+              </a:stretch>
+            </p:blipFill>
+            <p:spPr bwMode="auto">
+              <a:xfrm>
+                <a:off x="3764" y="3436"/>
+                <a:ext cx="42862" cy="18860"/>
+              </a:xfrm>
+              <a:prstGeom prst="rect">
+                <a:avLst/>
+              </a:prstGeom>
+              <a:noFill/>
+            </p:spPr>
+          </p:pic>
+          <p:sp>
+            <p:nvSpPr>
+              <p:cNvPr id="59" name="Pole tekstowe 15"/>
+              <p:cNvSpPr txBox="1">
+                <a:spLocks noChangeArrowheads="1"/>
+              </p:cNvSpPr>
+              <p:nvPr/>
+            </p:nvSpPr>
+            <p:spPr bwMode="auto">
+              <a:xfrm>
+                <a:off x="45872" y="4187"/>
+                <a:ext cx="10366" cy="2604"/>
+              </a:xfrm>
+              <a:prstGeom prst="rect">
+                <a:avLst/>
+              </a:prstGeom>
+              <a:noFill/>
+              <a:ln w="6350">
+                <a:noFill/>
+                <a:miter lim="800000"/>
+                <a:headEnd/>
+                <a:tailEnd/>
+              </a:ln>
+            </p:spPr>
+            <p:txBody>
+              <a:bodyPr vert="horz" wrap="square" lIns="91440" tIns="45720" rIns="91440" bIns="45720" numCol="1" anchor="t" anchorCtr="0" compatLnSpc="1">
+                <a:prstTxWarp prst="textNoShape">
+                  <a:avLst/>
+                </a:prstTxWarp>
+              </a:bodyPr>
+              <a:lstStyle/>
+              <a:p>
+                <a:pPr marL="0" marR="0" lvl="0" indent="0" algn="l" defTabSz="914400" rtl="0" eaLnBrk="1" fontAlgn="base" latinLnBrk="0" hangingPunct="1">
+                  <a:lnSpc>
+                    <a:spcPct val="100000"/>
+                  </a:lnSpc>
+                  <a:spcBef>
+                    <a:spcPts val="500"/>
+                  </a:spcBef>
+                  <a:spcAft>
+                    <a:spcPts val="500"/>
+                  </a:spcAft>
+                  <a:buClrTx/>
+                  <a:buSzTx/>
+                  <a:buFontTx/>
+                  <a:buNone/>
+                  <a:tabLst/>
+                </a:pPr>
+                <a:r>
+                  <a:rPr kumimoji="0" lang="pl-PL" sz="900" b="0" i="0" u="none" strike="noStrike" cap="none" normalizeH="0" baseline="0" smtClean="0">
+                    <a:ln>
+                      <a:noFill/>
+                    </a:ln>
+                    <a:solidFill>
+                      <a:srgbClr val="000000"/>
+                    </a:solidFill>
+                    <a:effectLst/>
+                    <a:cs typeface="Arial" pitchFamily="34" charset="0"/>
+                  </a:rPr>
+                  <a:t>Ilość reaktorów</a:t>
+                </a:r>
+                <a:endParaRPr kumimoji="0" lang="pl-PL" sz="1800" b="0" i="0" u="none" strike="noStrike" cap="none" normalizeH="0" baseline="0" smtClean="0">
+                  <a:ln>
+                    <a:noFill/>
+                  </a:ln>
+                  <a:solidFill>
+                    <a:schemeClr val="tx1"/>
+                  </a:solidFill>
+                  <a:effectLst/>
+                  <a:cs typeface="Arial" pitchFamily="34" charset="0"/>
+                </a:endParaRPr>
+              </a:p>
+            </p:txBody>
+          </p:sp>
+          <p:sp>
+            <p:nvSpPr>
+              <p:cNvPr id="60" name="Pole tekstowe 16"/>
+              <p:cNvSpPr txBox="1">
+                <a:spLocks noChangeArrowheads="1"/>
+              </p:cNvSpPr>
+              <p:nvPr/>
+            </p:nvSpPr>
+            <p:spPr bwMode="auto">
+              <a:xfrm>
+                <a:off x="0" y="1301"/>
+                <a:ext cx="10366" cy="2604"/>
+              </a:xfrm>
+              <a:prstGeom prst="rect">
+                <a:avLst/>
+              </a:prstGeom>
+              <a:noFill/>
+              <a:ln w="6350">
+                <a:noFill/>
+                <a:miter lim="800000"/>
+                <a:headEnd/>
+                <a:tailEnd/>
+              </a:ln>
+            </p:spPr>
+            <p:txBody>
+              <a:bodyPr vert="horz" wrap="square" lIns="91440" tIns="45720" rIns="91440" bIns="45720" numCol="1" anchor="t" anchorCtr="0" compatLnSpc="1">
+                <a:prstTxWarp prst="textNoShape">
+                  <a:avLst/>
+                </a:prstTxWarp>
+              </a:bodyPr>
+              <a:lstStyle/>
+              <a:p>
+                <a:pPr marL="0" marR="0" lvl="0" indent="0" algn="l" defTabSz="914400" rtl="0" eaLnBrk="1" fontAlgn="base" latinLnBrk="0" hangingPunct="1">
+                  <a:lnSpc>
+                    <a:spcPct val="100000"/>
+                  </a:lnSpc>
+                  <a:spcBef>
+                    <a:spcPts val="500"/>
+                  </a:spcBef>
+                  <a:spcAft>
+                    <a:spcPts val="500"/>
+                  </a:spcAft>
+                  <a:buClrTx/>
+                  <a:buSzTx/>
+                  <a:buFontTx/>
+                  <a:buNone/>
+                  <a:tabLst/>
+                </a:pPr>
+                <a:r>
+                  <a:rPr kumimoji="0" lang="pl-PL" sz="900" b="0" i="0" u="none" strike="noStrike" cap="none" normalizeH="0" baseline="0" smtClean="0">
+                    <a:ln>
+                      <a:noFill/>
+                    </a:ln>
+                    <a:solidFill>
+                      <a:srgbClr val="000000"/>
+                    </a:solidFill>
+                    <a:effectLst/>
+                    <a:cs typeface="Arial" pitchFamily="34" charset="0"/>
+                  </a:rPr>
+                  <a:t>Typ reaktora</a:t>
+                </a:r>
+                <a:endParaRPr kumimoji="0" lang="pl-PL" sz="1800" b="0" i="0" u="none" strike="noStrike" cap="none" normalizeH="0" baseline="0" smtClean="0">
+                  <a:ln>
+                    <a:noFill/>
+                  </a:ln>
+                  <a:solidFill>
+                    <a:schemeClr val="tx1"/>
+                  </a:solidFill>
+                  <a:effectLst/>
+                  <a:cs typeface="Arial" pitchFamily="34" charset="0"/>
+                </a:endParaRPr>
+              </a:p>
+            </p:txBody>
+          </p:sp>
+          <p:sp>
+            <p:nvSpPr>
+              <p:cNvPr id="61" name="Text Box 7"/>
+              <p:cNvSpPr txBox="1">
+                <a:spLocks noChangeArrowheads="1"/>
+              </p:cNvSpPr>
+              <p:nvPr/>
+            </p:nvSpPr>
+            <p:spPr bwMode="auto">
+              <a:xfrm>
+                <a:off x="32902" y="21854"/>
+                <a:ext cx="10367" cy="2604"/>
+              </a:xfrm>
+              <a:prstGeom prst="rect">
+                <a:avLst/>
+              </a:prstGeom>
+              <a:noFill/>
+              <a:ln w="6350">
+                <a:noFill/>
+                <a:miter lim="800000"/>
+                <a:headEnd/>
+                <a:tailEnd/>
+              </a:ln>
+            </p:spPr>
+            <p:txBody>
+              <a:bodyPr vert="horz" wrap="square" lIns="91440" tIns="45720" rIns="91440" bIns="45720" numCol="1" anchor="t" anchorCtr="0" compatLnSpc="1">
+                <a:prstTxWarp prst="textNoShape">
+                  <a:avLst/>
+                </a:prstTxWarp>
+              </a:bodyPr>
+              <a:lstStyle/>
+              <a:p>
+                <a:pPr marL="0" marR="0" lvl="0" indent="0" algn="l" defTabSz="914400" rtl="0" eaLnBrk="1" fontAlgn="base" latinLnBrk="0" hangingPunct="1">
+                  <a:lnSpc>
+                    <a:spcPct val="100000"/>
+                  </a:lnSpc>
+                  <a:spcBef>
+                    <a:spcPts val="500"/>
+                  </a:spcBef>
+                  <a:spcAft>
+                    <a:spcPts val="500"/>
+                  </a:spcAft>
+                  <a:buClrTx/>
+                  <a:buSzTx/>
+                  <a:buFontTx/>
+                  <a:buNone/>
+                  <a:tabLst/>
+                </a:pPr>
+                <a:r>
+                  <a:rPr kumimoji="0" lang="pl-PL" sz="900" b="0" i="0" u="none" strike="noStrike" cap="none" normalizeH="0" baseline="0" smtClean="0">
+                    <a:ln>
+                      <a:noFill/>
+                    </a:ln>
+                    <a:solidFill>
+                      <a:srgbClr val="000000"/>
+                    </a:solidFill>
+                    <a:effectLst/>
+                    <a:cs typeface="Arial" pitchFamily="34" charset="0"/>
+                  </a:rPr>
+                  <a:t>Liczba reaktorów</a:t>
+                </a:r>
+                <a:endParaRPr kumimoji="0" lang="pl-PL" sz="1800" b="0" i="0" u="none" strike="noStrike" cap="none" normalizeH="0" baseline="0" smtClean="0">
+                  <a:ln>
+                    <a:noFill/>
+                  </a:ln>
+                  <a:solidFill>
+                    <a:schemeClr val="tx1"/>
+                  </a:solidFill>
+                  <a:effectLst/>
+                  <a:cs typeface="Arial" pitchFamily="34" charset="0"/>
+                </a:endParaRPr>
+              </a:p>
+            </p:txBody>
+          </p:sp>
+          <p:sp>
+            <p:nvSpPr>
+              <p:cNvPr id="62" name="Pole tekstowe 18"/>
+              <p:cNvSpPr txBox="1">
+                <a:spLocks noChangeArrowheads="1"/>
+              </p:cNvSpPr>
+              <p:nvPr/>
+            </p:nvSpPr>
+            <p:spPr bwMode="auto">
+              <a:xfrm>
+                <a:off x="2511" y="3905"/>
+                <a:ext cx="5095" cy="17923"/>
+              </a:xfrm>
+              <a:prstGeom prst="rect">
+                <a:avLst/>
+              </a:prstGeom>
+              <a:solidFill>
+                <a:srgbClr val="FFFFFF"/>
+              </a:solidFill>
+              <a:ln w="6350">
+                <a:noFill/>
+                <a:miter lim="800000"/>
+                <a:headEnd/>
+                <a:tailEnd/>
+              </a:ln>
+            </p:spPr>
+            <p:txBody>
+              <a:bodyPr vert="horz" wrap="square" lIns="91440" tIns="45720" rIns="91440" bIns="45720" numCol="1" anchor="t" anchorCtr="0" compatLnSpc="1">
+                <a:prstTxWarp prst="textNoShape">
+                  <a:avLst/>
+                </a:prstTxWarp>
+              </a:bodyPr>
+              <a:lstStyle/>
+              <a:p>
+                <a:pPr marL="0" marR="0" lvl="0" indent="0" algn="r" defTabSz="914400" rtl="0" eaLnBrk="1" fontAlgn="base" latinLnBrk="0" hangingPunct="1">
+                  <a:lnSpc>
+                    <a:spcPct val="100000"/>
+                  </a:lnSpc>
+                  <a:spcBef>
+                    <a:spcPts val="500"/>
+                  </a:spcBef>
+                  <a:spcAft>
+                    <a:spcPts val="500"/>
+                  </a:spcAft>
+                  <a:buClrTx/>
+                  <a:buSzTx/>
+                  <a:buFontTx/>
+                  <a:buNone/>
+                  <a:tabLst/>
+                </a:pPr>
+                <a:r>
+                  <a:rPr kumimoji="0" lang="pl-PL" sz="800" b="1" i="0" u="none" strike="noStrike" cap="none" normalizeH="0" baseline="0" smtClean="0">
+                    <a:ln>
+                      <a:noFill/>
+                    </a:ln>
+                    <a:solidFill>
+                      <a:srgbClr val="000000"/>
+                    </a:solidFill>
+                    <a:effectLst/>
+                    <a:cs typeface="Arial" pitchFamily="34" charset="0"/>
+                  </a:rPr>
+                  <a:t>PWR</a:t>
+                </a:r>
+                <a:br>
+                  <a:rPr kumimoji="0" lang="pl-PL" sz="800" b="1" i="0" u="none" strike="noStrike" cap="none" normalizeH="0" baseline="0" smtClean="0">
+                    <a:ln>
+                      <a:noFill/>
+                    </a:ln>
+                    <a:solidFill>
+                      <a:srgbClr val="000000"/>
+                    </a:solidFill>
+                    <a:effectLst/>
+                    <a:cs typeface="Arial" pitchFamily="34" charset="0"/>
+                  </a:rPr>
+                </a:br>
+                <a:r>
+                  <a:rPr kumimoji="0" lang="pl-PL" sz="1400" b="1" i="0" u="none" strike="noStrike" cap="none" normalizeH="0" baseline="0" smtClean="0">
+                    <a:ln>
+                      <a:noFill/>
+                    </a:ln>
+                    <a:solidFill>
+                      <a:srgbClr val="000000"/>
+                    </a:solidFill>
+                    <a:effectLst/>
+                    <a:cs typeface="Arial" pitchFamily="34" charset="0"/>
+                  </a:rPr>
+                  <a:t/>
+                </a:r>
+                <a:br>
+                  <a:rPr kumimoji="0" lang="pl-PL" sz="1400" b="1" i="0" u="none" strike="noStrike" cap="none" normalizeH="0" baseline="0" smtClean="0">
+                    <a:ln>
+                      <a:noFill/>
+                    </a:ln>
+                    <a:solidFill>
+                      <a:srgbClr val="000000"/>
+                    </a:solidFill>
+                    <a:effectLst/>
+                    <a:cs typeface="Arial" pitchFamily="34" charset="0"/>
+                  </a:rPr>
+                </a:br>
+                <a:r>
+                  <a:rPr kumimoji="0" lang="pl-PL" sz="800" b="1" i="0" u="none" strike="noStrike" cap="none" normalizeH="0" baseline="0" smtClean="0">
+                    <a:ln>
+                      <a:noFill/>
+                    </a:ln>
+                    <a:solidFill>
+                      <a:srgbClr val="000000"/>
+                    </a:solidFill>
+                    <a:effectLst/>
+                    <a:cs typeface="Arial" pitchFamily="34" charset="0"/>
+                  </a:rPr>
+                  <a:t>BWR</a:t>
+                </a:r>
+                <a:br>
+                  <a:rPr kumimoji="0" lang="pl-PL" sz="800" b="1" i="0" u="none" strike="noStrike" cap="none" normalizeH="0" baseline="0" smtClean="0">
+                    <a:ln>
+                      <a:noFill/>
+                    </a:ln>
+                    <a:solidFill>
+                      <a:srgbClr val="000000"/>
+                    </a:solidFill>
+                    <a:effectLst/>
+                    <a:cs typeface="Arial" pitchFamily="34" charset="0"/>
+                  </a:rPr>
+                </a:br>
+                <a:r>
+                  <a:rPr kumimoji="0" lang="pl-PL" sz="1600" b="1" i="0" u="none" strike="noStrike" cap="none" normalizeH="0" baseline="0" smtClean="0">
+                    <a:ln>
+                      <a:noFill/>
+                    </a:ln>
+                    <a:solidFill>
+                      <a:srgbClr val="000000"/>
+                    </a:solidFill>
+                    <a:effectLst/>
+                    <a:cs typeface="Arial" pitchFamily="34" charset="0"/>
+                  </a:rPr>
+                  <a:t/>
+                </a:r>
+                <a:br>
+                  <a:rPr kumimoji="0" lang="pl-PL" sz="1600" b="1" i="0" u="none" strike="noStrike" cap="none" normalizeH="0" baseline="0" smtClean="0">
+                    <a:ln>
+                      <a:noFill/>
+                    </a:ln>
+                    <a:solidFill>
+                      <a:srgbClr val="000000"/>
+                    </a:solidFill>
+                    <a:effectLst/>
+                    <a:cs typeface="Arial" pitchFamily="34" charset="0"/>
+                  </a:rPr>
+                </a:br>
+                <a:r>
+                  <a:rPr kumimoji="0" lang="pl-PL" sz="800" b="1" i="0" u="none" strike="noStrike" cap="none" normalizeH="0" baseline="0" smtClean="0">
+                    <a:ln>
+                      <a:noFill/>
+                    </a:ln>
+                    <a:solidFill>
+                      <a:srgbClr val="000000"/>
+                    </a:solidFill>
+                    <a:effectLst/>
+                    <a:cs typeface="Arial" pitchFamily="34" charset="0"/>
+                  </a:rPr>
+                  <a:t>PHWR</a:t>
+                </a:r>
+                <a:br>
+                  <a:rPr kumimoji="0" lang="pl-PL" sz="800" b="1" i="0" u="none" strike="noStrike" cap="none" normalizeH="0" baseline="0" smtClean="0">
+                    <a:ln>
+                      <a:noFill/>
+                    </a:ln>
+                    <a:solidFill>
+                      <a:srgbClr val="000000"/>
+                    </a:solidFill>
+                    <a:effectLst/>
+                    <a:cs typeface="Arial" pitchFamily="34" charset="0"/>
+                  </a:rPr>
+                </a:br>
+                <a:r>
+                  <a:rPr kumimoji="0" lang="pl-PL" sz="1500" b="1" i="0" u="none" strike="noStrike" cap="none" normalizeH="0" baseline="0" smtClean="0">
+                    <a:ln>
+                      <a:noFill/>
+                    </a:ln>
+                    <a:solidFill>
+                      <a:srgbClr val="000000"/>
+                    </a:solidFill>
+                    <a:effectLst/>
+                    <a:cs typeface="Arial" pitchFamily="34" charset="0"/>
+                  </a:rPr>
+                  <a:t/>
+                </a:r>
+                <a:br>
+                  <a:rPr kumimoji="0" lang="pl-PL" sz="1500" b="1" i="0" u="none" strike="noStrike" cap="none" normalizeH="0" baseline="0" smtClean="0">
+                    <a:ln>
+                      <a:noFill/>
+                    </a:ln>
+                    <a:solidFill>
+                      <a:srgbClr val="000000"/>
+                    </a:solidFill>
+                    <a:effectLst/>
+                    <a:cs typeface="Arial" pitchFamily="34" charset="0"/>
+                  </a:rPr>
+                </a:br>
+                <a:r>
+                  <a:rPr kumimoji="0" lang="pl-PL" sz="800" b="1" i="0" u="none" strike="noStrike" cap="none" normalizeH="0" baseline="0" smtClean="0">
+                    <a:ln>
+                      <a:noFill/>
+                    </a:ln>
+                    <a:solidFill>
+                      <a:srgbClr val="000000"/>
+                    </a:solidFill>
+                    <a:effectLst/>
+                    <a:cs typeface="Arial" pitchFamily="34" charset="0"/>
+                  </a:rPr>
+                  <a:t>FBR</a:t>
+                </a:r>
+                <a:br>
+                  <a:rPr kumimoji="0" lang="pl-PL" sz="800" b="1" i="0" u="none" strike="noStrike" cap="none" normalizeH="0" baseline="0" smtClean="0">
+                    <a:ln>
+                      <a:noFill/>
+                    </a:ln>
+                    <a:solidFill>
+                      <a:srgbClr val="000000"/>
+                    </a:solidFill>
+                    <a:effectLst/>
+                    <a:cs typeface="Arial" pitchFamily="34" charset="0"/>
+                  </a:rPr>
+                </a:br>
+                <a:r>
+                  <a:rPr kumimoji="0" lang="pl-PL" sz="1500" b="1" i="0" u="none" strike="noStrike" cap="none" normalizeH="0" baseline="0" smtClean="0">
+                    <a:ln>
+                      <a:noFill/>
+                    </a:ln>
+                    <a:solidFill>
+                      <a:srgbClr val="000000"/>
+                    </a:solidFill>
+                    <a:effectLst/>
+                    <a:cs typeface="Arial" pitchFamily="34" charset="0"/>
+                  </a:rPr>
+                  <a:t/>
+                </a:r>
+                <a:br>
+                  <a:rPr kumimoji="0" lang="pl-PL" sz="1500" b="1" i="0" u="none" strike="noStrike" cap="none" normalizeH="0" baseline="0" smtClean="0">
+                    <a:ln>
+                      <a:noFill/>
+                    </a:ln>
+                    <a:solidFill>
+                      <a:srgbClr val="000000"/>
+                    </a:solidFill>
+                    <a:effectLst/>
+                    <a:cs typeface="Arial" pitchFamily="34" charset="0"/>
+                  </a:rPr>
+                </a:br>
+                <a:r>
+                  <a:rPr kumimoji="0" lang="pl-PL" sz="800" b="1" i="0" u="none" strike="noStrike" cap="none" normalizeH="0" baseline="0" smtClean="0">
+                    <a:ln>
+                      <a:noFill/>
+                    </a:ln>
+                    <a:solidFill>
+                      <a:srgbClr val="000000"/>
+                    </a:solidFill>
+                    <a:effectLst/>
+                    <a:cs typeface="Arial" pitchFamily="34" charset="0"/>
+                  </a:rPr>
+                  <a:t>HTGR</a:t>
+                </a:r>
+                <a:endParaRPr kumimoji="0" lang="pl-PL" sz="1800" b="0" i="0" u="none" strike="noStrike" cap="none" normalizeH="0" baseline="0" smtClean="0">
+                  <a:ln>
+                    <a:noFill/>
+                  </a:ln>
+                  <a:solidFill>
+                    <a:schemeClr val="tx1"/>
+                  </a:solidFill>
+                  <a:effectLst/>
+                  <a:cs typeface="Arial" pitchFamily="34" charset="0"/>
+                </a:endParaRPr>
+              </a:p>
+            </p:txBody>
+          </p:sp>
+        </p:grpSp>
+        <p:sp>
+          <p:nvSpPr>
+            <p:cNvPr id="63" name="Pole tekstowe 10"/>
+            <p:cNvSpPr txBox="1">
+              <a:spLocks noChangeArrowheads="1"/>
+            </p:cNvSpPr>
+            <p:nvPr/>
+          </p:nvSpPr>
+          <p:spPr bwMode="auto">
+            <a:xfrm>
+              <a:off x="11314" y="0"/>
+              <a:ext cx="27762" cy="2603"/>
+            </a:xfrm>
+            <a:prstGeom prst="rect">
+              <a:avLst/>
+            </a:prstGeom>
+            <a:solidFill>
+              <a:srgbClr val="FFFFFF"/>
+            </a:solidFill>
+            <a:ln w="6350">
+              <a:noFill/>
+              <a:miter lim="800000"/>
+              <a:headEnd/>
+              <a:tailEnd/>
+            </a:ln>
+          </p:spPr>
+          <p:txBody>
+            <a:bodyPr vert="horz" wrap="square" lIns="91440" tIns="45720" rIns="91440" bIns="45720" numCol="1" anchor="t" anchorCtr="0" compatLnSpc="1">
+              <a:prstTxWarp prst="textNoShape">
+                <a:avLst/>
+              </a:prstTxWarp>
+            </a:bodyPr>
+            <a:lstStyle/>
+            <a:p>
+              <a:pPr marL="0" marR="0" lvl="0" indent="0" algn="l" defTabSz="914400" rtl="0" eaLnBrk="1" fontAlgn="base" latinLnBrk="0" hangingPunct="1">
+                <a:lnSpc>
+                  <a:spcPct val="100000"/>
+                </a:lnSpc>
+                <a:spcBef>
+                  <a:spcPts val="500"/>
+                </a:spcBef>
+                <a:spcAft>
+                  <a:spcPts val="800"/>
+                </a:spcAft>
+                <a:buClrTx/>
+                <a:buSzTx/>
+                <a:buFontTx/>
+                <a:buNone/>
+                <a:tabLst/>
+              </a:pPr>
+              <a:r>
+                <a:rPr kumimoji="0" lang="pl-PL" sz="900" b="1" i="0" u="none" strike="noStrike" cap="none" normalizeH="0" baseline="0" smtClean="0">
+                  <a:ln>
+                    <a:noFill/>
+                  </a:ln>
+                  <a:solidFill>
+                    <a:srgbClr val="000000"/>
+                  </a:solidFill>
+                  <a:effectLst/>
+                  <a:cs typeface="Arial" pitchFamily="34" charset="0"/>
+                </a:rPr>
+                <a:t>Ilość reaktorów funkcjonujących na świecie: 443</a:t>
+              </a:r>
+              <a:endParaRPr kumimoji="0" lang="pl-PL" sz="1800" b="0" i="0" u="none" strike="noStrike" cap="none" normalizeH="0" baseline="0" smtClean="0">
+                <a:ln>
+                  <a:noFill/>
+                </a:ln>
+                <a:solidFill>
+                  <a:schemeClr val="tx1"/>
+                </a:solidFill>
+                <a:effectLst/>
+                <a:cs typeface="Arial" pitchFamily="34" charset="0"/>
+              </a:endParaRPr>
+            </a:p>
+          </p:txBody>
+        </p:sp>
+      </p:grpSp>
+    </p:spTree>
+  </p:cSld>
+  <p:clrMapOvr>
+    <a:masterClrMapping/>
+  </p:clrMapOvr>
+</p:sld>
+</file>
+
+<file path=ppt/slides/slide9.xml><?xml version="1.0" encoding="utf-8"?>
+<p:sld xmlns:a="http://schemas.openxmlformats.org/drawingml/2006/main" xmlns:r="http://schemas.openxmlformats.org/officeDocument/2006/relationships" xmlns:p="http://schemas.openxmlformats.org/presentationml/2006/main">
+  <p:cSld>
+    <p:spTree>
+      <p:nvGrpSpPr>
+        <p:cNvPr id="1" name=""/>
+        <p:cNvGrpSpPr/>
+        <p:nvPr/>
+      </p:nvGrpSpPr>
+      <p:grpSpPr>
+        <a:xfrm>
+          <a:off x="0" y="0"/>
+          <a:ext cx="0" cy="0"/>
+          <a:chOff x="0" y="0"/>
+          <a:chExt cx="0" cy="0"/>
+        </a:xfrm>
+      </p:grpSpPr>
+      <p:graphicFrame>
+        <p:nvGraphicFramePr>
+          <p:cNvPr id="4" name="Tabela 3"/>
+          <p:cNvGraphicFramePr>
+            <a:graphicFrameLocks noGrp="1"/>
+          </p:cNvGraphicFramePr>
+          <p:nvPr/>
+        </p:nvGraphicFramePr>
+        <p:xfrm>
+          <a:off x="132184" y="56000"/>
+          <a:ext cx="6096000" cy="3228984"/>
+        </p:xfrm>
+        <a:graphic>
+          <a:graphicData uri="http://schemas.openxmlformats.org/drawingml/2006/table">
+            <a:tbl>
+              <a:tblPr>
+                <a:tableStyleId>{2D5ABB26-0587-4C30-8999-92F81FD0307C}</a:tableStyleId>
+              </a:tblPr>
+              <a:tblGrid>
+                <a:gridCol w="1430122"/>
+                <a:gridCol w="855878"/>
+                <a:gridCol w="952195"/>
+                <a:gridCol w="1139952"/>
+                <a:gridCol w="1717853"/>
+              </a:tblGrid>
+              <a:tr h="165735">
+                <a:tc>
+                  <a:txBody>
+                    <a:bodyPr/>
+                    <a:lstStyle/>
+                    <a:p>
+                      <a:pPr>
+                        <a:lnSpc>
+                          <a:spcPct val="107000"/>
+                        </a:lnSpc>
+                        <a:spcAft>
+                          <a:spcPts val="0"/>
+                        </a:spcAft>
+                      </a:pPr>
+                      <a:r>
+                        <a:rPr lang="pl-PL" sz="1100" dirty="0"/>
+                        <a:t>Model reaktora</a:t>
+                      </a:r>
+                      <a:endParaRPr lang="pl-PL" sz="1100" dirty="0">
+                        <a:solidFill>
+                          <a:schemeClr val="tx1"/>
+                        </a:solidFill>
+                        <a:latin typeface="Calibri"/>
+                        <a:ea typeface="Calibri"/>
+                        <a:cs typeface="Times New Roman"/>
+                      </a:endParaRPr>
+                    </a:p>
+                  </a:txBody>
+                  <a:tcPr marL="68580" marR="68580" marT="0" marB="0">
+                    <a:lnT w="12700" cap="flat" cmpd="sng" algn="ctr">
+                      <a:solidFill>
+                        <a:schemeClr val="tx1"/>
+                      </a:solidFill>
+                      <a:prstDash val="solid"/>
+                      <a:round/>
+                      <a:headEnd type="none" w="med" len="med"/>
+                      <a:tailEnd type="none" w="med" len="med"/>
+                    </a:lnT>
+                    <a:lnB w="12700" cap="flat" cmpd="sng" algn="ctr">
+                      <a:solidFill>
+                        <a:schemeClr val="tx1"/>
+                      </a:solidFill>
+                      <a:prstDash val="solid"/>
+                      <a:round/>
+                      <a:headEnd type="none" w="med" len="med"/>
+                      <a:tailEnd type="none" w="med" len="med"/>
+                    </a:lnB>
+                  </a:tcPr>
+                </a:tc>
+                <a:tc>
+                  <a:txBody>
+                    <a:bodyPr/>
+                    <a:lstStyle/>
+                    <a:p>
+                      <a:pPr algn="ctr">
+                        <a:lnSpc>
+                          <a:spcPct val="107000"/>
+                        </a:lnSpc>
+                        <a:spcAft>
+                          <a:spcPts val="0"/>
+                        </a:spcAft>
+                      </a:pPr>
+                      <a:r>
+                        <a:rPr lang="pl-PL" sz="1100"/>
+                        <a:t>Generacja</a:t>
+                      </a:r>
+                      <a:endParaRPr lang="pl-PL" sz="1100">
+                        <a:solidFill>
+                          <a:schemeClr val="tx1"/>
+                        </a:solidFill>
+                        <a:latin typeface="Calibri"/>
+                        <a:ea typeface="Calibri"/>
+                        <a:cs typeface="Times New Roman"/>
+                      </a:endParaRPr>
+                    </a:p>
+                  </a:txBody>
+                  <a:tcPr marL="68580" marR="68580" marT="0" marB="0">
+                    <a:lnT w="12700" cap="flat" cmpd="sng" algn="ctr">
+                      <a:solidFill>
+                        <a:schemeClr val="tx1"/>
+                      </a:solidFill>
+                      <a:prstDash val="solid"/>
+                      <a:round/>
+                      <a:headEnd type="none" w="med" len="med"/>
+                      <a:tailEnd type="none" w="med" len="med"/>
+                    </a:lnT>
+                    <a:lnB w="12700" cap="flat" cmpd="sng" algn="ctr">
+                      <a:solidFill>
+                        <a:schemeClr val="tx1"/>
+                      </a:solidFill>
+                      <a:prstDash val="solid"/>
+                      <a:round/>
+                      <a:headEnd type="none" w="med" len="med"/>
+                      <a:tailEnd type="none" w="med" len="med"/>
+                    </a:lnB>
+                  </a:tcPr>
+                </a:tc>
+                <a:tc>
+                  <a:txBody>
+                    <a:bodyPr/>
+                    <a:lstStyle/>
+                    <a:p>
+                      <a:pPr algn="ctr">
+                        <a:lnSpc>
+                          <a:spcPct val="107000"/>
+                        </a:lnSpc>
+                        <a:spcAft>
+                          <a:spcPts val="0"/>
+                        </a:spcAft>
+                      </a:pPr>
+                      <a:r>
+                        <a:rPr lang="pl-PL" sz="1100"/>
+                        <a:t>Typ reaktora</a:t>
+                      </a:r>
+                      <a:endParaRPr lang="pl-PL" sz="1100">
+                        <a:solidFill>
+                          <a:schemeClr val="tx1"/>
+                        </a:solidFill>
+                        <a:latin typeface="Calibri"/>
+                        <a:ea typeface="Calibri"/>
+                        <a:cs typeface="Times New Roman"/>
+                      </a:endParaRPr>
+                    </a:p>
+                  </a:txBody>
+                  <a:tcPr marL="68580" marR="68580" marT="0" marB="0">
+                    <a:lnT w="12700" cap="flat" cmpd="sng" algn="ctr">
+                      <a:solidFill>
+                        <a:schemeClr val="tx1"/>
+                      </a:solidFill>
+                      <a:prstDash val="solid"/>
+                      <a:round/>
+                      <a:headEnd type="none" w="med" len="med"/>
+                      <a:tailEnd type="none" w="med" len="med"/>
+                    </a:lnT>
+                    <a:lnB w="12700" cap="flat" cmpd="sng" algn="ctr">
+                      <a:solidFill>
+                        <a:schemeClr val="tx1"/>
+                      </a:solidFill>
+                      <a:prstDash val="solid"/>
+                      <a:round/>
+                      <a:headEnd type="none" w="med" len="med"/>
+                      <a:tailEnd type="none" w="med" len="med"/>
+                    </a:lnB>
+                  </a:tcPr>
+                </a:tc>
+                <a:tc>
+                  <a:txBody>
+                    <a:bodyPr/>
+                    <a:lstStyle/>
+                    <a:p>
+                      <a:pPr algn="ctr">
+                        <a:lnSpc>
+                          <a:spcPct val="107000"/>
+                        </a:lnSpc>
+                        <a:spcAft>
+                          <a:spcPts val="0"/>
+                        </a:spcAft>
+                      </a:pPr>
+                      <a:r>
+                        <a:rPr lang="pl-PL" sz="1100"/>
+                        <a:t>Moc [MW</a:t>
+                      </a:r>
+                      <a:r>
+                        <a:rPr lang="pl-PL" sz="1100" baseline="-25000"/>
+                        <a:t>el</a:t>
+                      </a:r>
+                      <a:r>
+                        <a:rPr lang="pl-PL" sz="1100"/>
+                        <a:t>]</a:t>
+                      </a:r>
+                      <a:endParaRPr lang="pl-PL" sz="1100">
+                        <a:solidFill>
+                          <a:schemeClr val="tx1"/>
+                        </a:solidFill>
+                        <a:latin typeface="Calibri"/>
+                        <a:ea typeface="Calibri"/>
+                        <a:cs typeface="Times New Roman"/>
+                      </a:endParaRPr>
+                    </a:p>
+                  </a:txBody>
+                  <a:tcPr marL="68580" marR="68580" marT="0" marB="0">
+                    <a:lnT w="12700" cap="flat" cmpd="sng" algn="ctr">
+                      <a:solidFill>
+                        <a:schemeClr val="tx1"/>
+                      </a:solidFill>
+                      <a:prstDash val="solid"/>
+                      <a:round/>
+                      <a:headEnd type="none" w="med" len="med"/>
+                      <a:tailEnd type="none" w="med" len="med"/>
+                    </a:lnT>
+                    <a:lnB w="12700" cap="flat" cmpd="sng" algn="ctr">
+                      <a:solidFill>
+                        <a:schemeClr val="tx1"/>
+                      </a:solidFill>
+                      <a:prstDash val="solid"/>
+                      <a:round/>
+                      <a:headEnd type="none" w="med" len="med"/>
+                      <a:tailEnd type="none" w="med" len="med"/>
+                    </a:lnB>
+                  </a:tcPr>
+                </a:tc>
+                <a:tc>
+                  <a:txBody>
+                    <a:bodyPr/>
+                    <a:lstStyle/>
+                    <a:p>
+                      <a:pPr algn="ctr">
+                        <a:lnSpc>
+                          <a:spcPct val="107000"/>
+                        </a:lnSpc>
+                        <a:spcAft>
+                          <a:spcPts val="0"/>
+                        </a:spcAft>
+                      </a:pPr>
+                      <a:r>
+                        <a:rPr lang="pl-PL" sz="1100" dirty="0"/>
+                        <a:t>Gł. siedziba firmy</a:t>
+                      </a:r>
+                      <a:endParaRPr lang="pl-PL" sz="1100" dirty="0">
+                        <a:solidFill>
+                          <a:schemeClr val="tx1"/>
+                        </a:solidFill>
+                        <a:latin typeface="Calibri"/>
+                        <a:ea typeface="Calibri"/>
+                        <a:cs typeface="Times New Roman"/>
+                      </a:endParaRPr>
+                    </a:p>
+                  </a:txBody>
+                  <a:tcPr marL="68580" marR="68580" marT="0" marB="0">
+                    <a:lnT w="12700" cap="flat" cmpd="sng" algn="ctr">
+                      <a:solidFill>
+                        <a:schemeClr val="tx1"/>
+                      </a:solidFill>
+                      <a:prstDash val="solid"/>
+                      <a:round/>
+                      <a:headEnd type="none" w="med" len="med"/>
+                      <a:tailEnd type="none" w="med" len="med"/>
+                    </a:lnT>
+                    <a:lnB w="12700" cap="flat" cmpd="sng" algn="ctr">
+                      <a:solidFill>
+                        <a:schemeClr val="tx1"/>
+                      </a:solidFill>
+                      <a:prstDash val="solid"/>
+                      <a:round/>
+                      <a:headEnd type="none" w="med" len="med"/>
+                      <a:tailEnd type="none" w="med" len="med"/>
+                    </a:lnB>
+                  </a:tcPr>
+                </a:tc>
+              </a:tr>
+              <a:tr h="165735">
+                <a:tc>
+                  <a:txBody>
+                    <a:bodyPr/>
+                    <a:lstStyle/>
+                    <a:p>
+                      <a:pPr>
+                        <a:lnSpc>
+                          <a:spcPct val="107000"/>
+                        </a:lnSpc>
+                        <a:spcAft>
+                          <a:spcPts val="0"/>
+                        </a:spcAft>
+                      </a:pPr>
+                      <a:r>
+                        <a:rPr lang="pl-PL" sz="1100" dirty="0"/>
+                        <a:t>ACPR1000+</a:t>
+                      </a:r>
+                      <a:endParaRPr lang="pl-PL" sz="1100" dirty="0">
+                        <a:solidFill>
+                          <a:schemeClr val="tx1"/>
+                        </a:solidFill>
+                        <a:latin typeface="Calibri"/>
+                        <a:ea typeface="Calibri"/>
+                        <a:cs typeface="Times New Roman"/>
+                      </a:endParaRPr>
+                    </a:p>
+                  </a:txBody>
+                  <a:tcPr marL="68580" marR="68580" marT="0" marB="0">
+                    <a:lnT w="12700" cap="flat" cmpd="sng" algn="ctr">
+                      <a:solidFill>
+                        <a:schemeClr val="tx1"/>
+                      </a:solidFill>
+                      <a:prstDash val="solid"/>
+                      <a:round/>
+                      <a:headEnd type="none" w="med" len="med"/>
+                      <a:tailEnd type="none" w="med" len="med"/>
+                    </a:lnT>
+                  </a:tcPr>
+                </a:tc>
+                <a:tc>
+                  <a:txBody>
+                    <a:bodyPr/>
+                    <a:lstStyle/>
+                    <a:p>
+                      <a:pPr algn="ctr">
+                        <a:lnSpc>
+                          <a:spcPct val="107000"/>
+                        </a:lnSpc>
+                        <a:spcAft>
+                          <a:spcPts val="0"/>
+                        </a:spcAft>
+                      </a:pPr>
+                      <a:r>
+                        <a:rPr lang="pl-PL" sz="1100"/>
+                        <a:t>III</a:t>
+                      </a:r>
+                      <a:endParaRPr lang="pl-PL" sz="1100">
+                        <a:solidFill>
+                          <a:schemeClr val="tx1"/>
+                        </a:solidFill>
+                        <a:latin typeface="Calibri"/>
+                        <a:ea typeface="Calibri"/>
+                        <a:cs typeface="Times New Roman"/>
+                      </a:endParaRPr>
+                    </a:p>
+                  </a:txBody>
+                  <a:tcPr marL="68580" marR="68580" marT="0" marB="0">
+                    <a:lnT w="12700" cap="flat" cmpd="sng" algn="ctr">
+                      <a:solidFill>
+                        <a:schemeClr val="tx1"/>
+                      </a:solidFill>
+                      <a:prstDash val="solid"/>
+                      <a:round/>
+                      <a:headEnd type="none" w="med" len="med"/>
+                      <a:tailEnd type="none" w="med" len="med"/>
+                    </a:lnT>
+                  </a:tcPr>
+                </a:tc>
+                <a:tc>
+                  <a:txBody>
+                    <a:bodyPr/>
+                    <a:lstStyle/>
+                    <a:p>
+                      <a:pPr algn="ctr">
+                        <a:lnSpc>
+                          <a:spcPct val="107000"/>
+                        </a:lnSpc>
+                        <a:spcAft>
+                          <a:spcPts val="0"/>
+                        </a:spcAft>
+                      </a:pPr>
+                      <a:r>
+                        <a:rPr lang="pl-PL" sz="1100"/>
+                        <a:t>PWR</a:t>
+                      </a:r>
+                      <a:endParaRPr lang="pl-PL" sz="1100">
+                        <a:solidFill>
+                          <a:schemeClr val="tx1"/>
+                        </a:solidFill>
+                        <a:latin typeface="Calibri"/>
+                        <a:ea typeface="Calibri"/>
+                        <a:cs typeface="Times New Roman"/>
+                      </a:endParaRPr>
+                    </a:p>
+                  </a:txBody>
+                  <a:tcPr marL="68580" marR="68580" marT="0" marB="0">
+                    <a:lnT w="12700" cap="flat" cmpd="sng" algn="ctr">
+                      <a:solidFill>
+                        <a:schemeClr val="tx1"/>
+                      </a:solidFill>
+                      <a:prstDash val="solid"/>
+                      <a:round/>
+                      <a:headEnd type="none" w="med" len="med"/>
+                      <a:tailEnd type="none" w="med" len="med"/>
+                    </a:lnT>
+                  </a:tcPr>
+                </a:tc>
+                <a:tc>
+                  <a:txBody>
+                    <a:bodyPr/>
+                    <a:lstStyle/>
+                    <a:p>
+                      <a:pPr algn="ctr">
+                        <a:lnSpc>
+                          <a:spcPct val="107000"/>
+                        </a:lnSpc>
+                        <a:spcAft>
+                          <a:spcPts val="0"/>
+                        </a:spcAft>
+                      </a:pPr>
+                      <a:r>
+                        <a:rPr lang="pl-PL" sz="1100"/>
+                        <a:t>1600</a:t>
+                      </a:r>
+                      <a:endParaRPr lang="pl-PL" sz="1100">
+                        <a:solidFill>
+                          <a:schemeClr val="tx1"/>
+                        </a:solidFill>
+                        <a:latin typeface="Calibri"/>
+                        <a:ea typeface="Calibri"/>
+                        <a:cs typeface="Times New Roman"/>
+                      </a:endParaRPr>
+                    </a:p>
+                  </a:txBody>
+                  <a:tcPr marL="68580" marR="68580" marT="0" marB="0">
+                    <a:lnT w="12700" cap="flat" cmpd="sng" algn="ctr">
+                      <a:solidFill>
+                        <a:schemeClr val="tx1"/>
+                      </a:solidFill>
+                      <a:prstDash val="solid"/>
+                      <a:round/>
+                      <a:headEnd type="none" w="med" len="med"/>
+                      <a:tailEnd type="none" w="med" len="med"/>
+                    </a:lnT>
+                  </a:tcPr>
+                </a:tc>
+                <a:tc>
+                  <a:txBody>
+                    <a:bodyPr/>
+                    <a:lstStyle/>
+                    <a:p>
+                      <a:pPr algn="ctr">
+                        <a:lnSpc>
+                          <a:spcPct val="107000"/>
+                        </a:lnSpc>
+                        <a:spcAft>
+                          <a:spcPts val="0"/>
+                        </a:spcAft>
+                      </a:pPr>
+                      <a:r>
+                        <a:rPr lang="pl-PL" sz="1100" dirty="0"/>
+                        <a:t>Chiny</a:t>
+                      </a:r>
+                      <a:endParaRPr lang="pl-PL" sz="1100" dirty="0">
+                        <a:solidFill>
+                          <a:schemeClr val="tx1"/>
+                        </a:solidFill>
+                        <a:latin typeface="Calibri"/>
+                        <a:ea typeface="Calibri"/>
+                        <a:cs typeface="Times New Roman"/>
+                      </a:endParaRPr>
+                    </a:p>
+                  </a:txBody>
+                  <a:tcPr marL="68580" marR="68580" marT="0" marB="0">
+                    <a:lnT w="12700" cap="flat" cmpd="sng" algn="ctr">
+                      <a:solidFill>
+                        <a:schemeClr val="tx1"/>
+                      </a:solidFill>
+                      <a:prstDash val="solid"/>
+                      <a:round/>
+                      <a:headEnd type="none" w="med" len="med"/>
+                      <a:tailEnd type="none" w="med" len="med"/>
+                    </a:lnT>
+                  </a:tcPr>
+                </a:tc>
+              </a:tr>
+              <a:tr h="165735">
+                <a:tc>
+                  <a:txBody>
+                    <a:bodyPr/>
+                    <a:lstStyle/>
+                    <a:p>
+                      <a:pPr>
+                        <a:lnSpc>
+                          <a:spcPct val="107000"/>
+                        </a:lnSpc>
+                        <a:spcAft>
+                          <a:spcPts val="0"/>
+                        </a:spcAft>
+                      </a:pPr>
+                      <a:r>
+                        <a:rPr lang="pl-PL" sz="1100" dirty="0"/>
+                        <a:t>ABWR</a:t>
+                      </a:r>
+                      <a:endParaRPr lang="pl-PL" sz="1100" dirty="0">
+                        <a:solidFill>
+                          <a:schemeClr val="tx1"/>
+                        </a:solidFill>
+                        <a:latin typeface="Calibri"/>
+                        <a:ea typeface="Calibri"/>
+                        <a:cs typeface="Times New Roman"/>
+                      </a:endParaRPr>
+                    </a:p>
+                  </a:txBody>
+                  <a:tcPr marL="68580" marR="68580" marT="0" marB="0"/>
+                </a:tc>
+                <a:tc>
+                  <a:txBody>
+                    <a:bodyPr/>
+                    <a:lstStyle/>
+                    <a:p>
+                      <a:pPr algn="ctr">
+                        <a:lnSpc>
+                          <a:spcPct val="107000"/>
+                        </a:lnSpc>
+                        <a:spcAft>
+                          <a:spcPts val="0"/>
+                        </a:spcAft>
+                      </a:pPr>
+                      <a:r>
+                        <a:rPr lang="pl-PL" sz="1100"/>
+                        <a:t>III</a:t>
+                      </a:r>
+                      <a:endParaRPr lang="pl-PL" sz="1100">
+                        <a:solidFill>
+                          <a:schemeClr val="tx1"/>
+                        </a:solidFill>
+                        <a:latin typeface="Calibri"/>
+                        <a:ea typeface="Calibri"/>
+                        <a:cs typeface="Times New Roman"/>
+                      </a:endParaRPr>
+                    </a:p>
+                  </a:txBody>
+                  <a:tcPr marL="68580" marR="68580" marT="0" marB="0"/>
+                </a:tc>
+                <a:tc>
+                  <a:txBody>
+                    <a:bodyPr/>
+                    <a:lstStyle/>
+                    <a:p>
+                      <a:pPr algn="ctr">
+                        <a:lnSpc>
+                          <a:spcPct val="107000"/>
+                        </a:lnSpc>
+                        <a:spcAft>
+                          <a:spcPts val="0"/>
+                        </a:spcAft>
+                      </a:pPr>
+                      <a:r>
+                        <a:rPr lang="pl-PL" sz="1100"/>
+                        <a:t>BWR</a:t>
+                      </a:r>
+                      <a:endParaRPr lang="pl-PL" sz="1100">
+                        <a:solidFill>
+                          <a:schemeClr val="tx1"/>
+                        </a:solidFill>
+                        <a:latin typeface="Calibri"/>
+                        <a:ea typeface="Calibri"/>
+                        <a:cs typeface="Times New Roman"/>
+                      </a:endParaRPr>
+                    </a:p>
+                  </a:txBody>
+                  <a:tcPr marL="68580" marR="68580" marT="0" marB="0"/>
+                </a:tc>
+                <a:tc>
+                  <a:txBody>
+                    <a:bodyPr/>
+                    <a:lstStyle/>
+                    <a:p>
+                      <a:pPr algn="ctr">
+                        <a:lnSpc>
+                          <a:spcPct val="107000"/>
+                        </a:lnSpc>
+                        <a:spcAft>
+                          <a:spcPts val="0"/>
+                        </a:spcAft>
+                      </a:pPr>
+                      <a:r>
+                        <a:rPr lang="pl-PL" sz="1100"/>
+                        <a:t>1350</a:t>
+                      </a:r>
+                      <a:endParaRPr lang="pl-PL" sz="1100">
+                        <a:solidFill>
+                          <a:schemeClr val="tx1"/>
+                        </a:solidFill>
+                        <a:latin typeface="Calibri"/>
+                        <a:ea typeface="Calibri"/>
+                        <a:cs typeface="Times New Roman"/>
+                      </a:endParaRPr>
+                    </a:p>
+                  </a:txBody>
+                  <a:tcPr marL="68580" marR="68580" marT="0" marB="0"/>
+                </a:tc>
+                <a:tc>
+                  <a:txBody>
+                    <a:bodyPr/>
+                    <a:lstStyle/>
+                    <a:p>
+                      <a:pPr algn="ctr">
+                        <a:lnSpc>
+                          <a:spcPct val="107000"/>
+                        </a:lnSpc>
+                        <a:spcAft>
+                          <a:spcPts val="0"/>
+                        </a:spcAft>
+                      </a:pPr>
+                      <a:r>
+                        <a:rPr lang="pl-PL" sz="1100" dirty="0"/>
+                        <a:t>USA</a:t>
+                      </a:r>
+                      <a:endParaRPr lang="pl-PL" sz="1100" dirty="0">
+                        <a:solidFill>
+                          <a:schemeClr val="tx1"/>
+                        </a:solidFill>
+                        <a:latin typeface="Calibri"/>
+                        <a:ea typeface="Calibri"/>
+                        <a:cs typeface="Times New Roman"/>
+                      </a:endParaRPr>
+                    </a:p>
+                  </a:txBody>
+                  <a:tcPr marL="68580" marR="68580" marT="0" marB="0"/>
+                </a:tc>
+              </a:tr>
+              <a:tr h="160020">
+                <a:tc>
+                  <a:txBody>
+                    <a:bodyPr/>
+                    <a:lstStyle/>
+                    <a:p>
+                      <a:pPr>
+                        <a:lnSpc>
+                          <a:spcPct val="107000"/>
+                        </a:lnSpc>
+                        <a:spcAft>
+                          <a:spcPts val="0"/>
+                        </a:spcAft>
+                      </a:pPr>
+                      <a:r>
+                        <a:rPr lang="pl-PL" sz="1100"/>
+                        <a:t>APWR(+)</a:t>
+                      </a:r>
+                      <a:endParaRPr lang="pl-PL" sz="1100">
+                        <a:solidFill>
+                          <a:schemeClr val="tx1"/>
+                        </a:solidFill>
+                        <a:latin typeface="Calibri"/>
+                        <a:ea typeface="Calibri"/>
+                        <a:cs typeface="Times New Roman"/>
+                      </a:endParaRPr>
+                    </a:p>
+                  </a:txBody>
+                  <a:tcPr marL="68580" marR="68580" marT="0" marB="0"/>
+                </a:tc>
+                <a:tc>
+                  <a:txBody>
+                    <a:bodyPr/>
+                    <a:lstStyle/>
+                    <a:p>
+                      <a:pPr algn="ctr">
+                        <a:lnSpc>
+                          <a:spcPct val="107000"/>
+                        </a:lnSpc>
+                        <a:spcAft>
+                          <a:spcPts val="0"/>
+                        </a:spcAft>
+                      </a:pPr>
+                      <a:r>
+                        <a:rPr lang="pl-PL" sz="1100"/>
+                        <a:t>III</a:t>
+                      </a:r>
+                      <a:endParaRPr lang="pl-PL" sz="1100">
+                        <a:solidFill>
+                          <a:schemeClr val="tx1"/>
+                        </a:solidFill>
+                        <a:latin typeface="Calibri"/>
+                        <a:ea typeface="Calibri"/>
+                        <a:cs typeface="Times New Roman"/>
+                      </a:endParaRPr>
+                    </a:p>
+                  </a:txBody>
+                  <a:tcPr marL="68580" marR="68580" marT="0" marB="0"/>
+                </a:tc>
+                <a:tc>
+                  <a:txBody>
+                    <a:bodyPr/>
+                    <a:lstStyle/>
+                    <a:p>
+                      <a:pPr algn="ctr">
+                        <a:lnSpc>
+                          <a:spcPct val="107000"/>
+                        </a:lnSpc>
+                        <a:spcAft>
+                          <a:spcPts val="0"/>
+                        </a:spcAft>
+                      </a:pPr>
+                      <a:r>
+                        <a:rPr lang="pl-PL" sz="1100"/>
+                        <a:t>PWR</a:t>
+                      </a:r>
+                      <a:endParaRPr lang="pl-PL" sz="1100">
+                        <a:solidFill>
+                          <a:schemeClr val="tx1"/>
+                        </a:solidFill>
+                        <a:latin typeface="Calibri"/>
+                        <a:ea typeface="Calibri"/>
+                        <a:cs typeface="Times New Roman"/>
+                      </a:endParaRPr>
+                    </a:p>
+                  </a:txBody>
+                  <a:tcPr marL="68580" marR="68580" marT="0" marB="0"/>
+                </a:tc>
+                <a:tc>
+                  <a:txBody>
+                    <a:bodyPr/>
+                    <a:lstStyle/>
+                    <a:p>
+                      <a:pPr algn="ctr">
+                        <a:lnSpc>
+                          <a:spcPct val="107000"/>
+                        </a:lnSpc>
+                        <a:spcAft>
+                          <a:spcPts val="0"/>
+                        </a:spcAft>
+                      </a:pPr>
+                      <a:r>
+                        <a:rPr lang="pl-PL" sz="1100"/>
+                        <a:t>1538(1700)</a:t>
+                      </a:r>
+                      <a:endParaRPr lang="pl-PL" sz="1100">
+                        <a:solidFill>
+                          <a:schemeClr val="tx1"/>
+                        </a:solidFill>
+                        <a:latin typeface="Calibri"/>
+                        <a:ea typeface="Calibri"/>
+                        <a:cs typeface="Times New Roman"/>
+                      </a:endParaRPr>
+                    </a:p>
+                  </a:txBody>
+                  <a:tcPr marL="68580" marR="68580" marT="0" marB="0"/>
+                </a:tc>
+                <a:tc>
+                  <a:txBody>
+                    <a:bodyPr/>
+                    <a:lstStyle/>
+                    <a:p>
+                      <a:pPr algn="ctr">
+                        <a:lnSpc>
+                          <a:spcPct val="107000"/>
+                        </a:lnSpc>
+                        <a:spcAft>
+                          <a:spcPts val="0"/>
+                        </a:spcAft>
+                      </a:pPr>
+                      <a:r>
+                        <a:rPr lang="pl-PL" sz="1100"/>
+                        <a:t>Japonia</a:t>
+                      </a:r>
+                      <a:endParaRPr lang="pl-PL" sz="1100">
+                        <a:solidFill>
+                          <a:schemeClr val="tx1"/>
+                        </a:solidFill>
+                        <a:latin typeface="Calibri"/>
+                        <a:ea typeface="Calibri"/>
+                        <a:cs typeface="Times New Roman"/>
+                      </a:endParaRPr>
+                    </a:p>
+                  </a:txBody>
+                  <a:tcPr marL="68580" marR="68580" marT="0" marB="0"/>
+                </a:tc>
+              </a:tr>
+              <a:tr h="165735">
+                <a:tc>
+                  <a:txBody>
+                    <a:bodyPr/>
+                    <a:lstStyle/>
+                    <a:p>
+                      <a:pPr>
+                        <a:lnSpc>
+                          <a:spcPct val="107000"/>
+                        </a:lnSpc>
+                        <a:spcAft>
+                          <a:spcPts val="0"/>
+                        </a:spcAft>
+                      </a:pPr>
+                      <a:r>
+                        <a:rPr lang="pl-PL" sz="1100" dirty="0" err="1"/>
+                        <a:t>Enhanced</a:t>
+                      </a:r>
+                      <a:r>
+                        <a:rPr lang="pl-PL" sz="1100" dirty="0"/>
+                        <a:t> CANDU 6</a:t>
+                      </a:r>
+                      <a:endParaRPr lang="pl-PL" sz="1100" dirty="0">
+                        <a:solidFill>
+                          <a:schemeClr val="tx1"/>
+                        </a:solidFill>
+                        <a:latin typeface="Calibri"/>
+                        <a:ea typeface="Calibri"/>
+                        <a:cs typeface="Times New Roman"/>
+                      </a:endParaRPr>
+                    </a:p>
+                  </a:txBody>
+                  <a:tcPr marL="68580" marR="68580" marT="0" marB="0"/>
+                </a:tc>
+                <a:tc>
+                  <a:txBody>
+                    <a:bodyPr/>
+                    <a:lstStyle/>
+                    <a:p>
+                      <a:pPr algn="ctr">
+                        <a:lnSpc>
+                          <a:spcPct val="107000"/>
+                        </a:lnSpc>
+                        <a:spcAft>
+                          <a:spcPts val="0"/>
+                        </a:spcAft>
+                      </a:pPr>
+                      <a:r>
+                        <a:rPr lang="pl-PL" sz="1100"/>
+                        <a:t>III</a:t>
+                      </a:r>
+                      <a:endParaRPr lang="pl-PL" sz="1100">
+                        <a:solidFill>
+                          <a:schemeClr val="tx1"/>
+                        </a:solidFill>
+                        <a:latin typeface="Calibri"/>
+                        <a:ea typeface="Calibri"/>
+                        <a:cs typeface="Times New Roman"/>
+                      </a:endParaRPr>
+                    </a:p>
+                  </a:txBody>
+                  <a:tcPr marL="68580" marR="68580" marT="0" marB="0"/>
+                </a:tc>
+                <a:tc>
+                  <a:txBody>
+                    <a:bodyPr/>
+                    <a:lstStyle/>
+                    <a:p>
+                      <a:pPr algn="ctr">
+                        <a:lnSpc>
+                          <a:spcPct val="107000"/>
+                        </a:lnSpc>
+                        <a:spcAft>
+                          <a:spcPts val="0"/>
+                        </a:spcAft>
+                      </a:pPr>
+                      <a:r>
+                        <a:rPr lang="pl-PL" sz="1100"/>
+                        <a:t>PHWR</a:t>
+                      </a:r>
+                      <a:endParaRPr lang="pl-PL" sz="1100">
+                        <a:solidFill>
+                          <a:schemeClr val="tx1"/>
+                        </a:solidFill>
+                        <a:latin typeface="Calibri"/>
+                        <a:ea typeface="Calibri"/>
+                        <a:cs typeface="Times New Roman"/>
+                      </a:endParaRPr>
+                    </a:p>
+                  </a:txBody>
+                  <a:tcPr marL="68580" marR="68580" marT="0" marB="0"/>
+                </a:tc>
+                <a:tc>
+                  <a:txBody>
+                    <a:bodyPr/>
+                    <a:lstStyle/>
+                    <a:p>
+                      <a:pPr algn="ctr">
+                        <a:lnSpc>
+                          <a:spcPct val="107000"/>
+                        </a:lnSpc>
+                        <a:spcAft>
+                          <a:spcPts val="0"/>
+                        </a:spcAft>
+                      </a:pPr>
+                      <a:r>
+                        <a:rPr lang="pl-PL" sz="1100"/>
+                        <a:t>740</a:t>
+                      </a:r>
+                      <a:endParaRPr lang="pl-PL" sz="1100">
+                        <a:solidFill>
+                          <a:schemeClr val="tx1"/>
+                        </a:solidFill>
+                        <a:latin typeface="Calibri"/>
+                        <a:ea typeface="Calibri"/>
+                        <a:cs typeface="Times New Roman"/>
+                      </a:endParaRPr>
+                    </a:p>
+                  </a:txBody>
+                  <a:tcPr marL="68580" marR="68580" marT="0" marB="0"/>
+                </a:tc>
+                <a:tc>
+                  <a:txBody>
+                    <a:bodyPr/>
+                    <a:lstStyle/>
+                    <a:p>
+                      <a:pPr algn="ctr">
+                        <a:lnSpc>
+                          <a:spcPct val="107000"/>
+                        </a:lnSpc>
+                        <a:spcAft>
+                          <a:spcPts val="0"/>
+                        </a:spcAft>
+                      </a:pPr>
+                      <a:r>
+                        <a:rPr lang="pl-PL" sz="1100"/>
+                        <a:t>Kanada</a:t>
+                      </a:r>
+                      <a:endParaRPr lang="pl-PL" sz="1100">
+                        <a:solidFill>
+                          <a:schemeClr val="tx1"/>
+                        </a:solidFill>
+                        <a:latin typeface="Calibri"/>
+                        <a:ea typeface="Calibri"/>
+                        <a:cs typeface="Times New Roman"/>
+                      </a:endParaRPr>
+                    </a:p>
+                  </a:txBody>
+                  <a:tcPr marL="68580" marR="68580" marT="0" marB="0"/>
+                </a:tc>
+              </a:tr>
+              <a:tr h="165735">
+                <a:tc>
+                  <a:txBody>
+                    <a:bodyPr/>
+                    <a:lstStyle/>
+                    <a:p>
+                      <a:pPr>
+                        <a:lnSpc>
+                          <a:spcPct val="107000"/>
+                        </a:lnSpc>
+                        <a:spcAft>
+                          <a:spcPts val="0"/>
+                        </a:spcAft>
+                      </a:pPr>
+                      <a:r>
+                        <a:rPr lang="pl-PL" sz="1100"/>
+                        <a:t>VVER-1000/392</a:t>
+                      </a:r>
+                      <a:endParaRPr lang="pl-PL" sz="1100">
+                        <a:solidFill>
+                          <a:schemeClr val="tx1"/>
+                        </a:solidFill>
+                        <a:latin typeface="Calibri"/>
+                        <a:ea typeface="Calibri"/>
+                        <a:cs typeface="Times New Roman"/>
+                      </a:endParaRPr>
+                    </a:p>
+                  </a:txBody>
+                  <a:tcPr marL="68580" marR="68580" marT="0" marB="0"/>
+                </a:tc>
+                <a:tc>
+                  <a:txBody>
+                    <a:bodyPr/>
+                    <a:lstStyle/>
+                    <a:p>
+                      <a:pPr algn="ctr">
+                        <a:lnSpc>
+                          <a:spcPct val="107000"/>
+                        </a:lnSpc>
+                        <a:spcAft>
+                          <a:spcPts val="0"/>
+                        </a:spcAft>
+                      </a:pPr>
+                      <a:r>
+                        <a:rPr lang="pl-PL" sz="1100"/>
+                        <a:t>III</a:t>
+                      </a:r>
+                      <a:endParaRPr lang="pl-PL" sz="1100">
+                        <a:solidFill>
+                          <a:schemeClr val="tx1"/>
+                        </a:solidFill>
+                        <a:latin typeface="Calibri"/>
+                        <a:ea typeface="Calibri"/>
+                        <a:cs typeface="Times New Roman"/>
+                      </a:endParaRPr>
+                    </a:p>
+                  </a:txBody>
+                  <a:tcPr marL="68580" marR="68580" marT="0" marB="0"/>
+                </a:tc>
+                <a:tc>
+                  <a:txBody>
+                    <a:bodyPr/>
+                    <a:lstStyle/>
+                    <a:p>
+                      <a:pPr algn="ctr">
+                        <a:lnSpc>
+                          <a:spcPct val="107000"/>
+                        </a:lnSpc>
+                        <a:spcAft>
+                          <a:spcPts val="0"/>
+                        </a:spcAft>
+                      </a:pPr>
+                      <a:r>
+                        <a:rPr lang="pl-PL" sz="1100"/>
+                        <a:t>PWR</a:t>
+                      </a:r>
+                      <a:endParaRPr lang="pl-PL" sz="1100">
+                        <a:solidFill>
+                          <a:schemeClr val="tx1"/>
+                        </a:solidFill>
+                        <a:latin typeface="Calibri"/>
+                        <a:ea typeface="Calibri"/>
+                        <a:cs typeface="Times New Roman"/>
+                      </a:endParaRPr>
+                    </a:p>
+                  </a:txBody>
+                  <a:tcPr marL="68580" marR="68580" marT="0" marB="0"/>
+                </a:tc>
+                <a:tc>
+                  <a:txBody>
+                    <a:bodyPr/>
+                    <a:lstStyle/>
+                    <a:p>
+                      <a:pPr algn="ctr">
+                        <a:lnSpc>
+                          <a:spcPct val="107000"/>
+                        </a:lnSpc>
+                        <a:spcAft>
+                          <a:spcPts val="0"/>
+                        </a:spcAft>
+                      </a:pPr>
+                      <a:r>
+                        <a:rPr lang="pl-PL" sz="1100"/>
+                        <a:t>1000</a:t>
+                      </a:r>
+                      <a:endParaRPr lang="pl-PL" sz="1100">
+                        <a:solidFill>
+                          <a:schemeClr val="tx1"/>
+                        </a:solidFill>
+                        <a:latin typeface="Calibri"/>
+                        <a:ea typeface="Calibri"/>
+                        <a:cs typeface="Times New Roman"/>
+                      </a:endParaRPr>
+                    </a:p>
+                  </a:txBody>
+                  <a:tcPr marL="68580" marR="68580" marT="0" marB="0"/>
+                </a:tc>
+                <a:tc>
+                  <a:txBody>
+                    <a:bodyPr/>
+                    <a:lstStyle/>
+                    <a:p>
+                      <a:pPr algn="ctr">
+                        <a:lnSpc>
+                          <a:spcPct val="107000"/>
+                        </a:lnSpc>
+                        <a:spcAft>
+                          <a:spcPts val="0"/>
+                        </a:spcAft>
+                      </a:pPr>
+                      <a:r>
+                        <a:rPr lang="pl-PL" sz="1100"/>
+                        <a:t>Rosja</a:t>
+                      </a:r>
+                      <a:endParaRPr lang="pl-PL" sz="1100">
+                        <a:solidFill>
+                          <a:schemeClr val="tx1"/>
+                        </a:solidFill>
+                        <a:latin typeface="Calibri"/>
+                        <a:ea typeface="Calibri"/>
+                        <a:cs typeface="Times New Roman"/>
+                      </a:endParaRPr>
+                    </a:p>
+                  </a:txBody>
+                  <a:tcPr marL="68580" marR="68580" marT="0" marB="0"/>
+                </a:tc>
+              </a:tr>
+              <a:tr h="165735">
+                <a:tc>
+                  <a:txBody>
+                    <a:bodyPr/>
+                    <a:lstStyle/>
+                    <a:p>
+                      <a:pPr>
+                        <a:lnSpc>
+                          <a:spcPct val="107000"/>
+                        </a:lnSpc>
+                        <a:spcAft>
+                          <a:spcPts val="0"/>
+                        </a:spcAft>
+                      </a:pPr>
+                      <a:r>
+                        <a:rPr lang="pl-PL" sz="1100"/>
+                        <a:t>AP600</a:t>
+                      </a:r>
+                      <a:endParaRPr lang="pl-PL" sz="1100">
+                        <a:solidFill>
+                          <a:schemeClr val="tx1"/>
+                        </a:solidFill>
+                        <a:latin typeface="Calibri"/>
+                        <a:ea typeface="Calibri"/>
+                        <a:cs typeface="Times New Roman"/>
+                      </a:endParaRPr>
+                    </a:p>
+                  </a:txBody>
+                  <a:tcPr marL="68580" marR="68580" marT="0" marB="0"/>
+                </a:tc>
+                <a:tc>
+                  <a:txBody>
+                    <a:bodyPr/>
+                    <a:lstStyle/>
+                    <a:p>
+                      <a:pPr algn="ctr">
+                        <a:lnSpc>
+                          <a:spcPct val="107000"/>
+                        </a:lnSpc>
+                        <a:spcAft>
+                          <a:spcPts val="0"/>
+                        </a:spcAft>
+                      </a:pPr>
+                      <a:r>
+                        <a:rPr lang="pl-PL" sz="1100" dirty="0"/>
+                        <a:t>III</a:t>
+                      </a:r>
+                      <a:endParaRPr lang="pl-PL" sz="1100" dirty="0">
+                        <a:solidFill>
+                          <a:schemeClr val="tx1"/>
+                        </a:solidFill>
+                        <a:latin typeface="Calibri"/>
+                        <a:ea typeface="Calibri"/>
+                        <a:cs typeface="Times New Roman"/>
+                      </a:endParaRPr>
+                    </a:p>
+                  </a:txBody>
+                  <a:tcPr marL="68580" marR="68580" marT="0" marB="0"/>
+                </a:tc>
+                <a:tc>
+                  <a:txBody>
+                    <a:bodyPr/>
+                    <a:lstStyle/>
+                    <a:p>
+                      <a:pPr algn="ctr">
+                        <a:lnSpc>
+                          <a:spcPct val="107000"/>
+                        </a:lnSpc>
+                        <a:spcAft>
+                          <a:spcPts val="0"/>
+                        </a:spcAft>
+                      </a:pPr>
+                      <a:r>
+                        <a:rPr lang="pl-PL" sz="1100"/>
+                        <a:t>PWR</a:t>
+                      </a:r>
+                      <a:endParaRPr lang="pl-PL" sz="1100">
+                        <a:solidFill>
+                          <a:schemeClr val="tx1"/>
+                        </a:solidFill>
+                        <a:latin typeface="Calibri"/>
+                        <a:ea typeface="Calibri"/>
+                        <a:cs typeface="Times New Roman"/>
+                      </a:endParaRPr>
+                    </a:p>
+                  </a:txBody>
+                  <a:tcPr marL="68580" marR="68580" marT="0" marB="0"/>
+                </a:tc>
+                <a:tc>
+                  <a:txBody>
+                    <a:bodyPr/>
+                    <a:lstStyle/>
+                    <a:p>
+                      <a:pPr algn="ctr">
+                        <a:lnSpc>
+                          <a:spcPct val="107000"/>
+                        </a:lnSpc>
+                        <a:spcAft>
+                          <a:spcPts val="0"/>
+                        </a:spcAft>
+                      </a:pPr>
+                      <a:r>
+                        <a:rPr lang="pl-PL" sz="1100"/>
+                        <a:t>600</a:t>
+                      </a:r>
+                      <a:endParaRPr lang="pl-PL" sz="1100">
+                        <a:solidFill>
+                          <a:schemeClr val="tx1"/>
+                        </a:solidFill>
+                        <a:latin typeface="Calibri"/>
+                        <a:ea typeface="Calibri"/>
+                        <a:cs typeface="Times New Roman"/>
+                      </a:endParaRPr>
+                    </a:p>
+                  </a:txBody>
+                  <a:tcPr marL="68580" marR="68580" marT="0" marB="0"/>
+                </a:tc>
+                <a:tc>
+                  <a:txBody>
+                    <a:bodyPr/>
+                    <a:lstStyle/>
+                    <a:p>
+                      <a:pPr algn="ctr">
+                        <a:lnSpc>
+                          <a:spcPct val="107000"/>
+                        </a:lnSpc>
+                        <a:spcAft>
+                          <a:spcPts val="0"/>
+                        </a:spcAft>
+                      </a:pPr>
+                      <a:r>
+                        <a:rPr lang="pl-PL" sz="1100"/>
+                        <a:t>USA</a:t>
+                      </a:r>
+                      <a:endParaRPr lang="pl-PL" sz="1100">
+                        <a:solidFill>
+                          <a:schemeClr val="tx1"/>
+                        </a:solidFill>
+                        <a:latin typeface="Calibri"/>
+                        <a:ea typeface="Calibri"/>
+                        <a:cs typeface="Times New Roman"/>
+                      </a:endParaRPr>
+                    </a:p>
+                  </a:txBody>
+                  <a:tcPr marL="68580" marR="68580" marT="0" marB="0"/>
+                </a:tc>
+              </a:tr>
+              <a:tr h="165735">
+                <a:tc>
+                  <a:txBody>
+                    <a:bodyPr/>
+                    <a:lstStyle/>
+                    <a:p>
+                      <a:pPr>
+                        <a:lnSpc>
+                          <a:spcPct val="107000"/>
+                        </a:lnSpc>
+                        <a:spcAft>
+                          <a:spcPts val="0"/>
+                        </a:spcAft>
+                      </a:pPr>
+                      <a:r>
+                        <a:rPr lang="pl-PL" sz="1100"/>
+                        <a:t>System 80+</a:t>
+                      </a:r>
+                      <a:endParaRPr lang="pl-PL" sz="1100">
+                        <a:solidFill>
+                          <a:schemeClr val="tx1"/>
+                        </a:solidFill>
+                        <a:latin typeface="Calibri"/>
+                        <a:ea typeface="Calibri"/>
+                        <a:cs typeface="Times New Roman"/>
+                      </a:endParaRPr>
+                    </a:p>
+                  </a:txBody>
+                  <a:tcPr marL="68580" marR="68580" marT="0" marB="0"/>
+                </a:tc>
+                <a:tc>
+                  <a:txBody>
+                    <a:bodyPr/>
+                    <a:lstStyle/>
+                    <a:p>
+                      <a:pPr algn="ctr">
+                        <a:lnSpc>
+                          <a:spcPct val="107000"/>
+                        </a:lnSpc>
+                        <a:spcAft>
+                          <a:spcPts val="0"/>
+                        </a:spcAft>
+                      </a:pPr>
+                      <a:r>
+                        <a:rPr lang="pl-PL" sz="1100"/>
+                        <a:t>III</a:t>
+                      </a:r>
+                      <a:endParaRPr lang="pl-PL" sz="1100">
+                        <a:solidFill>
+                          <a:schemeClr val="tx1"/>
+                        </a:solidFill>
+                        <a:latin typeface="Calibri"/>
+                        <a:ea typeface="Calibri"/>
+                        <a:cs typeface="Times New Roman"/>
+                      </a:endParaRPr>
+                    </a:p>
+                  </a:txBody>
+                  <a:tcPr marL="68580" marR="68580" marT="0" marB="0"/>
+                </a:tc>
+                <a:tc>
+                  <a:txBody>
+                    <a:bodyPr/>
+                    <a:lstStyle/>
+                    <a:p>
+                      <a:pPr algn="ctr">
+                        <a:lnSpc>
+                          <a:spcPct val="107000"/>
+                        </a:lnSpc>
+                        <a:spcAft>
+                          <a:spcPts val="0"/>
+                        </a:spcAft>
+                      </a:pPr>
+                      <a:r>
+                        <a:rPr lang="pl-PL" sz="1100"/>
+                        <a:t>PWR</a:t>
+                      </a:r>
+                      <a:endParaRPr lang="pl-PL" sz="1100">
+                        <a:solidFill>
+                          <a:schemeClr val="tx1"/>
+                        </a:solidFill>
+                        <a:latin typeface="Calibri"/>
+                        <a:ea typeface="Calibri"/>
+                        <a:cs typeface="Times New Roman"/>
+                      </a:endParaRPr>
+                    </a:p>
+                  </a:txBody>
+                  <a:tcPr marL="68580" marR="68580" marT="0" marB="0"/>
+                </a:tc>
+                <a:tc>
+                  <a:txBody>
+                    <a:bodyPr/>
+                    <a:lstStyle/>
+                    <a:p>
+                      <a:pPr algn="ctr">
+                        <a:lnSpc>
+                          <a:spcPct val="107000"/>
+                        </a:lnSpc>
+                        <a:spcAft>
+                          <a:spcPts val="0"/>
+                        </a:spcAft>
+                      </a:pPr>
+                      <a:r>
+                        <a:rPr lang="pl-PL" sz="1100"/>
+                        <a:t>1300</a:t>
+                      </a:r>
+                      <a:endParaRPr lang="pl-PL" sz="1100">
+                        <a:solidFill>
+                          <a:schemeClr val="tx1"/>
+                        </a:solidFill>
+                        <a:latin typeface="Calibri"/>
+                        <a:ea typeface="Calibri"/>
+                        <a:cs typeface="Times New Roman"/>
+                      </a:endParaRPr>
+                    </a:p>
+                  </a:txBody>
+                  <a:tcPr marL="68580" marR="68580" marT="0" marB="0"/>
+                </a:tc>
+                <a:tc>
+                  <a:txBody>
+                    <a:bodyPr/>
+                    <a:lstStyle/>
+                    <a:p>
+                      <a:pPr algn="ctr">
+                        <a:lnSpc>
+                          <a:spcPct val="107000"/>
+                        </a:lnSpc>
+                        <a:spcAft>
+                          <a:spcPts val="0"/>
+                        </a:spcAft>
+                      </a:pPr>
+                      <a:r>
+                        <a:rPr lang="pl-PL" sz="1100"/>
+                        <a:t>USA/Korea Płd.</a:t>
+                      </a:r>
+                      <a:endParaRPr lang="pl-PL" sz="1100">
+                        <a:solidFill>
+                          <a:schemeClr val="tx1"/>
+                        </a:solidFill>
+                        <a:latin typeface="Calibri"/>
+                        <a:ea typeface="Calibri"/>
+                        <a:cs typeface="Times New Roman"/>
+                      </a:endParaRPr>
+                    </a:p>
+                  </a:txBody>
+                  <a:tcPr marL="68580" marR="68580" marT="0" marB="0"/>
+                </a:tc>
+              </a:tr>
+              <a:tr h="165735">
+                <a:tc>
+                  <a:txBody>
+                    <a:bodyPr/>
+                    <a:lstStyle/>
+                    <a:p>
+                      <a:pPr>
+                        <a:lnSpc>
+                          <a:spcPct val="107000"/>
+                        </a:lnSpc>
+                        <a:spcAft>
+                          <a:spcPts val="0"/>
+                        </a:spcAft>
+                      </a:pPr>
+                      <a:r>
+                        <a:rPr lang="pl-PL" sz="1100"/>
+                        <a:t>AHWR</a:t>
+                      </a:r>
+                      <a:endParaRPr lang="pl-PL" sz="1100">
+                        <a:solidFill>
+                          <a:schemeClr val="tx1"/>
+                        </a:solidFill>
+                        <a:latin typeface="Calibri"/>
+                        <a:ea typeface="Calibri"/>
+                        <a:cs typeface="Times New Roman"/>
+                      </a:endParaRPr>
+                    </a:p>
+                  </a:txBody>
+                  <a:tcPr marL="68580" marR="68580" marT="0" marB="0"/>
+                </a:tc>
+                <a:tc>
+                  <a:txBody>
+                    <a:bodyPr/>
+                    <a:lstStyle/>
+                    <a:p>
+                      <a:pPr algn="ctr">
+                        <a:lnSpc>
+                          <a:spcPct val="107000"/>
+                        </a:lnSpc>
+                        <a:spcAft>
+                          <a:spcPts val="0"/>
+                        </a:spcAft>
+                      </a:pPr>
+                      <a:r>
+                        <a:rPr lang="pl-PL" sz="1100" dirty="0"/>
+                        <a:t>III</a:t>
+                      </a:r>
+                      <a:endParaRPr lang="pl-PL" sz="1100" dirty="0">
+                        <a:solidFill>
+                          <a:schemeClr val="tx1"/>
+                        </a:solidFill>
+                        <a:latin typeface="Calibri"/>
+                        <a:ea typeface="Calibri"/>
+                        <a:cs typeface="Times New Roman"/>
+                      </a:endParaRPr>
+                    </a:p>
+                  </a:txBody>
+                  <a:tcPr marL="68580" marR="68580" marT="0" marB="0"/>
+                </a:tc>
+                <a:tc>
+                  <a:txBody>
+                    <a:bodyPr/>
+                    <a:lstStyle/>
+                    <a:p>
+                      <a:pPr algn="ctr">
+                        <a:lnSpc>
+                          <a:spcPct val="107000"/>
+                        </a:lnSpc>
+                        <a:spcAft>
+                          <a:spcPts val="0"/>
+                        </a:spcAft>
+                      </a:pPr>
+                      <a:r>
+                        <a:rPr lang="pl-PL" sz="1100"/>
+                        <a:t>PHWR</a:t>
+                      </a:r>
+                      <a:endParaRPr lang="pl-PL" sz="1100">
+                        <a:solidFill>
+                          <a:schemeClr val="tx1"/>
+                        </a:solidFill>
+                        <a:latin typeface="Calibri"/>
+                        <a:ea typeface="Calibri"/>
+                        <a:cs typeface="Times New Roman"/>
+                      </a:endParaRPr>
+                    </a:p>
+                  </a:txBody>
+                  <a:tcPr marL="68580" marR="68580" marT="0" marB="0"/>
+                </a:tc>
+                <a:tc>
+                  <a:txBody>
+                    <a:bodyPr/>
+                    <a:lstStyle/>
+                    <a:p>
+                      <a:pPr algn="ctr">
+                        <a:lnSpc>
+                          <a:spcPct val="107000"/>
+                        </a:lnSpc>
+                        <a:spcAft>
+                          <a:spcPts val="0"/>
+                        </a:spcAft>
+                      </a:pPr>
+                      <a:r>
+                        <a:rPr lang="pl-PL" sz="1100"/>
+                        <a:t>300</a:t>
+                      </a:r>
+                      <a:endParaRPr lang="pl-PL" sz="1100">
+                        <a:solidFill>
+                          <a:schemeClr val="tx1"/>
+                        </a:solidFill>
+                        <a:latin typeface="Calibri"/>
+                        <a:ea typeface="Calibri"/>
+                        <a:cs typeface="Times New Roman"/>
+                      </a:endParaRPr>
+                    </a:p>
+                  </a:txBody>
+                  <a:tcPr marL="68580" marR="68580" marT="0" marB="0"/>
+                </a:tc>
+                <a:tc>
+                  <a:txBody>
+                    <a:bodyPr/>
+                    <a:lstStyle/>
+                    <a:p>
+                      <a:pPr algn="ctr">
+                        <a:lnSpc>
+                          <a:spcPct val="107000"/>
+                        </a:lnSpc>
+                        <a:spcAft>
+                          <a:spcPts val="0"/>
+                        </a:spcAft>
+                      </a:pPr>
+                      <a:r>
+                        <a:rPr lang="pl-PL" sz="1100"/>
+                        <a:t>Indie</a:t>
+                      </a:r>
+                      <a:endParaRPr lang="pl-PL" sz="1100">
+                        <a:solidFill>
+                          <a:schemeClr val="tx1"/>
+                        </a:solidFill>
+                        <a:latin typeface="Calibri"/>
+                        <a:ea typeface="Calibri"/>
+                        <a:cs typeface="Times New Roman"/>
+                      </a:endParaRPr>
+                    </a:p>
+                  </a:txBody>
+                  <a:tcPr marL="68580" marR="68580" marT="0" marB="0"/>
+                </a:tc>
+              </a:tr>
+              <a:tr h="165735">
+                <a:tc>
+                  <a:txBody>
+                    <a:bodyPr/>
+                    <a:lstStyle/>
+                    <a:p>
+                      <a:pPr>
+                        <a:lnSpc>
+                          <a:spcPct val="107000"/>
+                        </a:lnSpc>
+                        <a:spcAft>
+                          <a:spcPts val="0"/>
+                        </a:spcAft>
+                      </a:pPr>
+                      <a:r>
+                        <a:rPr lang="pl-PL" sz="1100"/>
+                        <a:t>ACR-1000</a:t>
+                      </a:r>
+                      <a:endParaRPr lang="pl-PL" sz="1100">
+                        <a:solidFill>
+                          <a:schemeClr val="tx1"/>
+                        </a:solidFill>
+                        <a:latin typeface="Calibri"/>
+                        <a:ea typeface="Calibri"/>
+                        <a:cs typeface="Times New Roman"/>
+                      </a:endParaRPr>
+                    </a:p>
+                  </a:txBody>
+                  <a:tcPr marL="68580" marR="68580" marT="0" marB="0"/>
+                </a:tc>
+                <a:tc>
+                  <a:txBody>
+                    <a:bodyPr/>
+                    <a:lstStyle/>
+                    <a:p>
+                      <a:pPr algn="ctr">
+                        <a:lnSpc>
+                          <a:spcPct val="107000"/>
+                        </a:lnSpc>
+                        <a:spcAft>
+                          <a:spcPts val="0"/>
+                        </a:spcAft>
+                      </a:pPr>
+                      <a:r>
+                        <a:rPr lang="pl-PL" sz="1100" dirty="0"/>
+                        <a:t>III+</a:t>
+                      </a:r>
+                      <a:endParaRPr lang="pl-PL" sz="1100" dirty="0">
+                        <a:solidFill>
+                          <a:schemeClr val="tx1"/>
+                        </a:solidFill>
+                        <a:latin typeface="Calibri"/>
+                        <a:ea typeface="Calibri"/>
+                        <a:cs typeface="Times New Roman"/>
+                      </a:endParaRPr>
+                    </a:p>
+                  </a:txBody>
+                  <a:tcPr marL="68580" marR="68580" marT="0" marB="0"/>
+                </a:tc>
+                <a:tc>
+                  <a:txBody>
+                    <a:bodyPr/>
+                    <a:lstStyle/>
+                    <a:p>
+                      <a:pPr algn="ctr">
+                        <a:lnSpc>
+                          <a:spcPct val="107000"/>
+                        </a:lnSpc>
+                        <a:spcAft>
+                          <a:spcPts val="0"/>
+                        </a:spcAft>
+                      </a:pPr>
+                      <a:r>
+                        <a:rPr lang="pl-PL" sz="1100"/>
+                        <a:t>PHWR</a:t>
+                      </a:r>
+                      <a:endParaRPr lang="pl-PL" sz="1100">
+                        <a:solidFill>
+                          <a:schemeClr val="tx1"/>
+                        </a:solidFill>
+                        <a:latin typeface="Calibri"/>
+                        <a:ea typeface="Calibri"/>
+                        <a:cs typeface="Times New Roman"/>
+                      </a:endParaRPr>
+                    </a:p>
+                  </a:txBody>
+                  <a:tcPr marL="68580" marR="68580" marT="0" marB="0"/>
+                </a:tc>
+                <a:tc>
+                  <a:txBody>
+                    <a:bodyPr/>
+                    <a:lstStyle/>
+                    <a:p>
+                      <a:pPr algn="ctr">
+                        <a:lnSpc>
+                          <a:spcPct val="107000"/>
+                        </a:lnSpc>
+                        <a:spcAft>
+                          <a:spcPts val="0"/>
+                        </a:spcAft>
+                      </a:pPr>
+                      <a:r>
+                        <a:rPr lang="pl-PL" sz="1100"/>
+                        <a:t>1200</a:t>
+                      </a:r>
+                      <a:endParaRPr lang="pl-PL" sz="1100">
+                        <a:solidFill>
+                          <a:schemeClr val="tx1"/>
+                        </a:solidFill>
+                        <a:latin typeface="Calibri"/>
+                        <a:ea typeface="Calibri"/>
+                        <a:cs typeface="Times New Roman"/>
+                      </a:endParaRPr>
+                    </a:p>
+                  </a:txBody>
+                  <a:tcPr marL="68580" marR="68580" marT="0" marB="0"/>
+                </a:tc>
+                <a:tc>
+                  <a:txBody>
+                    <a:bodyPr/>
+                    <a:lstStyle/>
+                    <a:p>
+                      <a:pPr algn="ctr">
+                        <a:lnSpc>
+                          <a:spcPct val="107000"/>
+                        </a:lnSpc>
+                        <a:spcAft>
+                          <a:spcPts val="0"/>
+                        </a:spcAft>
+                      </a:pPr>
+                      <a:r>
+                        <a:rPr lang="pl-PL" sz="1100"/>
+                        <a:t>Kanada</a:t>
+                      </a:r>
+                      <a:endParaRPr lang="pl-PL" sz="1100">
+                        <a:solidFill>
+                          <a:schemeClr val="tx1"/>
+                        </a:solidFill>
+                        <a:latin typeface="Calibri"/>
+                        <a:ea typeface="Calibri"/>
+                        <a:cs typeface="Times New Roman"/>
+                      </a:endParaRPr>
+                    </a:p>
+                  </a:txBody>
+                  <a:tcPr marL="68580" marR="68580" marT="0" marB="0"/>
+                </a:tc>
+              </a:tr>
+              <a:tr h="165735">
+                <a:tc>
+                  <a:txBody>
+                    <a:bodyPr/>
+                    <a:lstStyle/>
+                    <a:p>
+                      <a:pPr>
+                        <a:lnSpc>
+                          <a:spcPct val="107000"/>
+                        </a:lnSpc>
+                        <a:spcAft>
+                          <a:spcPts val="0"/>
+                        </a:spcAft>
+                      </a:pPr>
+                      <a:r>
+                        <a:rPr lang="pl-PL" sz="1100"/>
+                        <a:t>AP1000</a:t>
+                      </a:r>
+                      <a:endParaRPr lang="pl-PL" sz="1100">
+                        <a:solidFill>
+                          <a:schemeClr val="tx1"/>
+                        </a:solidFill>
+                        <a:latin typeface="Calibri"/>
+                        <a:ea typeface="Calibri"/>
+                        <a:cs typeface="Times New Roman"/>
+                      </a:endParaRPr>
+                    </a:p>
+                  </a:txBody>
+                  <a:tcPr marL="68580" marR="68580" marT="0" marB="0"/>
+                </a:tc>
+                <a:tc>
+                  <a:txBody>
+                    <a:bodyPr/>
+                    <a:lstStyle/>
+                    <a:p>
+                      <a:pPr algn="ctr">
+                        <a:lnSpc>
+                          <a:spcPct val="107000"/>
+                        </a:lnSpc>
+                        <a:spcAft>
+                          <a:spcPts val="0"/>
+                        </a:spcAft>
+                      </a:pPr>
+                      <a:r>
+                        <a:rPr lang="pl-PL" sz="1100"/>
+                        <a:t>III+</a:t>
+                      </a:r>
+                      <a:endParaRPr lang="pl-PL" sz="1100">
+                        <a:solidFill>
+                          <a:schemeClr val="tx1"/>
+                        </a:solidFill>
+                        <a:latin typeface="Calibri"/>
+                        <a:ea typeface="Calibri"/>
+                        <a:cs typeface="Times New Roman"/>
+                      </a:endParaRPr>
+                    </a:p>
+                  </a:txBody>
+                  <a:tcPr marL="68580" marR="68580" marT="0" marB="0"/>
+                </a:tc>
+                <a:tc>
+                  <a:txBody>
+                    <a:bodyPr/>
+                    <a:lstStyle/>
+                    <a:p>
+                      <a:pPr algn="ctr">
+                        <a:lnSpc>
+                          <a:spcPct val="107000"/>
+                        </a:lnSpc>
+                        <a:spcAft>
+                          <a:spcPts val="0"/>
+                        </a:spcAft>
+                      </a:pPr>
+                      <a:r>
+                        <a:rPr lang="pl-PL" sz="1100" dirty="0"/>
+                        <a:t>PWR</a:t>
+                      </a:r>
+                      <a:endParaRPr lang="pl-PL" sz="1100" dirty="0">
+                        <a:solidFill>
+                          <a:schemeClr val="tx1"/>
+                        </a:solidFill>
+                        <a:latin typeface="Calibri"/>
+                        <a:ea typeface="Calibri"/>
+                        <a:cs typeface="Times New Roman"/>
+                      </a:endParaRPr>
+                    </a:p>
+                  </a:txBody>
+                  <a:tcPr marL="68580" marR="68580" marT="0" marB="0"/>
+                </a:tc>
+                <a:tc>
+                  <a:txBody>
+                    <a:bodyPr/>
+                    <a:lstStyle/>
+                    <a:p>
+                      <a:pPr algn="ctr">
+                        <a:lnSpc>
+                          <a:spcPct val="107000"/>
+                        </a:lnSpc>
+                        <a:spcAft>
+                          <a:spcPts val="0"/>
+                        </a:spcAft>
+                      </a:pPr>
+                      <a:r>
+                        <a:rPr lang="pl-PL" sz="1100"/>
+                        <a:t>1000</a:t>
+                      </a:r>
+                      <a:endParaRPr lang="pl-PL" sz="1100">
+                        <a:solidFill>
+                          <a:schemeClr val="tx1"/>
+                        </a:solidFill>
+                        <a:latin typeface="Calibri"/>
+                        <a:ea typeface="Calibri"/>
+                        <a:cs typeface="Times New Roman"/>
+                      </a:endParaRPr>
+                    </a:p>
+                  </a:txBody>
+                  <a:tcPr marL="68580" marR="68580" marT="0" marB="0"/>
+                </a:tc>
+                <a:tc>
+                  <a:txBody>
+                    <a:bodyPr/>
+                    <a:lstStyle/>
+                    <a:p>
+                      <a:pPr algn="ctr">
+                        <a:lnSpc>
+                          <a:spcPct val="107000"/>
+                        </a:lnSpc>
+                        <a:spcAft>
+                          <a:spcPts val="0"/>
+                        </a:spcAft>
+                      </a:pPr>
+                      <a:r>
+                        <a:rPr lang="pl-PL" sz="1100"/>
+                        <a:t>USA</a:t>
+                      </a:r>
+                      <a:endParaRPr lang="pl-PL" sz="1100">
+                        <a:solidFill>
+                          <a:schemeClr val="tx1"/>
+                        </a:solidFill>
+                        <a:latin typeface="Calibri"/>
+                        <a:ea typeface="Calibri"/>
+                        <a:cs typeface="Times New Roman"/>
+                      </a:endParaRPr>
+                    </a:p>
+                  </a:txBody>
+                  <a:tcPr marL="68580" marR="68580" marT="0" marB="0"/>
+                </a:tc>
+              </a:tr>
+              <a:tr h="165735">
+                <a:tc>
+                  <a:txBody>
+                    <a:bodyPr/>
+                    <a:lstStyle/>
+                    <a:p>
+                      <a:pPr>
+                        <a:lnSpc>
+                          <a:spcPct val="107000"/>
+                        </a:lnSpc>
+                        <a:spcAft>
+                          <a:spcPts val="0"/>
+                        </a:spcAft>
+                      </a:pPr>
+                      <a:r>
+                        <a:rPr lang="pl-PL" sz="1100"/>
+                        <a:t>ESBWR</a:t>
+                      </a:r>
+                      <a:endParaRPr lang="pl-PL" sz="1100">
+                        <a:solidFill>
+                          <a:schemeClr val="tx1"/>
+                        </a:solidFill>
+                        <a:latin typeface="Calibri"/>
+                        <a:ea typeface="Calibri"/>
+                        <a:cs typeface="Times New Roman"/>
+                      </a:endParaRPr>
+                    </a:p>
+                  </a:txBody>
+                  <a:tcPr marL="68580" marR="68580" marT="0" marB="0"/>
+                </a:tc>
+                <a:tc>
+                  <a:txBody>
+                    <a:bodyPr/>
+                    <a:lstStyle/>
+                    <a:p>
+                      <a:pPr algn="ctr">
+                        <a:lnSpc>
+                          <a:spcPct val="107000"/>
+                        </a:lnSpc>
+                        <a:spcAft>
+                          <a:spcPts val="0"/>
+                        </a:spcAft>
+                      </a:pPr>
+                      <a:r>
+                        <a:rPr lang="pl-PL" sz="1100"/>
+                        <a:t>III+</a:t>
+                      </a:r>
+                      <a:endParaRPr lang="pl-PL" sz="1100">
+                        <a:solidFill>
+                          <a:schemeClr val="tx1"/>
+                        </a:solidFill>
+                        <a:latin typeface="Calibri"/>
+                        <a:ea typeface="Calibri"/>
+                        <a:cs typeface="Times New Roman"/>
+                      </a:endParaRPr>
+                    </a:p>
+                  </a:txBody>
+                  <a:tcPr marL="68580" marR="68580" marT="0" marB="0"/>
+                </a:tc>
+                <a:tc>
+                  <a:txBody>
+                    <a:bodyPr/>
+                    <a:lstStyle/>
+                    <a:p>
+                      <a:pPr algn="ctr">
+                        <a:lnSpc>
+                          <a:spcPct val="107000"/>
+                        </a:lnSpc>
+                        <a:spcAft>
+                          <a:spcPts val="0"/>
+                        </a:spcAft>
+                      </a:pPr>
+                      <a:r>
+                        <a:rPr lang="pl-PL" sz="1100" dirty="0"/>
+                        <a:t>BWR</a:t>
+                      </a:r>
+                      <a:endParaRPr lang="pl-PL" sz="1100" dirty="0">
+                        <a:solidFill>
+                          <a:schemeClr val="tx1"/>
+                        </a:solidFill>
+                        <a:latin typeface="Calibri"/>
+                        <a:ea typeface="Calibri"/>
+                        <a:cs typeface="Times New Roman"/>
+                      </a:endParaRPr>
+                    </a:p>
+                  </a:txBody>
+                  <a:tcPr marL="68580" marR="68580" marT="0" marB="0"/>
+                </a:tc>
+                <a:tc>
+                  <a:txBody>
+                    <a:bodyPr/>
+                    <a:lstStyle/>
+                    <a:p>
+                      <a:pPr algn="ctr">
+                        <a:lnSpc>
+                          <a:spcPct val="107000"/>
+                        </a:lnSpc>
+                        <a:spcAft>
+                          <a:spcPts val="0"/>
+                        </a:spcAft>
+                      </a:pPr>
+                      <a:r>
+                        <a:rPr lang="pl-PL" sz="1100"/>
+                        <a:t>1520</a:t>
+                      </a:r>
+                      <a:endParaRPr lang="pl-PL" sz="1100">
+                        <a:solidFill>
+                          <a:schemeClr val="tx1"/>
+                        </a:solidFill>
+                        <a:latin typeface="Calibri"/>
+                        <a:ea typeface="Calibri"/>
+                        <a:cs typeface="Times New Roman"/>
+                      </a:endParaRPr>
+                    </a:p>
+                  </a:txBody>
+                  <a:tcPr marL="68580" marR="68580" marT="0" marB="0"/>
+                </a:tc>
+                <a:tc>
+                  <a:txBody>
+                    <a:bodyPr/>
+                    <a:lstStyle/>
+                    <a:p>
+                      <a:pPr algn="ctr">
+                        <a:lnSpc>
+                          <a:spcPct val="107000"/>
+                        </a:lnSpc>
+                        <a:spcAft>
+                          <a:spcPts val="0"/>
+                        </a:spcAft>
+                      </a:pPr>
+                      <a:r>
+                        <a:rPr lang="pl-PL" sz="1100"/>
+                        <a:t>USA</a:t>
+                      </a:r>
+                      <a:endParaRPr lang="pl-PL" sz="1100">
+                        <a:solidFill>
+                          <a:schemeClr val="tx1"/>
+                        </a:solidFill>
+                        <a:latin typeface="Calibri"/>
+                        <a:ea typeface="Calibri"/>
+                        <a:cs typeface="Times New Roman"/>
+                      </a:endParaRPr>
+                    </a:p>
+                  </a:txBody>
+                  <a:tcPr marL="68580" marR="68580" marT="0" marB="0"/>
+                </a:tc>
+              </a:tr>
+              <a:tr h="165735">
+                <a:tc>
+                  <a:txBody>
+                    <a:bodyPr/>
+                    <a:lstStyle/>
+                    <a:p>
+                      <a:pPr>
+                        <a:lnSpc>
+                          <a:spcPct val="107000"/>
+                        </a:lnSpc>
+                        <a:spcAft>
+                          <a:spcPts val="0"/>
+                        </a:spcAft>
+                      </a:pPr>
+                      <a:r>
+                        <a:rPr lang="pl-PL" sz="1100"/>
+                        <a:t>EPR</a:t>
+                      </a:r>
+                      <a:endParaRPr lang="pl-PL" sz="1100">
+                        <a:solidFill>
+                          <a:schemeClr val="tx1"/>
+                        </a:solidFill>
+                        <a:latin typeface="Calibri"/>
+                        <a:ea typeface="Calibri"/>
+                        <a:cs typeface="Times New Roman"/>
+                      </a:endParaRPr>
+                    </a:p>
+                  </a:txBody>
+                  <a:tcPr marL="68580" marR="68580" marT="0" marB="0"/>
+                </a:tc>
+                <a:tc>
+                  <a:txBody>
+                    <a:bodyPr/>
+                    <a:lstStyle/>
+                    <a:p>
+                      <a:pPr algn="ctr">
+                        <a:lnSpc>
+                          <a:spcPct val="107000"/>
+                        </a:lnSpc>
+                        <a:spcAft>
+                          <a:spcPts val="0"/>
+                        </a:spcAft>
+                      </a:pPr>
+                      <a:r>
+                        <a:rPr lang="pl-PL" sz="1100"/>
+                        <a:t>III+</a:t>
+                      </a:r>
+                      <a:endParaRPr lang="pl-PL" sz="1100">
+                        <a:solidFill>
+                          <a:schemeClr val="tx1"/>
+                        </a:solidFill>
+                        <a:latin typeface="Calibri"/>
+                        <a:ea typeface="Calibri"/>
+                        <a:cs typeface="Times New Roman"/>
+                      </a:endParaRPr>
+                    </a:p>
+                  </a:txBody>
+                  <a:tcPr marL="68580" marR="68580" marT="0" marB="0"/>
+                </a:tc>
+                <a:tc>
+                  <a:txBody>
+                    <a:bodyPr/>
+                    <a:lstStyle/>
+                    <a:p>
+                      <a:pPr algn="ctr">
+                        <a:lnSpc>
+                          <a:spcPct val="107000"/>
+                        </a:lnSpc>
+                        <a:spcAft>
+                          <a:spcPts val="0"/>
+                        </a:spcAft>
+                      </a:pPr>
+                      <a:r>
+                        <a:rPr lang="pl-PL" sz="1100" dirty="0"/>
+                        <a:t>PWR</a:t>
+                      </a:r>
+                      <a:endParaRPr lang="pl-PL" sz="1100" dirty="0">
+                        <a:solidFill>
+                          <a:schemeClr val="tx1"/>
+                        </a:solidFill>
+                        <a:latin typeface="Calibri"/>
+                        <a:ea typeface="Calibri"/>
+                        <a:cs typeface="Times New Roman"/>
+                      </a:endParaRPr>
+                    </a:p>
+                  </a:txBody>
+                  <a:tcPr marL="68580" marR="68580" marT="0" marB="0"/>
+                </a:tc>
+                <a:tc>
+                  <a:txBody>
+                    <a:bodyPr/>
+                    <a:lstStyle/>
+                    <a:p>
+                      <a:pPr algn="ctr">
+                        <a:lnSpc>
+                          <a:spcPct val="107000"/>
+                        </a:lnSpc>
+                        <a:spcAft>
+                          <a:spcPts val="0"/>
+                        </a:spcAft>
+                      </a:pPr>
+                      <a:r>
+                        <a:rPr lang="pl-PL" sz="1100"/>
+                        <a:t>1650</a:t>
+                      </a:r>
+                      <a:endParaRPr lang="pl-PL" sz="1100">
+                        <a:solidFill>
+                          <a:schemeClr val="tx1"/>
+                        </a:solidFill>
+                        <a:latin typeface="Calibri"/>
+                        <a:ea typeface="Calibri"/>
+                        <a:cs typeface="Times New Roman"/>
+                      </a:endParaRPr>
+                    </a:p>
+                  </a:txBody>
+                  <a:tcPr marL="68580" marR="68580" marT="0" marB="0"/>
+                </a:tc>
+                <a:tc>
+                  <a:txBody>
+                    <a:bodyPr/>
+                    <a:lstStyle/>
+                    <a:p>
+                      <a:pPr algn="ctr">
+                        <a:lnSpc>
+                          <a:spcPct val="107000"/>
+                        </a:lnSpc>
+                        <a:spcAft>
+                          <a:spcPts val="0"/>
+                        </a:spcAft>
+                      </a:pPr>
+                      <a:r>
+                        <a:rPr lang="pl-PL" sz="1100"/>
+                        <a:t>Francja/Niemcy</a:t>
+                      </a:r>
+                      <a:endParaRPr lang="pl-PL" sz="1100">
+                        <a:solidFill>
+                          <a:schemeClr val="tx1"/>
+                        </a:solidFill>
+                        <a:latin typeface="Calibri"/>
+                        <a:ea typeface="Calibri"/>
+                        <a:cs typeface="Times New Roman"/>
+                      </a:endParaRPr>
+                    </a:p>
+                  </a:txBody>
+                  <a:tcPr marL="68580" marR="68580" marT="0" marB="0"/>
+                </a:tc>
+              </a:tr>
+              <a:tr h="165735">
+                <a:tc>
+                  <a:txBody>
+                    <a:bodyPr/>
+                    <a:lstStyle/>
+                    <a:p>
+                      <a:pPr>
+                        <a:lnSpc>
+                          <a:spcPct val="107000"/>
+                        </a:lnSpc>
+                        <a:spcAft>
+                          <a:spcPts val="0"/>
+                        </a:spcAft>
+                      </a:pPr>
+                      <a:r>
+                        <a:rPr lang="pl-PL" sz="1100"/>
+                        <a:t>APR1400</a:t>
+                      </a:r>
+                      <a:endParaRPr lang="pl-PL" sz="1100">
+                        <a:solidFill>
+                          <a:schemeClr val="tx1"/>
+                        </a:solidFill>
+                        <a:latin typeface="Calibri"/>
+                        <a:ea typeface="Calibri"/>
+                        <a:cs typeface="Times New Roman"/>
+                      </a:endParaRPr>
+                    </a:p>
+                  </a:txBody>
+                  <a:tcPr marL="68580" marR="68580" marT="0" marB="0"/>
+                </a:tc>
+                <a:tc>
+                  <a:txBody>
+                    <a:bodyPr/>
+                    <a:lstStyle/>
+                    <a:p>
+                      <a:pPr algn="ctr">
+                        <a:lnSpc>
+                          <a:spcPct val="107000"/>
+                        </a:lnSpc>
+                        <a:spcAft>
+                          <a:spcPts val="0"/>
+                        </a:spcAft>
+                      </a:pPr>
+                      <a:r>
+                        <a:rPr lang="pl-PL" sz="1100"/>
+                        <a:t>III+</a:t>
+                      </a:r>
+                      <a:endParaRPr lang="pl-PL" sz="1100">
+                        <a:solidFill>
+                          <a:schemeClr val="tx1"/>
+                        </a:solidFill>
+                        <a:latin typeface="Calibri"/>
+                        <a:ea typeface="Calibri"/>
+                        <a:cs typeface="Times New Roman"/>
+                      </a:endParaRPr>
+                    </a:p>
+                  </a:txBody>
+                  <a:tcPr marL="68580" marR="68580" marT="0" marB="0"/>
+                </a:tc>
+                <a:tc>
+                  <a:txBody>
+                    <a:bodyPr/>
+                    <a:lstStyle/>
+                    <a:p>
+                      <a:pPr algn="ctr">
+                        <a:lnSpc>
+                          <a:spcPct val="107000"/>
+                        </a:lnSpc>
+                        <a:spcAft>
+                          <a:spcPts val="0"/>
+                        </a:spcAft>
+                      </a:pPr>
+                      <a:r>
+                        <a:rPr lang="pl-PL" sz="1100"/>
+                        <a:t>PWR</a:t>
+                      </a:r>
+                      <a:endParaRPr lang="pl-PL" sz="1100">
+                        <a:solidFill>
+                          <a:schemeClr val="tx1"/>
+                        </a:solidFill>
+                        <a:latin typeface="Calibri"/>
+                        <a:ea typeface="Calibri"/>
+                        <a:cs typeface="Times New Roman"/>
+                      </a:endParaRPr>
+                    </a:p>
+                  </a:txBody>
+                  <a:tcPr marL="68580" marR="68580" marT="0" marB="0"/>
+                </a:tc>
+                <a:tc>
+                  <a:txBody>
+                    <a:bodyPr/>
+                    <a:lstStyle/>
+                    <a:p>
+                      <a:pPr algn="ctr">
+                        <a:lnSpc>
+                          <a:spcPct val="107000"/>
+                        </a:lnSpc>
+                        <a:spcAft>
+                          <a:spcPts val="0"/>
+                        </a:spcAft>
+                      </a:pPr>
+                      <a:r>
+                        <a:rPr lang="pl-PL" sz="1100" dirty="0"/>
+                        <a:t>1300</a:t>
+                      </a:r>
+                      <a:endParaRPr lang="pl-PL" sz="1100" dirty="0">
+                        <a:solidFill>
+                          <a:schemeClr val="tx1"/>
+                        </a:solidFill>
+                        <a:latin typeface="Calibri"/>
+                        <a:ea typeface="Calibri"/>
+                        <a:cs typeface="Times New Roman"/>
+                      </a:endParaRPr>
+                    </a:p>
+                  </a:txBody>
+                  <a:tcPr marL="68580" marR="68580" marT="0" marB="0"/>
+                </a:tc>
+                <a:tc>
+                  <a:txBody>
+                    <a:bodyPr/>
+                    <a:lstStyle/>
+                    <a:p>
+                      <a:pPr algn="ctr">
+                        <a:lnSpc>
+                          <a:spcPct val="107000"/>
+                        </a:lnSpc>
+                        <a:spcAft>
+                          <a:spcPts val="0"/>
+                        </a:spcAft>
+                      </a:pPr>
+                      <a:r>
+                        <a:rPr lang="pl-PL" sz="1100"/>
+                        <a:t>USA/Korea Płd.</a:t>
+                      </a:r>
+                      <a:endParaRPr lang="pl-PL" sz="1100">
+                        <a:solidFill>
+                          <a:schemeClr val="tx1"/>
+                        </a:solidFill>
+                        <a:latin typeface="Calibri"/>
+                        <a:ea typeface="Calibri"/>
+                        <a:cs typeface="Times New Roman"/>
+                      </a:endParaRPr>
+                    </a:p>
+                  </a:txBody>
+                  <a:tcPr marL="68580" marR="68580" marT="0" marB="0"/>
+                </a:tc>
+              </a:tr>
+              <a:tr h="165735">
+                <a:tc>
+                  <a:txBody>
+                    <a:bodyPr/>
+                    <a:lstStyle/>
+                    <a:p>
+                      <a:pPr>
+                        <a:lnSpc>
+                          <a:spcPct val="107000"/>
+                        </a:lnSpc>
+                        <a:spcAft>
+                          <a:spcPts val="0"/>
+                        </a:spcAft>
+                      </a:pPr>
+                      <a:r>
+                        <a:rPr lang="pl-PL" sz="1100"/>
+                        <a:t>VVER-1200</a:t>
+                      </a:r>
+                      <a:endParaRPr lang="pl-PL" sz="1100">
+                        <a:solidFill>
+                          <a:schemeClr val="tx1"/>
+                        </a:solidFill>
+                        <a:latin typeface="Calibri"/>
+                        <a:ea typeface="Calibri"/>
+                        <a:cs typeface="Times New Roman"/>
+                      </a:endParaRPr>
+                    </a:p>
+                  </a:txBody>
+                  <a:tcPr marL="68580" marR="68580" marT="0" marB="0"/>
+                </a:tc>
+                <a:tc>
+                  <a:txBody>
+                    <a:bodyPr/>
+                    <a:lstStyle/>
+                    <a:p>
+                      <a:pPr algn="ctr">
+                        <a:lnSpc>
+                          <a:spcPct val="107000"/>
+                        </a:lnSpc>
+                        <a:spcAft>
+                          <a:spcPts val="0"/>
+                        </a:spcAft>
+                      </a:pPr>
+                      <a:r>
+                        <a:rPr lang="pl-PL" sz="1100"/>
+                        <a:t>III+</a:t>
+                      </a:r>
+                      <a:endParaRPr lang="pl-PL" sz="1100">
+                        <a:solidFill>
+                          <a:schemeClr val="tx1"/>
+                        </a:solidFill>
+                        <a:latin typeface="Calibri"/>
+                        <a:ea typeface="Calibri"/>
+                        <a:cs typeface="Times New Roman"/>
+                      </a:endParaRPr>
+                    </a:p>
+                  </a:txBody>
+                  <a:tcPr marL="68580" marR="68580" marT="0" marB="0"/>
+                </a:tc>
+                <a:tc>
+                  <a:txBody>
+                    <a:bodyPr/>
+                    <a:lstStyle/>
+                    <a:p>
+                      <a:pPr algn="ctr">
+                        <a:lnSpc>
+                          <a:spcPct val="107000"/>
+                        </a:lnSpc>
+                        <a:spcAft>
+                          <a:spcPts val="0"/>
+                        </a:spcAft>
+                      </a:pPr>
+                      <a:r>
+                        <a:rPr lang="pl-PL" sz="1100"/>
+                        <a:t>PWR</a:t>
+                      </a:r>
+                      <a:endParaRPr lang="pl-PL" sz="1100">
+                        <a:solidFill>
+                          <a:schemeClr val="tx1"/>
+                        </a:solidFill>
+                        <a:latin typeface="Calibri"/>
+                        <a:ea typeface="Calibri"/>
+                        <a:cs typeface="Times New Roman"/>
+                      </a:endParaRPr>
+                    </a:p>
+                  </a:txBody>
+                  <a:tcPr marL="68580" marR="68580" marT="0" marB="0"/>
+                </a:tc>
+                <a:tc>
+                  <a:txBody>
+                    <a:bodyPr/>
+                    <a:lstStyle/>
+                    <a:p>
+                      <a:pPr algn="ctr">
+                        <a:lnSpc>
+                          <a:spcPct val="107000"/>
+                        </a:lnSpc>
+                        <a:spcAft>
+                          <a:spcPts val="0"/>
+                        </a:spcAft>
+                      </a:pPr>
+                      <a:r>
+                        <a:rPr lang="pl-PL" sz="1100" dirty="0"/>
+                        <a:t>1200</a:t>
+                      </a:r>
+                      <a:endParaRPr lang="pl-PL" sz="1100" dirty="0">
+                        <a:solidFill>
+                          <a:schemeClr val="tx1"/>
+                        </a:solidFill>
+                        <a:latin typeface="Calibri"/>
+                        <a:ea typeface="Calibri"/>
+                        <a:cs typeface="Times New Roman"/>
+                      </a:endParaRPr>
+                    </a:p>
+                  </a:txBody>
+                  <a:tcPr marL="68580" marR="68580" marT="0" marB="0"/>
+                </a:tc>
+                <a:tc>
+                  <a:txBody>
+                    <a:bodyPr/>
+                    <a:lstStyle/>
+                    <a:p>
+                      <a:pPr algn="ctr">
+                        <a:lnSpc>
+                          <a:spcPct val="107000"/>
+                        </a:lnSpc>
+                        <a:spcAft>
+                          <a:spcPts val="0"/>
+                        </a:spcAft>
+                      </a:pPr>
+                      <a:r>
+                        <a:rPr lang="pl-PL" sz="1100"/>
+                        <a:t>Rosja</a:t>
+                      </a:r>
+                      <a:endParaRPr lang="pl-PL" sz="1100">
+                        <a:solidFill>
+                          <a:schemeClr val="tx1"/>
+                        </a:solidFill>
+                        <a:latin typeface="Calibri"/>
+                        <a:ea typeface="Calibri"/>
+                        <a:cs typeface="Times New Roman"/>
+                      </a:endParaRPr>
+                    </a:p>
+                  </a:txBody>
+                  <a:tcPr marL="68580" marR="68580" marT="0" marB="0"/>
+                </a:tc>
+              </a:tr>
+              <a:tr h="165735">
+                <a:tc>
+                  <a:txBody>
+                    <a:bodyPr/>
+                    <a:lstStyle/>
+                    <a:p>
+                      <a:pPr>
+                        <a:lnSpc>
+                          <a:spcPct val="107000"/>
+                        </a:lnSpc>
+                        <a:spcAft>
+                          <a:spcPts val="0"/>
+                        </a:spcAft>
+                      </a:pPr>
+                      <a:r>
+                        <a:rPr lang="pl-PL" sz="1100"/>
+                        <a:t>VVER-1300</a:t>
+                      </a:r>
+                      <a:endParaRPr lang="pl-PL" sz="1100">
+                        <a:solidFill>
+                          <a:schemeClr val="tx1"/>
+                        </a:solidFill>
+                        <a:latin typeface="Calibri"/>
+                        <a:ea typeface="Calibri"/>
+                        <a:cs typeface="Times New Roman"/>
+                      </a:endParaRPr>
+                    </a:p>
+                  </a:txBody>
+                  <a:tcPr marL="68580" marR="68580" marT="0" marB="0"/>
+                </a:tc>
+                <a:tc>
+                  <a:txBody>
+                    <a:bodyPr/>
+                    <a:lstStyle/>
+                    <a:p>
+                      <a:pPr algn="ctr">
+                        <a:lnSpc>
+                          <a:spcPct val="107000"/>
+                        </a:lnSpc>
+                        <a:spcAft>
+                          <a:spcPts val="0"/>
+                        </a:spcAft>
+                      </a:pPr>
+                      <a:r>
+                        <a:rPr lang="pl-PL" sz="1100"/>
+                        <a:t>III+</a:t>
+                      </a:r>
+                      <a:endParaRPr lang="pl-PL" sz="1100">
+                        <a:solidFill>
+                          <a:schemeClr val="tx1"/>
+                        </a:solidFill>
+                        <a:latin typeface="Calibri"/>
+                        <a:ea typeface="Calibri"/>
+                        <a:cs typeface="Times New Roman"/>
+                      </a:endParaRPr>
+                    </a:p>
+                  </a:txBody>
+                  <a:tcPr marL="68580" marR="68580" marT="0" marB="0"/>
+                </a:tc>
+                <a:tc>
+                  <a:txBody>
+                    <a:bodyPr/>
+                    <a:lstStyle/>
+                    <a:p>
+                      <a:pPr algn="ctr">
+                        <a:lnSpc>
+                          <a:spcPct val="107000"/>
+                        </a:lnSpc>
+                        <a:spcAft>
+                          <a:spcPts val="0"/>
+                        </a:spcAft>
+                      </a:pPr>
+                      <a:r>
+                        <a:rPr lang="pl-PL" sz="1100"/>
+                        <a:t>PWR</a:t>
+                      </a:r>
+                      <a:endParaRPr lang="pl-PL" sz="1100">
+                        <a:solidFill>
+                          <a:schemeClr val="tx1"/>
+                        </a:solidFill>
+                        <a:latin typeface="Calibri"/>
+                        <a:ea typeface="Calibri"/>
+                        <a:cs typeface="Times New Roman"/>
+                      </a:endParaRPr>
+                    </a:p>
+                  </a:txBody>
+                  <a:tcPr marL="68580" marR="68580" marT="0" marB="0"/>
+                </a:tc>
+                <a:tc>
+                  <a:txBody>
+                    <a:bodyPr/>
+                    <a:lstStyle/>
+                    <a:p>
+                      <a:pPr algn="ctr">
+                        <a:lnSpc>
+                          <a:spcPct val="107000"/>
+                        </a:lnSpc>
+                        <a:spcAft>
+                          <a:spcPts val="0"/>
+                        </a:spcAft>
+                      </a:pPr>
+                      <a:r>
+                        <a:rPr lang="pl-PL" sz="1100" dirty="0"/>
+                        <a:t>1255</a:t>
+                      </a:r>
+                      <a:endParaRPr lang="pl-PL" sz="1100" dirty="0">
+                        <a:solidFill>
+                          <a:schemeClr val="tx1"/>
+                        </a:solidFill>
+                        <a:latin typeface="Calibri"/>
+                        <a:ea typeface="Calibri"/>
+                        <a:cs typeface="Times New Roman"/>
+                      </a:endParaRPr>
+                    </a:p>
+                  </a:txBody>
+                  <a:tcPr marL="68580" marR="68580" marT="0" marB="0"/>
+                </a:tc>
+                <a:tc>
+                  <a:txBody>
+                    <a:bodyPr/>
+                    <a:lstStyle/>
+                    <a:p>
+                      <a:pPr algn="ctr">
+                        <a:lnSpc>
+                          <a:spcPct val="107000"/>
+                        </a:lnSpc>
+                        <a:spcAft>
+                          <a:spcPts val="0"/>
+                        </a:spcAft>
+                      </a:pPr>
+                      <a:r>
+                        <a:rPr lang="pl-PL" sz="1100"/>
+                        <a:t>Rosja</a:t>
+                      </a:r>
+                      <a:endParaRPr lang="pl-PL" sz="1100">
+                        <a:solidFill>
+                          <a:schemeClr val="tx1"/>
+                        </a:solidFill>
+                        <a:latin typeface="Calibri"/>
+                        <a:ea typeface="Calibri"/>
+                        <a:cs typeface="Times New Roman"/>
+                      </a:endParaRPr>
+                    </a:p>
+                  </a:txBody>
+                  <a:tcPr marL="68580" marR="68580" marT="0" marB="0"/>
+                </a:tc>
+              </a:tr>
+              <a:tr h="165735">
+                <a:tc>
+                  <a:txBody>
+                    <a:bodyPr/>
+                    <a:lstStyle/>
+                    <a:p>
+                      <a:pPr>
+                        <a:lnSpc>
+                          <a:spcPct val="107000"/>
+                        </a:lnSpc>
+                        <a:spcAft>
+                          <a:spcPts val="0"/>
+                        </a:spcAft>
+                      </a:pPr>
+                      <a:r>
+                        <a:rPr lang="pl-PL" sz="1100"/>
+                        <a:t>EU-ABWR</a:t>
+                      </a:r>
+                      <a:endParaRPr lang="pl-PL" sz="1100">
+                        <a:solidFill>
+                          <a:schemeClr val="tx1"/>
+                        </a:solidFill>
+                        <a:latin typeface="Calibri"/>
+                        <a:ea typeface="Calibri"/>
+                        <a:cs typeface="Times New Roman"/>
+                      </a:endParaRPr>
+                    </a:p>
+                  </a:txBody>
+                  <a:tcPr marL="68580" marR="68580" marT="0" marB="0"/>
+                </a:tc>
+                <a:tc>
+                  <a:txBody>
+                    <a:bodyPr/>
+                    <a:lstStyle/>
+                    <a:p>
+                      <a:pPr algn="ctr">
+                        <a:lnSpc>
+                          <a:spcPct val="107000"/>
+                        </a:lnSpc>
+                        <a:spcAft>
+                          <a:spcPts val="0"/>
+                        </a:spcAft>
+                      </a:pPr>
+                      <a:r>
+                        <a:rPr lang="pl-PL" sz="1100"/>
+                        <a:t>III+</a:t>
+                      </a:r>
+                      <a:endParaRPr lang="pl-PL" sz="1100">
+                        <a:solidFill>
+                          <a:schemeClr val="tx1"/>
+                        </a:solidFill>
+                        <a:latin typeface="Calibri"/>
+                        <a:ea typeface="Calibri"/>
+                        <a:cs typeface="Times New Roman"/>
+                      </a:endParaRPr>
+                    </a:p>
+                  </a:txBody>
+                  <a:tcPr marL="68580" marR="68580" marT="0" marB="0"/>
+                </a:tc>
+                <a:tc>
+                  <a:txBody>
+                    <a:bodyPr/>
+                    <a:lstStyle/>
+                    <a:p>
+                      <a:pPr algn="ctr">
+                        <a:lnSpc>
+                          <a:spcPct val="107000"/>
+                        </a:lnSpc>
+                        <a:spcAft>
+                          <a:spcPts val="0"/>
+                        </a:spcAft>
+                      </a:pPr>
+                      <a:r>
+                        <a:rPr lang="pl-PL" sz="1100"/>
+                        <a:t>BWR</a:t>
+                      </a:r>
+                      <a:endParaRPr lang="pl-PL" sz="1100">
+                        <a:solidFill>
+                          <a:schemeClr val="tx1"/>
+                        </a:solidFill>
+                        <a:latin typeface="Calibri"/>
+                        <a:ea typeface="Calibri"/>
+                        <a:cs typeface="Times New Roman"/>
+                      </a:endParaRPr>
+                    </a:p>
+                  </a:txBody>
+                  <a:tcPr marL="68580" marR="68580" marT="0" marB="0"/>
+                </a:tc>
+                <a:tc>
+                  <a:txBody>
+                    <a:bodyPr/>
+                    <a:lstStyle/>
+                    <a:p>
+                      <a:pPr algn="ctr">
+                        <a:lnSpc>
+                          <a:spcPct val="107000"/>
+                        </a:lnSpc>
+                        <a:spcAft>
+                          <a:spcPts val="0"/>
+                        </a:spcAft>
+                      </a:pPr>
+                      <a:r>
+                        <a:rPr lang="pl-PL" sz="1100"/>
+                        <a:t>1600</a:t>
+                      </a:r>
+                      <a:endParaRPr lang="pl-PL" sz="1100">
+                        <a:solidFill>
+                          <a:schemeClr val="tx1"/>
+                        </a:solidFill>
+                        <a:latin typeface="Calibri"/>
+                        <a:ea typeface="Calibri"/>
+                        <a:cs typeface="Times New Roman"/>
+                      </a:endParaRPr>
+                    </a:p>
+                  </a:txBody>
+                  <a:tcPr marL="68580" marR="68580" marT="0" marB="0"/>
+                </a:tc>
+                <a:tc>
+                  <a:txBody>
+                    <a:bodyPr/>
+                    <a:lstStyle/>
+                    <a:p>
+                      <a:pPr algn="ctr">
+                        <a:lnSpc>
+                          <a:spcPct val="107000"/>
+                        </a:lnSpc>
+                        <a:spcAft>
+                          <a:spcPts val="0"/>
+                        </a:spcAft>
+                      </a:pPr>
+                      <a:r>
+                        <a:rPr lang="pl-PL" sz="1100" dirty="0"/>
+                        <a:t>Japonia</a:t>
+                      </a:r>
+                      <a:endParaRPr lang="pl-PL" sz="1100" dirty="0">
+                        <a:solidFill>
+                          <a:schemeClr val="tx1"/>
+                        </a:solidFill>
+                        <a:latin typeface="Calibri"/>
+                        <a:ea typeface="Calibri"/>
+                        <a:cs typeface="Times New Roman"/>
+                      </a:endParaRPr>
+                    </a:p>
+                  </a:txBody>
+                  <a:tcPr marL="68580" marR="68580" marT="0" marB="0"/>
+                </a:tc>
+              </a:tr>
+              <a:tr h="165735">
+                <a:tc>
+                  <a:txBody>
+                    <a:bodyPr/>
+                    <a:lstStyle/>
+                    <a:p>
+                      <a:pPr>
+                        <a:lnSpc>
+                          <a:spcPct val="107000"/>
+                        </a:lnSpc>
+                        <a:spcAft>
+                          <a:spcPts val="0"/>
+                        </a:spcAft>
+                      </a:pPr>
+                      <a:r>
+                        <a:rPr lang="pl-PL" sz="1100" dirty="0" err="1"/>
+                        <a:t>B&amp;W</a:t>
+                      </a:r>
+                      <a:r>
+                        <a:rPr lang="pl-PL" sz="1100" dirty="0"/>
+                        <a:t> </a:t>
+                      </a:r>
+                      <a:r>
+                        <a:rPr lang="pl-PL" sz="1100" dirty="0" err="1"/>
+                        <a:t>mPower</a:t>
+                      </a:r>
+                      <a:endParaRPr lang="pl-PL" sz="1100" dirty="0">
+                        <a:solidFill>
+                          <a:schemeClr val="tx1"/>
+                        </a:solidFill>
+                        <a:latin typeface="Calibri"/>
+                        <a:ea typeface="Calibri"/>
+                        <a:cs typeface="Times New Roman"/>
+                      </a:endParaRPr>
+                    </a:p>
+                  </a:txBody>
+                  <a:tcPr marL="68580" marR="68580" marT="0" marB="0">
+                    <a:lnB w="12700" cap="flat" cmpd="sng" algn="ctr">
+                      <a:solidFill>
+                        <a:schemeClr val="tx1"/>
+                      </a:solidFill>
+                      <a:prstDash val="solid"/>
+                      <a:round/>
+                      <a:headEnd type="none" w="med" len="med"/>
+                      <a:tailEnd type="none" w="med" len="med"/>
+                    </a:lnB>
+                  </a:tcPr>
+                </a:tc>
+                <a:tc>
+                  <a:txBody>
+                    <a:bodyPr/>
+                    <a:lstStyle/>
+                    <a:p>
+                      <a:pPr algn="ctr">
+                        <a:lnSpc>
+                          <a:spcPct val="107000"/>
+                        </a:lnSpc>
+                        <a:spcAft>
+                          <a:spcPts val="0"/>
+                        </a:spcAft>
+                      </a:pPr>
+                      <a:r>
+                        <a:rPr lang="pl-PL" sz="1100"/>
+                        <a:t>III++</a:t>
+                      </a:r>
+                      <a:endParaRPr lang="pl-PL" sz="1100">
+                        <a:solidFill>
+                          <a:schemeClr val="tx1"/>
+                        </a:solidFill>
+                        <a:latin typeface="Calibri"/>
+                        <a:ea typeface="Calibri"/>
+                        <a:cs typeface="Times New Roman"/>
+                      </a:endParaRPr>
+                    </a:p>
+                  </a:txBody>
+                  <a:tcPr marL="68580" marR="68580" marT="0" marB="0">
+                    <a:lnB w="12700" cap="flat" cmpd="sng" algn="ctr">
+                      <a:solidFill>
+                        <a:schemeClr val="tx1"/>
+                      </a:solidFill>
+                      <a:prstDash val="solid"/>
+                      <a:round/>
+                      <a:headEnd type="none" w="med" len="med"/>
+                      <a:tailEnd type="none" w="med" len="med"/>
+                    </a:lnB>
+                  </a:tcPr>
+                </a:tc>
+                <a:tc>
+                  <a:txBody>
+                    <a:bodyPr/>
+                    <a:lstStyle/>
+                    <a:p>
+                      <a:pPr algn="ctr">
+                        <a:lnSpc>
+                          <a:spcPct val="107000"/>
+                        </a:lnSpc>
+                        <a:spcAft>
+                          <a:spcPts val="0"/>
+                        </a:spcAft>
+                      </a:pPr>
+                      <a:r>
+                        <a:rPr lang="pl-PL" sz="1100"/>
+                        <a:t>SMR(iPWR)</a:t>
+                      </a:r>
+                      <a:endParaRPr lang="pl-PL" sz="1100">
+                        <a:solidFill>
+                          <a:schemeClr val="tx1"/>
+                        </a:solidFill>
+                        <a:latin typeface="Calibri"/>
+                        <a:ea typeface="Calibri"/>
+                        <a:cs typeface="Times New Roman"/>
+                      </a:endParaRPr>
+                    </a:p>
+                  </a:txBody>
+                  <a:tcPr marL="68580" marR="68580" marT="0" marB="0">
+                    <a:lnB w="12700" cap="flat" cmpd="sng" algn="ctr">
+                      <a:solidFill>
+                        <a:schemeClr val="tx1"/>
+                      </a:solidFill>
+                      <a:prstDash val="solid"/>
+                      <a:round/>
+                      <a:headEnd type="none" w="med" len="med"/>
+                      <a:tailEnd type="none" w="med" len="med"/>
+                    </a:lnB>
+                  </a:tcPr>
+                </a:tc>
+                <a:tc>
+                  <a:txBody>
+                    <a:bodyPr/>
+                    <a:lstStyle/>
+                    <a:p>
+                      <a:pPr algn="ctr">
+                        <a:lnSpc>
+                          <a:spcPct val="107000"/>
+                        </a:lnSpc>
+                        <a:spcAft>
+                          <a:spcPts val="0"/>
+                        </a:spcAft>
+                      </a:pPr>
+                      <a:r>
+                        <a:rPr lang="pl-PL" sz="1100"/>
+                        <a:t>180</a:t>
+                      </a:r>
+                      <a:endParaRPr lang="pl-PL" sz="1100">
+                        <a:solidFill>
+                          <a:schemeClr val="tx1"/>
+                        </a:solidFill>
+                        <a:latin typeface="Calibri"/>
+                        <a:ea typeface="Calibri"/>
+                        <a:cs typeface="Times New Roman"/>
+                      </a:endParaRPr>
+                    </a:p>
+                  </a:txBody>
+                  <a:tcPr marL="68580" marR="68580" marT="0" marB="0">
+                    <a:lnB w="12700" cap="flat" cmpd="sng" algn="ctr">
+                      <a:solidFill>
+                        <a:schemeClr val="tx1"/>
+                      </a:solidFill>
+                      <a:prstDash val="solid"/>
+                      <a:round/>
+                      <a:headEnd type="none" w="med" len="med"/>
+                      <a:tailEnd type="none" w="med" len="med"/>
+                    </a:lnB>
+                  </a:tcPr>
+                </a:tc>
+                <a:tc>
+                  <a:txBody>
+                    <a:bodyPr/>
+                    <a:lstStyle/>
+                    <a:p>
+                      <a:pPr algn="ctr">
+                        <a:lnSpc>
+                          <a:spcPct val="107000"/>
+                        </a:lnSpc>
+                        <a:spcAft>
+                          <a:spcPts val="0"/>
+                        </a:spcAft>
+                      </a:pPr>
+                      <a:r>
+                        <a:rPr lang="pl-PL" sz="1100" dirty="0"/>
+                        <a:t>USA</a:t>
+                      </a:r>
+                      <a:endParaRPr lang="pl-PL" sz="1100" dirty="0">
+                        <a:solidFill>
+                          <a:schemeClr val="tx1"/>
+                        </a:solidFill>
+                        <a:latin typeface="Calibri"/>
+                        <a:ea typeface="Calibri"/>
+                        <a:cs typeface="Times New Roman"/>
+                      </a:endParaRPr>
+                    </a:p>
+                  </a:txBody>
+                  <a:tcPr marL="68580" marR="68580" marT="0" marB="0">
+                    <a:lnB w="12700" cap="flat" cmpd="sng" algn="ctr">
+                      <a:solidFill>
+                        <a:schemeClr val="tx1"/>
+                      </a:solidFill>
+                      <a:prstDash val="solid"/>
+                      <a:round/>
+                      <a:headEnd type="none" w="med" len="med"/>
+                      <a:tailEnd type="none" w="med" len="med"/>
+                    </a:lnB>
+                  </a:tcPr>
+                </a:tc>
+              </a:tr>
+            </a:tbl>
+          </a:graphicData>
+        </a:graphic>
+      </p:graphicFrame>
     </p:spTree>
   </p:cSld>
   <p:clrMapOvr>

--- a/00_IMG_IK.pptx
+++ b/00_IMG_IK.pptx
@@ -298,7 +298,7 @@
             <a:fld id="{66221E02-25CB-4963-84BC-0813985E7D90}" type="datetimeFigureOut">
               <a:rPr lang="pl-PL" smtClean="0"/>
               <a:pPr/>
-              <a:t>2015-04-25</a:t>
+              <a:t>2015-04-28</a:t>
             </a:fld>
             <a:endParaRPr lang="pl-PL"/>
           </a:p>
@@ -465,7 +465,7 @@
             <a:fld id="{66221E02-25CB-4963-84BC-0813985E7D90}" type="datetimeFigureOut">
               <a:rPr lang="pl-PL" smtClean="0"/>
               <a:pPr/>
-              <a:t>2015-04-25</a:t>
+              <a:t>2015-04-28</a:t>
             </a:fld>
             <a:endParaRPr lang="pl-PL"/>
           </a:p>
@@ -642,7 +642,7 @@
             <a:fld id="{66221E02-25CB-4963-84BC-0813985E7D90}" type="datetimeFigureOut">
               <a:rPr lang="pl-PL" smtClean="0"/>
               <a:pPr/>
-              <a:t>2015-04-25</a:t>
+              <a:t>2015-04-28</a:t>
             </a:fld>
             <a:endParaRPr lang="pl-PL"/>
           </a:p>
@@ -809,7 +809,7 @@
             <a:fld id="{66221E02-25CB-4963-84BC-0813985E7D90}" type="datetimeFigureOut">
               <a:rPr lang="pl-PL" smtClean="0"/>
               <a:pPr/>
-              <a:t>2015-04-25</a:t>
+              <a:t>2015-04-28</a:t>
             </a:fld>
             <a:endParaRPr lang="pl-PL"/>
           </a:p>
@@ -1052,7 +1052,7 @@
             <a:fld id="{66221E02-25CB-4963-84BC-0813985E7D90}" type="datetimeFigureOut">
               <a:rPr lang="pl-PL" smtClean="0"/>
               <a:pPr/>
-              <a:t>2015-04-25</a:t>
+              <a:t>2015-04-28</a:t>
             </a:fld>
             <a:endParaRPr lang="pl-PL"/>
           </a:p>
@@ -1337,7 +1337,7 @@
             <a:fld id="{66221E02-25CB-4963-84BC-0813985E7D90}" type="datetimeFigureOut">
               <a:rPr lang="pl-PL" smtClean="0"/>
               <a:pPr/>
-              <a:t>2015-04-25</a:t>
+              <a:t>2015-04-28</a:t>
             </a:fld>
             <a:endParaRPr lang="pl-PL"/>
           </a:p>
@@ -1756,7 +1756,7 @@
             <a:fld id="{66221E02-25CB-4963-84BC-0813985E7D90}" type="datetimeFigureOut">
               <a:rPr lang="pl-PL" smtClean="0"/>
               <a:pPr/>
-              <a:t>2015-04-25</a:t>
+              <a:t>2015-04-28</a:t>
             </a:fld>
             <a:endParaRPr lang="pl-PL"/>
           </a:p>
@@ -1871,7 +1871,7 @@
             <a:fld id="{66221E02-25CB-4963-84BC-0813985E7D90}" type="datetimeFigureOut">
               <a:rPr lang="pl-PL" smtClean="0"/>
               <a:pPr/>
-              <a:t>2015-04-25</a:t>
+              <a:t>2015-04-28</a:t>
             </a:fld>
             <a:endParaRPr lang="pl-PL"/>
           </a:p>
@@ -1963,7 +1963,7 @@
             <a:fld id="{66221E02-25CB-4963-84BC-0813985E7D90}" type="datetimeFigureOut">
               <a:rPr lang="pl-PL" smtClean="0"/>
               <a:pPr/>
-              <a:t>2015-04-25</a:t>
+              <a:t>2015-04-28</a:t>
             </a:fld>
             <a:endParaRPr lang="pl-PL"/>
           </a:p>
@@ -2237,7 +2237,7 @@
             <a:fld id="{66221E02-25CB-4963-84BC-0813985E7D90}" type="datetimeFigureOut">
               <a:rPr lang="pl-PL" smtClean="0"/>
               <a:pPr/>
-              <a:t>2015-04-25</a:t>
+              <a:t>2015-04-28</a:t>
             </a:fld>
             <a:endParaRPr lang="pl-PL"/>
           </a:p>
@@ -2487,7 +2487,7 @@
             <a:fld id="{66221E02-25CB-4963-84BC-0813985E7D90}" type="datetimeFigureOut">
               <a:rPr lang="pl-PL" smtClean="0"/>
               <a:pPr/>
-              <a:t>2015-04-25</a:t>
+              <a:t>2015-04-28</a:t>
             </a:fld>
             <a:endParaRPr lang="pl-PL"/>
           </a:p>
@@ -2697,7 +2697,7 @@
             <a:fld id="{66221E02-25CB-4963-84BC-0813985E7D90}" type="datetimeFigureOut">
               <a:rPr lang="pl-PL" smtClean="0"/>
               <a:pPr/>
-              <a:t>2015-04-25</a:t>
+              <a:t>2015-04-28</a:t>
             </a:fld>
             <a:endParaRPr lang="pl-PL"/>
           </a:p>
@@ -3347,7 +3347,7 @@
           </a:prstGeom>
           <a:ln w="127000">
             <a:solidFill>
-              <a:srgbClr val="FFC000"/>
+              <a:srgbClr val="00B0F0"/>
             </a:solidFill>
           </a:ln>
         </p:spPr>
@@ -3441,7 +3441,7 @@
                   <a:srgbClr val="FF0000"/>
                 </a:gs>
                 <a:gs pos="100000">
-                  <a:srgbClr val="FFC000"/>
+                  <a:srgbClr val="00B0F0"/>
                 </a:gs>
                 <a:gs pos="100000">
                   <a:schemeClr val="accent1">
@@ -3520,7 +3520,7 @@
           </a:prstGeom>
           <a:ln w="127000">
             <a:solidFill>
-              <a:srgbClr val="FFC000"/>
+              <a:srgbClr val="00B0F0"/>
             </a:solidFill>
           </a:ln>
         </p:spPr>
@@ -3630,7 +3630,7 @@
           <a:gradFill>
             <a:gsLst>
               <a:gs pos="0">
-                <a:srgbClr val="FFC000"/>
+                <a:srgbClr val="00B0F0"/>
               </a:gs>
               <a:gs pos="100000">
                 <a:srgbClr val="FF0000"/>
@@ -6234,7 +6234,7 @@
                   <a:srgbClr val="FF0000"/>
                 </a:gs>
                 <a:gs pos="100000">
-                  <a:srgbClr val="FFC000"/>
+                  <a:srgbClr val="00B0F0"/>
                 </a:gs>
                 <a:gs pos="100000">
                   <a:schemeClr val="accent1">
@@ -19502,7 +19502,7 @@
           <a:blip r:embed="rId2" cstate="print">
             <a:extLst>
               <a:ext uri="{28A0092B-C50C-407E-A947-70E740481C1C}">
-                <a14:useLocalDpi xmlns="" xmlns:wpc="http://schemas.microsoft.com/office/word/2010/wordprocessingCanvas" xmlns:mc="http://schemas.openxmlformats.org/markup-compatibility/2006" xmlns:o="urn:schemas-microsoft-com:office:office" xmlns:m="http://schemas.openxmlformats.org/officeDocument/2006/math" xmlns:v="urn:schemas-microsoft-com:vml" xmlns:wp14="http://schemas.microsoft.com/office/word/2010/wordprocessingDrawing" xmlns:wp="http://schemas.openxmlformats.org/drawingml/2006/wordprocessingDrawing" xmlns:w10="urn:schemas-microsoft-com:office:word" xmlns:w="http://schemas.openxmlformats.org/wordprocessingml/2006/main" xmlns:w14="http://schemas.microsoft.com/office/word/2010/wordml" xmlns:w15="http://schemas.microsoft.com/office/word/2012/wordml" xmlns:wpg="http://schemas.microsoft.com/office/word/2010/wordprocessingGroup" xmlns:wpi="http://schemas.microsoft.com/office/word/2010/wordprocessingInk" xmlns:wne="http://schemas.microsoft.com/office/word/2006/wordml" xmlns:wps="http://schemas.microsoft.com/office/word/2010/wordprocessingShape" xmlns:a14="http://schemas.microsoft.com/office/drawing/2010/main" xmlns:pic="http://schemas.openxmlformats.org/drawingml/2006/picture" xmlns:lc="http://schemas.openxmlformats.org/drawingml/2006/lockedCanvas" val="0"/>
+                <a14:useLocalDpi xmlns:lc="http://schemas.openxmlformats.org/drawingml/2006/lockedCanvas" xmlns:pic="http://schemas.openxmlformats.org/drawingml/2006/picture" xmlns:a14="http://schemas.microsoft.com/office/drawing/2010/main" xmlns:wps="http://schemas.microsoft.com/office/word/2010/wordprocessingShape" xmlns:wne="http://schemas.microsoft.com/office/word/2006/wordml" xmlns:wpi="http://schemas.microsoft.com/office/word/2010/wordprocessingInk" xmlns:wpg="http://schemas.microsoft.com/office/word/2010/wordprocessingGroup" xmlns:w15="http://schemas.microsoft.com/office/word/2012/wordml" xmlns:w14="http://schemas.microsoft.com/office/word/2010/wordml" xmlns:w="http://schemas.openxmlformats.org/wordprocessingml/2006/main" xmlns:w10="urn:schemas-microsoft-com:office:word" xmlns:wp="http://schemas.openxmlformats.org/drawingml/2006/wordprocessingDrawing" xmlns:wp14="http://schemas.microsoft.com/office/word/2010/wordprocessingDrawing" xmlns:v="urn:schemas-microsoft-com:vml" xmlns:m="http://schemas.openxmlformats.org/officeDocument/2006/math" xmlns:o="urn:schemas-microsoft-com:office:office" xmlns:mc="http://schemas.openxmlformats.org/markup-compatibility/2006" xmlns:wpc="http://schemas.microsoft.com/office/word/2010/wordprocessingCanvas" xmlns="" val="0"/>
               </a:ext>
             </a:extLst>
           </a:blip>
@@ -19522,7 +19522,7 @@
           </a:ln>
           <a:extLst>
             <a:ext uri="{53640926-AAD7-44D8-BBD7-CCE9431645EC}">
-              <a14:shadowObscured xmlns="" xmlns:wpc="http://schemas.microsoft.com/office/word/2010/wordprocessingCanvas" xmlns:mc="http://schemas.openxmlformats.org/markup-compatibility/2006" xmlns:o="urn:schemas-microsoft-com:office:office" xmlns:m="http://schemas.openxmlformats.org/officeDocument/2006/math" xmlns:v="urn:schemas-microsoft-com:vml" xmlns:wp14="http://schemas.microsoft.com/office/word/2010/wordprocessingDrawing" xmlns:wp="http://schemas.openxmlformats.org/drawingml/2006/wordprocessingDrawing" xmlns:w10="urn:schemas-microsoft-com:office:word" xmlns:w="http://schemas.openxmlformats.org/wordprocessingml/2006/main" xmlns:w14="http://schemas.microsoft.com/office/word/2010/wordml" xmlns:w15="http://schemas.microsoft.com/office/word/2012/wordml" xmlns:wpg="http://schemas.microsoft.com/office/word/2010/wordprocessingGroup" xmlns:wpi="http://schemas.microsoft.com/office/word/2010/wordprocessingInk" xmlns:wne="http://schemas.microsoft.com/office/word/2006/wordml" xmlns:wps="http://schemas.microsoft.com/office/word/2010/wordprocessingShape" xmlns:a14="http://schemas.microsoft.com/office/drawing/2010/main" xmlns:pic="http://schemas.openxmlformats.org/drawingml/2006/picture" xmlns:lc="http://schemas.openxmlformats.org/drawingml/2006/lockedCanvas"/>
+              <a14:shadowObscured xmlns:lc="http://schemas.openxmlformats.org/drawingml/2006/lockedCanvas" xmlns:pic="http://schemas.openxmlformats.org/drawingml/2006/picture" xmlns:a14="http://schemas.microsoft.com/office/drawing/2010/main" xmlns:wps="http://schemas.microsoft.com/office/word/2010/wordprocessingShape" xmlns:wne="http://schemas.microsoft.com/office/word/2006/wordml" xmlns:wpi="http://schemas.microsoft.com/office/word/2010/wordprocessingInk" xmlns:wpg="http://schemas.microsoft.com/office/word/2010/wordprocessingGroup" xmlns:w15="http://schemas.microsoft.com/office/word/2012/wordml" xmlns:w14="http://schemas.microsoft.com/office/word/2010/wordml" xmlns:w="http://schemas.openxmlformats.org/wordprocessingml/2006/main" xmlns:w10="urn:schemas-microsoft-com:office:word" xmlns:wp="http://schemas.openxmlformats.org/drawingml/2006/wordprocessingDrawing" xmlns:wp14="http://schemas.microsoft.com/office/word/2010/wordprocessingDrawing" xmlns:v="urn:schemas-microsoft-com:vml" xmlns:m="http://schemas.openxmlformats.org/officeDocument/2006/math" xmlns:o="urn:schemas-microsoft-com:office:office" xmlns:mc="http://schemas.openxmlformats.org/markup-compatibility/2006" xmlns:wpc="http://schemas.microsoft.com/office/word/2010/wordprocessingCanvas" xmlns=""/>
             </a:ext>
           </a:extLst>
         </p:spPr>
@@ -20163,7 +20163,7 @@
           <a:blip r:embed="rId2" cstate="print">
             <a:extLst>
               <a:ext uri="{28A0092B-C50C-407E-A947-70E740481C1C}">
-                <a14:useLocalDpi xmlns="" xmlns:wpc="http://schemas.microsoft.com/office/word/2010/wordprocessingCanvas" xmlns:mc="http://schemas.openxmlformats.org/markup-compatibility/2006" xmlns:o="urn:schemas-microsoft-com:office:office" xmlns:m="http://schemas.openxmlformats.org/officeDocument/2006/math" xmlns:v="urn:schemas-microsoft-com:vml" xmlns:wp14="http://schemas.microsoft.com/office/word/2010/wordprocessingDrawing" xmlns:wp="http://schemas.openxmlformats.org/drawingml/2006/wordprocessingDrawing" xmlns:w10="urn:schemas-microsoft-com:office:word" xmlns:w="http://schemas.openxmlformats.org/wordprocessingml/2006/main" xmlns:w14="http://schemas.microsoft.com/office/word/2010/wordml" xmlns:w15="http://schemas.microsoft.com/office/word/2012/wordml" xmlns:wpg="http://schemas.microsoft.com/office/word/2010/wordprocessingGroup" xmlns:wpi="http://schemas.microsoft.com/office/word/2010/wordprocessingInk" xmlns:wne="http://schemas.microsoft.com/office/word/2006/wordml" xmlns:wps="http://schemas.microsoft.com/office/word/2010/wordprocessingShape" xmlns:a14="http://schemas.microsoft.com/office/drawing/2010/main" xmlns:pic="http://schemas.openxmlformats.org/drawingml/2006/picture" xmlns:lc="http://schemas.openxmlformats.org/drawingml/2006/lockedCanvas" val="0"/>
+                <a14:useLocalDpi xmlns:lc="http://schemas.openxmlformats.org/drawingml/2006/lockedCanvas" xmlns:pic="http://schemas.openxmlformats.org/drawingml/2006/picture" xmlns:a14="http://schemas.microsoft.com/office/drawing/2010/main" xmlns:wps="http://schemas.microsoft.com/office/word/2010/wordprocessingShape" xmlns:wne="http://schemas.microsoft.com/office/word/2006/wordml" xmlns:wpi="http://schemas.microsoft.com/office/word/2010/wordprocessingInk" xmlns:wpg="http://schemas.microsoft.com/office/word/2010/wordprocessingGroup" xmlns:w15="http://schemas.microsoft.com/office/word/2012/wordml" xmlns:w14="http://schemas.microsoft.com/office/word/2010/wordml" xmlns:w="http://schemas.openxmlformats.org/wordprocessingml/2006/main" xmlns:w10="urn:schemas-microsoft-com:office:word" xmlns:wp="http://schemas.openxmlformats.org/drawingml/2006/wordprocessingDrawing" xmlns:wp14="http://schemas.microsoft.com/office/word/2010/wordprocessingDrawing" xmlns:v="urn:schemas-microsoft-com:vml" xmlns:m="http://schemas.openxmlformats.org/officeDocument/2006/math" xmlns:o="urn:schemas-microsoft-com:office:office" xmlns:mc="http://schemas.openxmlformats.org/markup-compatibility/2006" xmlns:wpc="http://schemas.microsoft.com/office/word/2010/wordprocessingCanvas" xmlns="" val="0"/>
               </a:ext>
             </a:extLst>
           </a:blip>
@@ -20184,7 +20184,7 @@
           </a:ln>
           <a:extLst>
             <a:ext uri="{53640926-AAD7-44D8-BBD7-CCE9431645EC}">
-              <a14:shadowObscured xmlns="" xmlns:wpc="http://schemas.microsoft.com/office/word/2010/wordprocessingCanvas" xmlns:mc="http://schemas.openxmlformats.org/markup-compatibility/2006" xmlns:o="urn:schemas-microsoft-com:office:office" xmlns:m="http://schemas.openxmlformats.org/officeDocument/2006/math" xmlns:v="urn:schemas-microsoft-com:vml" xmlns:wp14="http://schemas.microsoft.com/office/word/2010/wordprocessingDrawing" xmlns:wp="http://schemas.openxmlformats.org/drawingml/2006/wordprocessingDrawing" xmlns:w10="urn:schemas-microsoft-com:office:word" xmlns:w="http://schemas.openxmlformats.org/wordprocessingml/2006/main" xmlns:w14="http://schemas.microsoft.com/office/word/2010/wordml" xmlns:w15="http://schemas.microsoft.com/office/word/2012/wordml" xmlns:wpg="http://schemas.microsoft.com/office/word/2010/wordprocessingGroup" xmlns:wpi="http://schemas.microsoft.com/office/word/2010/wordprocessingInk" xmlns:wne="http://schemas.microsoft.com/office/word/2006/wordml" xmlns:wps="http://schemas.microsoft.com/office/word/2010/wordprocessingShape" xmlns:a14="http://schemas.microsoft.com/office/drawing/2010/main" xmlns:pic="http://schemas.openxmlformats.org/drawingml/2006/picture" xmlns:lc="http://schemas.openxmlformats.org/drawingml/2006/lockedCanvas"/>
+              <a14:shadowObscured xmlns:lc="http://schemas.openxmlformats.org/drawingml/2006/lockedCanvas" xmlns:pic="http://schemas.openxmlformats.org/drawingml/2006/picture" xmlns:a14="http://schemas.microsoft.com/office/drawing/2010/main" xmlns:wps="http://schemas.microsoft.com/office/word/2010/wordprocessingShape" xmlns:wne="http://schemas.microsoft.com/office/word/2006/wordml" xmlns:wpi="http://schemas.microsoft.com/office/word/2010/wordprocessingInk" xmlns:wpg="http://schemas.microsoft.com/office/word/2010/wordprocessingGroup" xmlns:w15="http://schemas.microsoft.com/office/word/2012/wordml" xmlns:w14="http://schemas.microsoft.com/office/word/2010/wordml" xmlns:w="http://schemas.openxmlformats.org/wordprocessingml/2006/main" xmlns:w10="urn:schemas-microsoft-com:office:word" xmlns:wp="http://schemas.openxmlformats.org/drawingml/2006/wordprocessingDrawing" xmlns:wp14="http://schemas.microsoft.com/office/word/2010/wordprocessingDrawing" xmlns:v="urn:schemas-microsoft-com:vml" xmlns:m="http://schemas.openxmlformats.org/officeDocument/2006/math" xmlns:o="urn:schemas-microsoft-com:office:office" xmlns:mc="http://schemas.openxmlformats.org/markup-compatibility/2006" xmlns:wpc="http://schemas.microsoft.com/office/word/2010/wordprocessingCanvas" xmlns=""/>
             </a:ext>
           </a:extLst>
         </p:spPr>
